--- a/Presentations/Sprint 3 Review.pptx
+++ b/Presentations/Sprint 3 Review.pptx
@@ -1,22 +1,117 @@
 
 <file path=ppt/presentation.xml><?xml version="1.0" encoding="utf-8"?>
-<p:presentation xmlns:a="http://schemas.openxmlformats.org/drawingml/2006/main" xmlns:p="http://schemas.openxmlformats.org/presentationml/2006/main" xmlns:r="http://schemas.openxmlformats.org/officeDocument/2006/relationships" xmlns:p14="http://schemas.microsoft.com/office/powerpoint/2010/main" xmlns:p15="http://schemas.microsoft.com/office/powerpoint/2012/main" xmlns:mc="http://schemas.openxmlformats.org/markup-compatibility/2006">
+<p:presentation xmlns:a="http://schemas.openxmlformats.org/drawingml/2006/main" xmlns:r="http://schemas.openxmlformats.org/officeDocument/2006/relationships" xmlns:p="http://schemas.openxmlformats.org/presentationml/2006/main">
   <p:sldMasterIdLst>
-    <p:sldMasterId id="2147483648" r:id="rId2"/>
-    <p:sldMasterId id="2147483661" r:id="rId3"/>
+    <p:sldMasterId id="2147483648" r:id="rId1"/>
+    <p:sldMasterId id="2147483661" r:id="rId2"/>
   </p:sldMasterIdLst>
   <p:sldIdLst>
-    <p:sldId id="256" r:id="rId4"/>
-    <p:sldId id="257" r:id="rId5"/>
-    <p:sldId id="258" r:id="rId6"/>
+    <p:sldId id="256" r:id="rId3"/>
+    <p:sldId id="257" r:id="rId4"/>
+    <p:sldId id="258" r:id="rId5"/>
   </p:sldIdLst>
   <p:sldSz cx="12192000" cy="6858000"/>
   <p:notesSz cx="7772400" cy="10058400"/>
+  <p:defaultTextStyle>
+    <a:defPPr>
+      <a:defRPr lang="en-US"/>
+    </a:defPPr>
+    <a:lvl1pPr marL="0" algn="l" defTabSz="457200" rtl="0" eaLnBrk="1" latinLnBrk="0" hangingPunct="1">
+      <a:defRPr sz="1800" kern="1200">
+        <a:solidFill>
+          <a:schemeClr val="tx1"/>
+        </a:solidFill>
+        <a:latin typeface="+mn-lt"/>
+        <a:ea typeface="+mn-ea"/>
+        <a:cs typeface="+mn-cs"/>
+      </a:defRPr>
+    </a:lvl1pPr>
+    <a:lvl2pPr marL="457200" algn="l" defTabSz="457200" rtl="0" eaLnBrk="1" latinLnBrk="0" hangingPunct="1">
+      <a:defRPr sz="1800" kern="1200">
+        <a:solidFill>
+          <a:schemeClr val="tx1"/>
+        </a:solidFill>
+        <a:latin typeface="+mn-lt"/>
+        <a:ea typeface="+mn-ea"/>
+        <a:cs typeface="+mn-cs"/>
+      </a:defRPr>
+    </a:lvl2pPr>
+    <a:lvl3pPr marL="914400" algn="l" defTabSz="457200" rtl="0" eaLnBrk="1" latinLnBrk="0" hangingPunct="1">
+      <a:defRPr sz="1800" kern="1200">
+        <a:solidFill>
+          <a:schemeClr val="tx1"/>
+        </a:solidFill>
+        <a:latin typeface="+mn-lt"/>
+        <a:ea typeface="+mn-ea"/>
+        <a:cs typeface="+mn-cs"/>
+      </a:defRPr>
+    </a:lvl3pPr>
+    <a:lvl4pPr marL="1371600" algn="l" defTabSz="457200" rtl="0" eaLnBrk="1" latinLnBrk="0" hangingPunct="1">
+      <a:defRPr sz="1800" kern="1200">
+        <a:solidFill>
+          <a:schemeClr val="tx1"/>
+        </a:solidFill>
+        <a:latin typeface="+mn-lt"/>
+        <a:ea typeface="+mn-ea"/>
+        <a:cs typeface="+mn-cs"/>
+      </a:defRPr>
+    </a:lvl4pPr>
+    <a:lvl5pPr marL="1828800" algn="l" defTabSz="457200" rtl="0" eaLnBrk="1" latinLnBrk="0" hangingPunct="1">
+      <a:defRPr sz="1800" kern="1200">
+        <a:solidFill>
+          <a:schemeClr val="tx1"/>
+        </a:solidFill>
+        <a:latin typeface="+mn-lt"/>
+        <a:ea typeface="+mn-ea"/>
+        <a:cs typeface="+mn-cs"/>
+      </a:defRPr>
+    </a:lvl5pPr>
+    <a:lvl6pPr marL="2286000" algn="l" defTabSz="457200" rtl="0" eaLnBrk="1" latinLnBrk="0" hangingPunct="1">
+      <a:defRPr sz="1800" kern="1200">
+        <a:solidFill>
+          <a:schemeClr val="tx1"/>
+        </a:solidFill>
+        <a:latin typeface="+mn-lt"/>
+        <a:ea typeface="+mn-ea"/>
+        <a:cs typeface="+mn-cs"/>
+      </a:defRPr>
+    </a:lvl6pPr>
+    <a:lvl7pPr marL="2743200" algn="l" defTabSz="457200" rtl="0" eaLnBrk="1" latinLnBrk="0" hangingPunct="1">
+      <a:defRPr sz="1800" kern="1200">
+        <a:solidFill>
+          <a:schemeClr val="tx1"/>
+        </a:solidFill>
+        <a:latin typeface="+mn-lt"/>
+        <a:ea typeface="+mn-ea"/>
+        <a:cs typeface="+mn-cs"/>
+      </a:defRPr>
+    </a:lvl7pPr>
+    <a:lvl8pPr marL="3200400" algn="l" defTabSz="457200" rtl="0" eaLnBrk="1" latinLnBrk="0" hangingPunct="1">
+      <a:defRPr sz="1800" kern="1200">
+        <a:solidFill>
+          <a:schemeClr val="tx1"/>
+        </a:solidFill>
+        <a:latin typeface="+mn-lt"/>
+        <a:ea typeface="+mn-ea"/>
+        <a:cs typeface="+mn-cs"/>
+      </a:defRPr>
+    </a:lvl8pPr>
+    <a:lvl9pPr marL="3657600" algn="l" defTabSz="457200" rtl="0" eaLnBrk="1" latinLnBrk="0" hangingPunct="1">
+      <a:defRPr sz="1800" kern="1200">
+        <a:solidFill>
+          <a:schemeClr val="tx1"/>
+        </a:solidFill>
+        <a:latin typeface="+mn-lt"/>
+        <a:ea typeface="+mn-ea"/>
+        <a:cs typeface="+mn-cs"/>
+      </a:defRPr>
+    </a:lvl9pPr>
+  </p:defaultTextStyle>
 </p:presentation>
 </file>
 
 <file path=ppt/slideLayouts/slideLayout1.xml><?xml version="1.0" encoding="utf-8"?>
-<p:sldLayout xmlns:a="http://schemas.openxmlformats.org/drawingml/2006/main" xmlns:p="http://schemas.openxmlformats.org/presentationml/2006/main" xmlns:r="http://schemas.openxmlformats.org/officeDocument/2006/relationships" xmlns:p14="http://schemas.microsoft.com/office/powerpoint/2010/main" xmlns:p15="http://schemas.microsoft.com/office/powerpoint/2012/main" xmlns:mc="http://schemas.openxmlformats.org/markup-compatibility/2006" type="blank" preserve="1">
+<p:sldLayout xmlns:a="http://schemas.openxmlformats.org/drawingml/2006/main" xmlns:r="http://schemas.openxmlformats.org/officeDocument/2006/relationships" xmlns:p="http://schemas.openxmlformats.org/presentationml/2006/main" type="blank" preserve="1">
   <p:cSld name="Blank Slide">
     <p:spTree>
       <p:nvGrpSpPr>
@@ -34,11 +129,14 @@
       </p:grpSpPr>
     </p:spTree>
   </p:cSld>
+  <p:clrMapOvr>
+    <a:masterClrMapping/>
+  </p:clrMapOvr>
 </p:sldLayout>
 </file>
 
 <file path=ppt/slideLayouts/slideLayout10.xml><?xml version="1.0" encoding="utf-8"?>
-<p:sldLayout xmlns:a="http://schemas.openxmlformats.org/drawingml/2006/main" xmlns:p="http://schemas.openxmlformats.org/presentationml/2006/main" xmlns:r="http://schemas.openxmlformats.org/officeDocument/2006/relationships" xmlns:p14="http://schemas.microsoft.com/office/powerpoint/2010/main" xmlns:p15="http://schemas.microsoft.com/office/powerpoint/2012/main" xmlns:mc="http://schemas.openxmlformats.org/markup-compatibility/2006" type="objOverTx" preserve="1">
+<p:sldLayout xmlns:a="http://schemas.openxmlformats.org/drawingml/2006/main" xmlns:r="http://schemas.openxmlformats.org/officeDocument/2006/relationships" xmlns:p="http://schemas.openxmlformats.org/presentationml/2006/main" type="objOverTx" preserve="1">
   <p:cSld name="Title, Content over Content">
     <p:spTree>
       <p:nvGrpSpPr>
@@ -74,15 +172,16 @@
           </a:prstGeom>
         </p:spPr>
         <p:txBody>
-          <a:bodyPr lIns="0" rIns="0" tIns="0" bIns="0" anchor="ctr"/>
-          <a:p>
-            <a:endParaRPr b="0" lang="en-US" sz="1800" spc="-1" strike="noStrike">
-              <a:solidFill>
-                <a:srgbClr val="000000"/>
-              </a:solidFill>
-              <a:uFill>
-                <a:solidFill>
-                  <a:srgbClr val="ffffff"/>
+          <a:bodyPr lIns="0" tIns="0" rIns="0" bIns="0" anchor="ctr"/>
+          <a:lstStyle/>
+          <a:p>
+            <a:endParaRPr lang="en-US" sz="1800" b="0" strike="noStrike" spc="-1">
+              <a:solidFill>
+                <a:srgbClr val="000000"/>
+              </a:solidFill>
+              <a:uFill>
+                <a:solidFill>
+                  <a:srgbClr val="FFFFFF"/>
                 </a:solidFill>
               </a:uFill>
               <a:latin typeface="Arial"/>
@@ -110,15 +209,16 @@
           </a:prstGeom>
         </p:spPr>
         <p:txBody>
-          <a:bodyPr lIns="0" rIns="0" tIns="0" bIns="0"/>
-          <a:p>
-            <a:endParaRPr b="0" lang="en-US" sz="2800" spc="-1" strike="noStrike">
-              <a:solidFill>
-                <a:srgbClr val="000000"/>
-              </a:solidFill>
-              <a:uFill>
-                <a:solidFill>
-                  <a:srgbClr val="ffffff"/>
+          <a:bodyPr lIns="0" tIns="0" rIns="0" bIns="0"/>
+          <a:lstStyle/>
+          <a:p>
+            <a:endParaRPr lang="en-US" sz="2800" b="0" strike="noStrike" spc="-1">
+              <a:solidFill>
+                <a:srgbClr val="000000"/>
+              </a:solidFill>
+              <a:uFill>
+                <a:solidFill>
+                  <a:srgbClr val="FFFFFF"/>
                 </a:solidFill>
               </a:uFill>
               <a:latin typeface="Arial"/>
@@ -146,15 +246,16 @@
           </a:prstGeom>
         </p:spPr>
         <p:txBody>
-          <a:bodyPr lIns="0" rIns="0" tIns="0" bIns="0"/>
-          <a:p>
-            <a:endParaRPr b="0" lang="en-US" sz="2800" spc="-1" strike="noStrike">
-              <a:solidFill>
-                <a:srgbClr val="000000"/>
-              </a:solidFill>
-              <a:uFill>
-                <a:solidFill>
-                  <a:srgbClr val="ffffff"/>
+          <a:bodyPr lIns="0" tIns="0" rIns="0" bIns="0"/>
+          <a:lstStyle/>
+          <a:p>
+            <a:endParaRPr lang="en-US" sz="2800" b="0" strike="noStrike" spc="-1">
+              <a:solidFill>
+                <a:srgbClr val="000000"/>
+              </a:solidFill>
+              <a:uFill>
+                <a:solidFill>
+                  <a:srgbClr val="FFFFFF"/>
                 </a:solidFill>
               </a:uFill>
               <a:latin typeface="Arial"/>
@@ -164,11 +265,14 @@
       </p:sp>
     </p:spTree>
   </p:cSld>
+  <p:clrMapOvr>
+    <a:masterClrMapping/>
+  </p:clrMapOvr>
 </p:sldLayout>
 </file>
 
 <file path=ppt/slideLayouts/slideLayout11.xml><?xml version="1.0" encoding="utf-8"?>
-<p:sldLayout xmlns:a="http://schemas.openxmlformats.org/drawingml/2006/main" xmlns:p="http://schemas.openxmlformats.org/presentationml/2006/main" xmlns:r="http://schemas.openxmlformats.org/officeDocument/2006/relationships" xmlns:p14="http://schemas.microsoft.com/office/powerpoint/2010/main" xmlns:p15="http://schemas.microsoft.com/office/powerpoint/2012/main" xmlns:mc="http://schemas.openxmlformats.org/markup-compatibility/2006" type="fourObj" preserve="1">
+<p:sldLayout xmlns:a="http://schemas.openxmlformats.org/drawingml/2006/main" xmlns:r="http://schemas.openxmlformats.org/officeDocument/2006/relationships" xmlns:p="http://schemas.openxmlformats.org/presentationml/2006/main" type="fourObj" preserve="1">
   <p:cSld name="Title, 4 Content">
     <p:spTree>
       <p:nvGrpSpPr>
@@ -204,15 +308,16 @@
           </a:prstGeom>
         </p:spPr>
         <p:txBody>
-          <a:bodyPr lIns="0" rIns="0" tIns="0" bIns="0" anchor="ctr"/>
-          <a:p>
-            <a:endParaRPr b="0" lang="en-US" sz="1800" spc="-1" strike="noStrike">
-              <a:solidFill>
-                <a:srgbClr val="000000"/>
-              </a:solidFill>
-              <a:uFill>
-                <a:solidFill>
-                  <a:srgbClr val="ffffff"/>
+          <a:bodyPr lIns="0" tIns="0" rIns="0" bIns="0" anchor="ctr"/>
+          <a:lstStyle/>
+          <a:p>
+            <a:endParaRPr lang="en-US" sz="1800" b="0" strike="noStrike" spc="-1">
+              <a:solidFill>
+                <a:srgbClr val="000000"/>
+              </a:solidFill>
+              <a:uFill>
+                <a:solidFill>
+                  <a:srgbClr val="FFFFFF"/>
                 </a:solidFill>
               </a:uFill>
               <a:latin typeface="Arial"/>
@@ -240,15 +345,16 @@
           </a:prstGeom>
         </p:spPr>
         <p:txBody>
-          <a:bodyPr lIns="0" rIns="0" tIns="0" bIns="0"/>
-          <a:p>
-            <a:endParaRPr b="0" lang="en-US" sz="2800" spc="-1" strike="noStrike">
-              <a:solidFill>
-                <a:srgbClr val="000000"/>
-              </a:solidFill>
-              <a:uFill>
-                <a:solidFill>
-                  <a:srgbClr val="ffffff"/>
+          <a:bodyPr lIns="0" tIns="0" rIns="0" bIns="0"/>
+          <a:lstStyle/>
+          <a:p>
+            <a:endParaRPr lang="en-US" sz="2800" b="0" strike="noStrike" spc="-1">
+              <a:solidFill>
+                <a:srgbClr val="000000"/>
+              </a:solidFill>
+              <a:uFill>
+                <a:solidFill>
+                  <a:srgbClr val="FFFFFF"/>
                 </a:solidFill>
               </a:uFill>
               <a:latin typeface="Arial"/>
@@ -276,15 +382,16 @@
           </a:prstGeom>
         </p:spPr>
         <p:txBody>
-          <a:bodyPr lIns="0" rIns="0" tIns="0" bIns="0"/>
-          <a:p>
-            <a:endParaRPr b="0" lang="en-US" sz="2800" spc="-1" strike="noStrike">
-              <a:solidFill>
-                <a:srgbClr val="000000"/>
-              </a:solidFill>
-              <a:uFill>
-                <a:solidFill>
-                  <a:srgbClr val="ffffff"/>
+          <a:bodyPr lIns="0" tIns="0" rIns="0" bIns="0"/>
+          <a:lstStyle/>
+          <a:p>
+            <a:endParaRPr lang="en-US" sz="2800" b="0" strike="noStrike" spc="-1">
+              <a:solidFill>
+                <a:srgbClr val="000000"/>
+              </a:solidFill>
+              <a:uFill>
+                <a:solidFill>
+                  <a:srgbClr val="FFFFFF"/>
                 </a:solidFill>
               </a:uFill>
               <a:latin typeface="Arial"/>
@@ -312,15 +419,16 @@
           </a:prstGeom>
         </p:spPr>
         <p:txBody>
-          <a:bodyPr lIns="0" rIns="0" tIns="0" bIns="0"/>
-          <a:p>
-            <a:endParaRPr b="0" lang="en-US" sz="2800" spc="-1" strike="noStrike">
-              <a:solidFill>
-                <a:srgbClr val="000000"/>
-              </a:solidFill>
-              <a:uFill>
-                <a:solidFill>
-                  <a:srgbClr val="ffffff"/>
+          <a:bodyPr lIns="0" tIns="0" rIns="0" bIns="0"/>
+          <a:lstStyle/>
+          <a:p>
+            <a:endParaRPr lang="en-US" sz="2800" b="0" strike="noStrike" spc="-1">
+              <a:solidFill>
+                <a:srgbClr val="000000"/>
+              </a:solidFill>
+              <a:uFill>
+                <a:solidFill>
+                  <a:srgbClr val="FFFFFF"/>
                 </a:solidFill>
               </a:uFill>
               <a:latin typeface="Arial"/>
@@ -348,15 +456,16 @@
           </a:prstGeom>
         </p:spPr>
         <p:txBody>
-          <a:bodyPr lIns="0" rIns="0" tIns="0" bIns="0"/>
-          <a:p>
-            <a:endParaRPr b="0" lang="en-US" sz="2800" spc="-1" strike="noStrike">
-              <a:solidFill>
-                <a:srgbClr val="000000"/>
-              </a:solidFill>
-              <a:uFill>
-                <a:solidFill>
-                  <a:srgbClr val="ffffff"/>
+          <a:bodyPr lIns="0" tIns="0" rIns="0" bIns="0"/>
+          <a:lstStyle/>
+          <a:p>
+            <a:endParaRPr lang="en-US" sz="2800" b="0" strike="noStrike" spc="-1">
+              <a:solidFill>
+                <a:srgbClr val="000000"/>
+              </a:solidFill>
+              <a:uFill>
+                <a:solidFill>
+                  <a:srgbClr val="FFFFFF"/>
                 </a:solidFill>
               </a:uFill>
               <a:latin typeface="Arial"/>
@@ -366,11 +475,14 @@
       </p:sp>
     </p:spTree>
   </p:cSld>
+  <p:clrMapOvr>
+    <a:masterClrMapping/>
+  </p:clrMapOvr>
 </p:sldLayout>
 </file>
 
 <file path=ppt/slideLayouts/slideLayout12.xml><?xml version="1.0" encoding="utf-8"?>
-<p:sldLayout xmlns:a="http://schemas.openxmlformats.org/drawingml/2006/main" xmlns:p="http://schemas.openxmlformats.org/presentationml/2006/main" xmlns:r="http://schemas.openxmlformats.org/officeDocument/2006/relationships" xmlns:p14="http://schemas.microsoft.com/office/powerpoint/2010/main" xmlns:p15="http://schemas.microsoft.com/office/powerpoint/2012/main" xmlns:mc="http://schemas.openxmlformats.org/markup-compatibility/2006" type="blank" preserve="1">
+<p:sldLayout xmlns:a="http://schemas.openxmlformats.org/drawingml/2006/main" xmlns:r="http://schemas.openxmlformats.org/officeDocument/2006/relationships" xmlns:p="http://schemas.openxmlformats.org/presentationml/2006/main" type="blank" preserve="1">
   <p:cSld name="Title, 6 Content">
     <p:spTree>
       <p:nvGrpSpPr>
@@ -406,15 +518,16 @@
           </a:prstGeom>
         </p:spPr>
         <p:txBody>
-          <a:bodyPr lIns="0" rIns="0" tIns="0" bIns="0" anchor="ctr"/>
-          <a:p>
-            <a:endParaRPr b="0" lang="en-US" sz="1800" spc="-1" strike="noStrike">
-              <a:solidFill>
-                <a:srgbClr val="000000"/>
-              </a:solidFill>
-              <a:uFill>
-                <a:solidFill>
-                  <a:srgbClr val="ffffff"/>
+          <a:bodyPr lIns="0" tIns="0" rIns="0" bIns="0" anchor="ctr"/>
+          <a:lstStyle/>
+          <a:p>
+            <a:endParaRPr lang="en-US" sz="1800" b="0" strike="noStrike" spc="-1">
+              <a:solidFill>
+                <a:srgbClr val="000000"/>
+              </a:solidFill>
+              <a:uFill>
+                <a:solidFill>
+                  <a:srgbClr val="FFFFFF"/>
                 </a:solidFill>
               </a:uFill>
               <a:latin typeface="Arial"/>
@@ -442,15 +555,16 @@
           </a:prstGeom>
         </p:spPr>
         <p:txBody>
-          <a:bodyPr lIns="0" rIns="0" tIns="0" bIns="0"/>
-          <a:p>
-            <a:endParaRPr b="0" lang="en-US" sz="2800" spc="-1" strike="noStrike">
-              <a:solidFill>
-                <a:srgbClr val="000000"/>
-              </a:solidFill>
-              <a:uFill>
-                <a:solidFill>
-                  <a:srgbClr val="ffffff"/>
+          <a:bodyPr lIns="0" tIns="0" rIns="0" bIns="0"/>
+          <a:lstStyle/>
+          <a:p>
+            <a:endParaRPr lang="en-US" sz="2800" b="0" strike="noStrike" spc="-1">
+              <a:solidFill>
+                <a:srgbClr val="000000"/>
+              </a:solidFill>
+              <a:uFill>
+                <a:solidFill>
+                  <a:srgbClr val="FFFFFF"/>
                 </a:solidFill>
               </a:uFill>
               <a:latin typeface="Arial"/>
@@ -478,15 +592,16 @@
           </a:prstGeom>
         </p:spPr>
         <p:txBody>
-          <a:bodyPr lIns="0" rIns="0" tIns="0" bIns="0"/>
-          <a:p>
-            <a:endParaRPr b="0" lang="en-US" sz="2800" spc="-1" strike="noStrike">
-              <a:solidFill>
-                <a:srgbClr val="000000"/>
-              </a:solidFill>
-              <a:uFill>
-                <a:solidFill>
-                  <a:srgbClr val="ffffff"/>
+          <a:bodyPr lIns="0" tIns="0" rIns="0" bIns="0"/>
+          <a:lstStyle/>
+          <a:p>
+            <a:endParaRPr lang="en-US" sz="2800" b="0" strike="noStrike" spc="-1">
+              <a:solidFill>
+                <a:srgbClr val="000000"/>
+              </a:solidFill>
+              <a:uFill>
+                <a:solidFill>
+                  <a:srgbClr val="FFFFFF"/>
                 </a:solidFill>
               </a:uFill>
               <a:latin typeface="Arial"/>
@@ -496,7 +611,7 @@
       </p:sp>
       <p:pic>
         <p:nvPicPr>
-          <p:cNvPr id="34" name="" descr=""/>
+          <p:cNvPr id="34" name="Picture 33"/>
           <p:cNvPicPr/>
           <p:nvPr/>
         </p:nvPicPr>
@@ -519,12 +634,12 @@
       </p:pic>
       <p:pic>
         <p:nvPicPr>
-          <p:cNvPr id="35" name="" descr=""/>
+          <p:cNvPr id="35" name="Picture 34"/>
           <p:cNvPicPr/>
           <p:nvPr/>
         </p:nvPicPr>
         <p:blipFill>
-          <a:blip r:embed="rId3"/>
+          <a:blip r:embed="rId2"/>
           <a:stretch/>
         </p:blipFill>
         <p:spPr>
@@ -542,11 +657,14 @@
       </p:pic>
     </p:spTree>
   </p:cSld>
+  <p:clrMapOvr>
+    <a:masterClrMapping/>
+  </p:clrMapOvr>
 </p:sldLayout>
 </file>
 
 <file path=ppt/slideLayouts/slideLayout13.xml><?xml version="1.0" encoding="utf-8"?>
-<p:sldLayout xmlns:a="http://schemas.openxmlformats.org/drawingml/2006/main" xmlns:p="http://schemas.openxmlformats.org/presentationml/2006/main" xmlns:r="http://schemas.openxmlformats.org/officeDocument/2006/relationships" xmlns:p14="http://schemas.microsoft.com/office/powerpoint/2010/main" xmlns:p15="http://schemas.microsoft.com/office/powerpoint/2012/main" xmlns:mc="http://schemas.openxmlformats.org/markup-compatibility/2006" type="blank" preserve="1">
+<p:sldLayout xmlns:a="http://schemas.openxmlformats.org/drawingml/2006/main" xmlns:r="http://schemas.openxmlformats.org/officeDocument/2006/relationships" xmlns:p="http://schemas.openxmlformats.org/presentationml/2006/main" type="blank" preserve="1">
   <p:cSld name="Blank Slide">
     <p:spTree>
       <p:nvGrpSpPr>
@@ -564,11 +682,14 @@
       </p:grpSpPr>
     </p:spTree>
   </p:cSld>
+  <p:clrMapOvr>
+    <a:masterClrMapping/>
+  </p:clrMapOvr>
 </p:sldLayout>
 </file>
 
 <file path=ppt/slideLayouts/slideLayout14.xml><?xml version="1.0" encoding="utf-8"?>
-<p:sldLayout xmlns:a="http://schemas.openxmlformats.org/drawingml/2006/main" xmlns:p="http://schemas.openxmlformats.org/presentationml/2006/main" xmlns:r="http://schemas.openxmlformats.org/officeDocument/2006/relationships" xmlns:p14="http://schemas.microsoft.com/office/powerpoint/2010/main" xmlns:p15="http://schemas.microsoft.com/office/powerpoint/2012/main" xmlns:mc="http://schemas.openxmlformats.org/markup-compatibility/2006" type="tx" preserve="1">
+<p:sldLayout xmlns:a="http://schemas.openxmlformats.org/drawingml/2006/main" xmlns:r="http://schemas.openxmlformats.org/officeDocument/2006/relationships" xmlns:p="http://schemas.openxmlformats.org/presentationml/2006/main" type="tx" preserve="1">
   <p:cSld name="Title Slide">
     <p:spTree>
       <p:nvGrpSpPr>
@@ -604,15 +725,16 @@
           </a:prstGeom>
         </p:spPr>
         <p:txBody>
-          <a:bodyPr lIns="0" rIns="0" tIns="0" bIns="0" anchor="ctr"/>
-          <a:p>
-            <a:endParaRPr b="0" lang="en-US" sz="1800" spc="-1" strike="noStrike">
-              <a:solidFill>
-                <a:srgbClr val="000000"/>
-              </a:solidFill>
-              <a:uFill>
-                <a:solidFill>
-                  <a:srgbClr val="ffffff"/>
+          <a:bodyPr lIns="0" tIns="0" rIns="0" bIns="0" anchor="ctr"/>
+          <a:lstStyle/>
+          <a:p>
+            <a:endParaRPr lang="en-US" sz="1800" b="0" strike="noStrike" spc="-1">
+              <a:solidFill>
+                <a:srgbClr val="000000"/>
+              </a:solidFill>
+              <a:uFill>
+                <a:solidFill>
+                  <a:srgbClr val="FFFFFF"/>
                 </a:solidFill>
               </a:uFill>
               <a:latin typeface="Arial"/>
@@ -640,16 +762,17 @@
           </a:prstGeom>
         </p:spPr>
         <p:txBody>
-          <a:bodyPr lIns="0" rIns="0" tIns="0" bIns="0" anchor="ctr"/>
+          <a:bodyPr lIns="0" tIns="0" rIns="0" bIns="0" anchor="ctr"/>
+          <a:lstStyle/>
           <a:p>
             <a:pPr algn="ctr"/>
-            <a:endParaRPr b="0" lang="en-US" sz="3200" spc="-1" strike="noStrike">
-              <a:solidFill>
-                <a:srgbClr val="000000"/>
-              </a:solidFill>
-              <a:uFill>
-                <a:solidFill>
-                  <a:srgbClr val="ffffff"/>
+            <a:endParaRPr lang="en-US" sz="3200" b="0" strike="noStrike" spc="-1">
+              <a:solidFill>
+                <a:srgbClr val="000000"/>
+              </a:solidFill>
+              <a:uFill>
+                <a:solidFill>
+                  <a:srgbClr val="FFFFFF"/>
                 </a:solidFill>
               </a:uFill>
               <a:latin typeface="Arial"/>
@@ -659,11 +782,14 @@
       </p:sp>
     </p:spTree>
   </p:cSld>
+  <p:clrMapOvr>
+    <a:masterClrMapping/>
+  </p:clrMapOvr>
 </p:sldLayout>
 </file>
 
 <file path=ppt/slideLayouts/slideLayout15.xml><?xml version="1.0" encoding="utf-8"?>
-<p:sldLayout xmlns:a="http://schemas.openxmlformats.org/drawingml/2006/main" xmlns:p="http://schemas.openxmlformats.org/presentationml/2006/main" xmlns:r="http://schemas.openxmlformats.org/officeDocument/2006/relationships" xmlns:p14="http://schemas.microsoft.com/office/powerpoint/2010/main" xmlns:p15="http://schemas.microsoft.com/office/powerpoint/2012/main" xmlns:mc="http://schemas.openxmlformats.org/markup-compatibility/2006" type="obj" preserve="1">
+<p:sldLayout xmlns:a="http://schemas.openxmlformats.org/drawingml/2006/main" xmlns:r="http://schemas.openxmlformats.org/officeDocument/2006/relationships" xmlns:p="http://schemas.openxmlformats.org/presentationml/2006/main" type="obj" preserve="1">
   <p:cSld name="Title, Content">
     <p:spTree>
       <p:nvGrpSpPr>
@@ -699,15 +825,16 @@
           </a:prstGeom>
         </p:spPr>
         <p:txBody>
-          <a:bodyPr lIns="0" rIns="0" tIns="0" bIns="0" anchor="ctr"/>
-          <a:p>
-            <a:endParaRPr b="0" lang="en-US" sz="1800" spc="-1" strike="noStrike">
-              <a:solidFill>
-                <a:srgbClr val="000000"/>
-              </a:solidFill>
-              <a:uFill>
-                <a:solidFill>
-                  <a:srgbClr val="ffffff"/>
+          <a:bodyPr lIns="0" tIns="0" rIns="0" bIns="0" anchor="ctr"/>
+          <a:lstStyle/>
+          <a:p>
+            <a:endParaRPr lang="en-US" sz="1800" b="0" strike="noStrike" spc="-1">
+              <a:solidFill>
+                <a:srgbClr val="000000"/>
+              </a:solidFill>
+              <a:uFill>
+                <a:solidFill>
+                  <a:srgbClr val="FFFFFF"/>
                 </a:solidFill>
               </a:uFill>
               <a:latin typeface="Arial"/>
@@ -735,15 +862,16 @@
           </a:prstGeom>
         </p:spPr>
         <p:txBody>
-          <a:bodyPr lIns="0" rIns="0" tIns="0" bIns="0"/>
-          <a:p>
-            <a:endParaRPr b="0" lang="en-US" sz="2800" spc="-1" strike="noStrike">
-              <a:solidFill>
-                <a:srgbClr val="000000"/>
-              </a:solidFill>
-              <a:uFill>
-                <a:solidFill>
-                  <a:srgbClr val="ffffff"/>
+          <a:bodyPr lIns="0" tIns="0" rIns="0" bIns="0"/>
+          <a:lstStyle/>
+          <a:p>
+            <a:endParaRPr lang="en-US" sz="2800" b="0" strike="noStrike" spc="-1">
+              <a:solidFill>
+                <a:srgbClr val="000000"/>
+              </a:solidFill>
+              <a:uFill>
+                <a:solidFill>
+                  <a:srgbClr val="FFFFFF"/>
                 </a:solidFill>
               </a:uFill>
               <a:latin typeface="Arial"/>
@@ -753,11 +881,14 @@
       </p:sp>
     </p:spTree>
   </p:cSld>
+  <p:clrMapOvr>
+    <a:masterClrMapping/>
+  </p:clrMapOvr>
 </p:sldLayout>
 </file>
 
 <file path=ppt/slideLayouts/slideLayout16.xml><?xml version="1.0" encoding="utf-8"?>
-<p:sldLayout xmlns:a="http://schemas.openxmlformats.org/drawingml/2006/main" xmlns:p="http://schemas.openxmlformats.org/presentationml/2006/main" xmlns:r="http://schemas.openxmlformats.org/officeDocument/2006/relationships" xmlns:p14="http://schemas.microsoft.com/office/powerpoint/2010/main" xmlns:p15="http://schemas.microsoft.com/office/powerpoint/2012/main" xmlns:mc="http://schemas.openxmlformats.org/markup-compatibility/2006" type="twoObj" preserve="1">
+<p:sldLayout xmlns:a="http://schemas.openxmlformats.org/drawingml/2006/main" xmlns:r="http://schemas.openxmlformats.org/officeDocument/2006/relationships" xmlns:p="http://schemas.openxmlformats.org/presentationml/2006/main" type="twoObj" preserve="1">
   <p:cSld name="Title, 2 Content">
     <p:spTree>
       <p:nvGrpSpPr>
@@ -793,15 +924,16 @@
           </a:prstGeom>
         </p:spPr>
         <p:txBody>
-          <a:bodyPr lIns="0" rIns="0" tIns="0" bIns="0" anchor="ctr"/>
-          <a:p>
-            <a:endParaRPr b="0" lang="en-US" sz="1800" spc="-1" strike="noStrike">
-              <a:solidFill>
-                <a:srgbClr val="000000"/>
-              </a:solidFill>
-              <a:uFill>
-                <a:solidFill>
-                  <a:srgbClr val="ffffff"/>
+          <a:bodyPr lIns="0" tIns="0" rIns="0" bIns="0" anchor="ctr"/>
+          <a:lstStyle/>
+          <a:p>
+            <a:endParaRPr lang="en-US" sz="1800" b="0" strike="noStrike" spc="-1">
+              <a:solidFill>
+                <a:srgbClr val="000000"/>
+              </a:solidFill>
+              <a:uFill>
+                <a:solidFill>
+                  <a:srgbClr val="FFFFFF"/>
                 </a:solidFill>
               </a:uFill>
               <a:latin typeface="Arial"/>
@@ -829,15 +961,16 @@
           </a:prstGeom>
         </p:spPr>
         <p:txBody>
-          <a:bodyPr lIns="0" rIns="0" tIns="0" bIns="0"/>
-          <a:p>
-            <a:endParaRPr b="0" lang="en-US" sz="2800" spc="-1" strike="noStrike">
-              <a:solidFill>
-                <a:srgbClr val="000000"/>
-              </a:solidFill>
-              <a:uFill>
-                <a:solidFill>
-                  <a:srgbClr val="ffffff"/>
+          <a:bodyPr lIns="0" tIns="0" rIns="0" bIns="0"/>
+          <a:lstStyle/>
+          <a:p>
+            <a:endParaRPr lang="en-US" sz="2800" b="0" strike="noStrike" spc="-1">
+              <a:solidFill>
+                <a:srgbClr val="000000"/>
+              </a:solidFill>
+              <a:uFill>
+                <a:solidFill>
+                  <a:srgbClr val="FFFFFF"/>
                 </a:solidFill>
               </a:uFill>
               <a:latin typeface="Arial"/>
@@ -865,15 +998,16 @@
           </a:prstGeom>
         </p:spPr>
         <p:txBody>
-          <a:bodyPr lIns="0" rIns="0" tIns="0" bIns="0"/>
-          <a:p>
-            <a:endParaRPr b="0" lang="en-US" sz="2800" spc="-1" strike="noStrike">
-              <a:solidFill>
-                <a:srgbClr val="000000"/>
-              </a:solidFill>
-              <a:uFill>
-                <a:solidFill>
-                  <a:srgbClr val="ffffff"/>
+          <a:bodyPr lIns="0" tIns="0" rIns="0" bIns="0"/>
+          <a:lstStyle/>
+          <a:p>
+            <a:endParaRPr lang="en-US" sz="2800" b="0" strike="noStrike" spc="-1">
+              <a:solidFill>
+                <a:srgbClr val="000000"/>
+              </a:solidFill>
+              <a:uFill>
+                <a:solidFill>
+                  <a:srgbClr val="FFFFFF"/>
                 </a:solidFill>
               </a:uFill>
               <a:latin typeface="Arial"/>
@@ -883,11 +1017,14 @@
       </p:sp>
     </p:spTree>
   </p:cSld>
+  <p:clrMapOvr>
+    <a:masterClrMapping/>
+  </p:clrMapOvr>
 </p:sldLayout>
 </file>
 
 <file path=ppt/slideLayouts/slideLayout17.xml><?xml version="1.0" encoding="utf-8"?>
-<p:sldLayout xmlns:a="http://schemas.openxmlformats.org/drawingml/2006/main" xmlns:p="http://schemas.openxmlformats.org/presentationml/2006/main" xmlns:r="http://schemas.openxmlformats.org/officeDocument/2006/relationships" xmlns:p14="http://schemas.microsoft.com/office/powerpoint/2010/main" xmlns:p15="http://schemas.microsoft.com/office/powerpoint/2012/main" xmlns:mc="http://schemas.openxmlformats.org/markup-compatibility/2006" type="titleOnly" preserve="1">
+<p:sldLayout xmlns:a="http://schemas.openxmlformats.org/drawingml/2006/main" xmlns:r="http://schemas.openxmlformats.org/officeDocument/2006/relationships" xmlns:p="http://schemas.openxmlformats.org/presentationml/2006/main" type="titleOnly" preserve="1">
   <p:cSld name="Title Only">
     <p:spTree>
       <p:nvGrpSpPr>
@@ -923,15 +1060,16 @@
           </a:prstGeom>
         </p:spPr>
         <p:txBody>
-          <a:bodyPr lIns="0" rIns="0" tIns="0" bIns="0" anchor="ctr"/>
-          <a:p>
-            <a:endParaRPr b="0" lang="en-US" sz="1800" spc="-1" strike="noStrike">
-              <a:solidFill>
-                <a:srgbClr val="000000"/>
-              </a:solidFill>
-              <a:uFill>
-                <a:solidFill>
-                  <a:srgbClr val="ffffff"/>
+          <a:bodyPr lIns="0" tIns="0" rIns="0" bIns="0" anchor="ctr"/>
+          <a:lstStyle/>
+          <a:p>
+            <a:endParaRPr lang="en-US" sz="1800" b="0" strike="noStrike" spc="-1">
+              <a:solidFill>
+                <a:srgbClr val="000000"/>
+              </a:solidFill>
+              <a:uFill>
+                <a:solidFill>
+                  <a:srgbClr val="FFFFFF"/>
                 </a:solidFill>
               </a:uFill>
               <a:latin typeface="Arial"/>
@@ -941,11 +1079,14 @@
       </p:sp>
     </p:spTree>
   </p:cSld>
+  <p:clrMapOvr>
+    <a:masterClrMapping/>
+  </p:clrMapOvr>
 </p:sldLayout>
 </file>
 
 <file path=ppt/slideLayouts/slideLayout18.xml><?xml version="1.0" encoding="utf-8"?>
-<p:sldLayout xmlns:a="http://schemas.openxmlformats.org/drawingml/2006/main" xmlns:p="http://schemas.openxmlformats.org/presentationml/2006/main" xmlns:r="http://schemas.openxmlformats.org/officeDocument/2006/relationships" xmlns:p14="http://schemas.microsoft.com/office/powerpoint/2010/main" xmlns:p15="http://schemas.microsoft.com/office/powerpoint/2012/main" xmlns:mc="http://schemas.openxmlformats.org/markup-compatibility/2006" type="objOnly" preserve="1">
+<p:sldLayout xmlns:a="http://schemas.openxmlformats.org/drawingml/2006/main" xmlns:r="http://schemas.openxmlformats.org/officeDocument/2006/relationships" xmlns:p="http://schemas.openxmlformats.org/presentationml/2006/main" type="objOnly" preserve="1">
   <p:cSld name="Centered Text">
     <p:spTree>
       <p:nvGrpSpPr>
@@ -981,16 +1122,17 @@
           </a:prstGeom>
         </p:spPr>
         <p:txBody>
-          <a:bodyPr lIns="0" rIns="0" tIns="0" bIns="0" anchor="ctr"/>
+          <a:bodyPr lIns="0" tIns="0" rIns="0" bIns="0" anchor="ctr"/>
+          <a:lstStyle/>
           <a:p>
             <a:pPr algn="ctr"/>
-            <a:endParaRPr b="0" lang="en-US" sz="3200" spc="-1" strike="noStrike">
-              <a:solidFill>
-                <a:srgbClr val="000000"/>
-              </a:solidFill>
-              <a:uFill>
-                <a:solidFill>
-                  <a:srgbClr val="ffffff"/>
+            <a:endParaRPr lang="en-US" sz="3200" b="0" strike="noStrike" spc="-1">
+              <a:solidFill>
+                <a:srgbClr val="000000"/>
+              </a:solidFill>
+              <a:uFill>
+                <a:solidFill>
+                  <a:srgbClr val="FFFFFF"/>
                 </a:solidFill>
               </a:uFill>
               <a:latin typeface="Arial"/>
@@ -1000,11 +1142,14 @@
       </p:sp>
     </p:spTree>
   </p:cSld>
+  <p:clrMapOvr>
+    <a:masterClrMapping/>
+  </p:clrMapOvr>
 </p:sldLayout>
 </file>
 
 <file path=ppt/slideLayouts/slideLayout19.xml><?xml version="1.0" encoding="utf-8"?>
-<p:sldLayout xmlns:a="http://schemas.openxmlformats.org/drawingml/2006/main" xmlns:p="http://schemas.openxmlformats.org/presentationml/2006/main" xmlns:r="http://schemas.openxmlformats.org/officeDocument/2006/relationships" xmlns:p14="http://schemas.microsoft.com/office/powerpoint/2010/main" xmlns:p15="http://schemas.microsoft.com/office/powerpoint/2012/main" xmlns:mc="http://schemas.openxmlformats.org/markup-compatibility/2006" type="twoObjAndObj" preserve="1">
+<p:sldLayout xmlns:a="http://schemas.openxmlformats.org/drawingml/2006/main" xmlns:r="http://schemas.openxmlformats.org/officeDocument/2006/relationships" xmlns:p="http://schemas.openxmlformats.org/presentationml/2006/main" type="twoObjAndObj" preserve="1">
   <p:cSld name="Title, 2 Content and Content">
     <p:spTree>
       <p:nvGrpSpPr>
@@ -1040,15 +1185,16 @@
           </a:prstGeom>
         </p:spPr>
         <p:txBody>
-          <a:bodyPr lIns="0" rIns="0" tIns="0" bIns="0" anchor="ctr"/>
-          <a:p>
-            <a:endParaRPr b="0" lang="en-US" sz="1800" spc="-1" strike="noStrike">
-              <a:solidFill>
-                <a:srgbClr val="000000"/>
-              </a:solidFill>
-              <a:uFill>
-                <a:solidFill>
-                  <a:srgbClr val="ffffff"/>
+          <a:bodyPr lIns="0" tIns="0" rIns="0" bIns="0" anchor="ctr"/>
+          <a:lstStyle/>
+          <a:p>
+            <a:endParaRPr lang="en-US" sz="1800" b="0" strike="noStrike" spc="-1">
+              <a:solidFill>
+                <a:srgbClr val="000000"/>
+              </a:solidFill>
+              <a:uFill>
+                <a:solidFill>
+                  <a:srgbClr val="FFFFFF"/>
                 </a:solidFill>
               </a:uFill>
               <a:latin typeface="Arial"/>
@@ -1076,15 +1222,16 @@
           </a:prstGeom>
         </p:spPr>
         <p:txBody>
-          <a:bodyPr lIns="0" rIns="0" tIns="0" bIns="0"/>
-          <a:p>
-            <a:endParaRPr b="0" lang="en-US" sz="2800" spc="-1" strike="noStrike">
-              <a:solidFill>
-                <a:srgbClr val="000000"/>
-              </a:solidFill>
-              <a:uFill>
-                <a:solidFill>
-                  <a:srgbClr val="ffffff"/>
+          <a:bodyPr lIns="0" tIns="0" rIns="0" bIns="0"/>
+          <a:lstStyle/>
+          <a:p>
+            <a:endParaRPr lang="en-US" sz="2800" b="0" strike="noStrike" spc="-1">
+              <a:solidFill>
+                <a:srgbClr val="000000"/>
+              </a:solidFill>
+              <a:uFill>
+                <a:solidFill>
+                  <a:srgbClr val="FFFFFF"/>
                 </a:solidFill>
               </a:uFill>
               <a:latin typeface="Arial"/>
@@ -1112,15 +1259,16 @@
           </a:prstGeom>
         </p:spPr>
         <p:txBody>
-          <a:bodyPr lIns="0" rIns="0" tIns="0" bIns="0"/>
-          <a:p>
-            <a:endParaRPr b="0" lang="en-US" sz="2800" spc="-1" strike="noStrike">
-              <a:solidFill>
-                <a:srgbClr val="000000"/>
-              </a:solidFill>
-              <a:uFill>
-                <a:solidFill>
-                  <a:srgbClr val="ffffff"/>
+          <a:bodyPr lIns="0" tIns="0" rIns="0" bIns="0"/>
+          <a:lstStyle/>
+          <a:p>
+            <a:endParaRPr lang="en-US" sz="2800" b="0" strike="noStrike" spc="-1">
+              <a:solidFill>
+                <a:srgbClr val="000000"/>
+              </a:solidFill>
+              <a:uFill>
+                <a:solidFill>
+                  <a:srgbClr val="FFFFFF"/>
                 </a:solidFill>
               </a:uFill>
               <a:latin typeface="Arial"/>
@@ -1148,15 +1296,16 @@
           </a:prstGeom>
         </p:spPr>
         <p:txBody>
-          <a:bodyPr lIns="0" rIns="0" tIns="0" bIns="0"/>
-          <a:p>
-            <a:endParaRPr b="0" lang="en-US" sz="2800" spc="-1" strike="noStrike">
-              <a:solidFill>
-                <a:srgbClr val="000000"/>
-              </a:solidFill>
-              <a:uFill>
-                <a:solidFill>
-                  <a:srgbClr val="ffffff"/>
+          <a:bodyPr lIns="0" tIns="0" rIns="0" bIns="0"/>
+          <a:lstStyle/>
+          <a:p>
+            <a:endParaRPr lang="en-US" sz="2800" b="0" strike="noStrike" spc="-1">
+              <a:solidFill>
+                <a:srgbClr val="000000"/>
+              </a:solidFill>
+              <a:uFill>
+                <a:solidFill>
+                  <a:srgbClr val="FFFFFF"/>
                 </a:solidFill>
               </a:uFill>
               <a:latin typeface="Arial"/>
@@ -1166,11 +1315,14 @@
       </p:sp>
     </p:spTree>
   </p:cSld>
+  <p:clrMapOvr>
+    <a:masterClrMapping/>
+  </p:clrMapOvr>
 </p:sldLayout>
 </file>
 
 <file path=ppt/slideLayouts/slideLayout2.xml><?xml version="1.0" encoding="utf-8"?>
-<p:sldLayout xmlns:a="http://schemas.openxmlformats.org/drawingml/2006/main" xmlns:p="http://schemas.openxmlformats.org/presentationml/2006/main" xmlns:r="http://schemas.openxmlformats.org/officeDocument/2006/relationships" xmlns:p14="http://schemas.microsoft.com/office/powerpoint/2010/main" xmlns:p15="http://schemas.microsoft.com/office/powerpoint/2012/main" xmlns:mc="http://schemas.openxmlformats.org/markup-compatibility/2006" type="tx" preserve="1">
+<p:sldLayout xmlns:a="http://schemas.openxmlformats.org/drawingml/2006/main" xmlns:r="http://schemas.openxmlformats.org/officeDocument/2006/relationships" xmlns:p="http://schemas.openxmlformats.org/presentationml/2006/main" type="tx" preserve="1">
   <p:cSld name="Title Slide">
     <p:spTree>
       <p:nvGrpSpPr>
@@ -1206,15 +1358,16 @@
           </a:prstGeom>
         </p:spPr>
         <p:txBody>
-          <a:bodyPr lIns="0" rIns="0" tIns="0" bIns="0" anchor="ctr"/>
-          <a:p>
-            <a:endParaRPr b="0" lang="en-US" sz="1800" spc="-1" strike="noStrike">
-              <a:solidFill>
-                <a:srgbClr val="000000"/>
-              </a:solidFill>
-              <a:uFill>
-                <a:solidFill>
-                  <a:srgbClr val="ffffff"/>
+          <a:bodyPr lIns="0" tIns="0" rIns="0" bIns="0" anchor="ctr"/>
+          <a:lstStyle/>
+          <a:p>
+            <a:endParaRPr lang="en-US" sz="1800" b="0" strike="noStrike" spc="-1">
+              <a:solidFill>
+                <a:srgbClr val="000000"/>
+              </a:solidFill>
+              <a:uFill>
+                <a:solidFill>
+                  <a:srgbClr val="FFFFFF"/>
                 </a:solidFill>
               </a:uFill>
               <a:latin typeface="Arial"/>
@@ -1242,16 +1395,17 @@
           </a:prstGeom>
         </p:spPr>
         <p:txBody>
-          <a:bodyPr lIns="0" rIns="0" tIns="0" bIns="0" anchor="ctr"/>
+          <a:bodyPr lIns="0" tIns="0" rIns="0" bIns="0" anchor="ctr"/>
+          <a:lstStyle/>
           <a:p>
             <a:pPr algn="ctr"/>
-            <a:endParaRPr b="0" lang="en-US" sz="3200" spc="-1" strike="noStrike">
-              <a:solidFill>
-                <a:srgbClr val="000000"/>
-              </a:solidFill>
-              <a:uFill>
-                <a:solidFill>
-                  <a:srgbClr val="ffffff"/>
+            <a:endParaRPr lang="en-US" sz="3200" b="0" strike="noStrike" spc="-1">
+              <a:solidFill>
+                <a:srgbClr val="000000"/>
+              </a:solidFill>
+              <a:uFill>
+                <a:solidFill>
+                  <a:srgbClr val="FFFFFF"/>
                 </a:solidFill>
               </a:uFill>
               <a:latin typeface="Arial"/>
@@ -1261,11 +1415,14 @@
       </p:sp>
     </p:spTree>
   </p:cSld>
+  <p:clrMapOvr>
+    <a:masterClrMapping/>
+  </p:clrMapOvr>
 </p:sldLayout>
 </file>
 
 <file path=ppt/slideLayouts/slideLayout20.xml><?xml version="1.0" encoding="utf-8"?>
-<p:sldLayout xmlns:a="http://schemas.openxmlformats.org/drawingml/2006/main" xmlns:p="http://schemas.openxmlformats.org/presentationml/2006/main" xmlns:r="http://schemas.openxmlformats.org/officeDocument/2006/relationships" xmlns:p14="http://schemas.microsoft.com/office/powerpoint/2010/main" xmlns:p15="http://schemas.microsoft.com/office/powerpoint/2012/main" xmlns:mc="http://schemas.openxmlformats.org/markup-compatibility/2006" type="objAndTwoObj" preserve="1">
+<p:sldLayout xmlns:a="http://schemas.openxmlformats.org/drawingml/2006/main" xmlns:r="http://schemas.openxmlformats.org/officeDocument/2006/relationships" xmlns:p="http://schemas.openxmlformats.org/presentationml/2006/main" type="objAndTwoObj" preserve="1">
   <p:cSld name="Title Content and 2 Content">
     <p:spTree>
       <p:nvGrpSpPr>
@@ -1301,15 +1458,16 @@
           </a:prstGeom>
         </p:spPr>
         <p:txBody>
-          <a:bodyPr lIns="0" rIns="0" tIns="0" bIns="0" anchor="ctr"/>
-          <a:p>
-            <a:endParaRPr b="0" lang="en-US" sz="1800" spc="-1" strike="noStrike">
-              <a:solidFill>
-                <a:srgbClr val="000000"/>
-              </a:solidFill>
-              <a:uFill>
-                <a:solidFill>
-                  <a:srgbClr val="ffffff"/>
+          <a:bodyPr lIns="0" tIns="0" rIns="0" bIns="0" anchor="ctr"/>
+          <a:lstStyle/>
+          <a:p>
+            <a:endParaRPr lang="en-US" sz="1800" b="0" strike="noStrike" spc="-1">
+              <a:solidFill>
+                <a:srgbClr val="000000"/>
+              </a:solidFill>
+              <a:uFill>
+                <a:solidFill>
+                  <a:srgbClr val="FFFFFF"/>
                 </a:solidFill>
               </a:uFill>
               <a:latin typeface="Arial"/>
@@ -1337,15 +1495,16 @@
           </a:prstGeom>
         </p:spPr>
         <p:txBody>
-          <a:bodyPr lIns="0" rIns="0" tIns="0" bIns="0"/>
-          <a:p>
-            <a:endParaRPr b="0" lang="en-US" sz="2800" spc="-1" strike="noStrike">
-              <a:solidFill>
-                <a:srgbClr val="000000"/>
-              </a:solidFill>
-              <a:uFill>
-                <a:solidFill>
-                  <a:srgbClr val="ffffff"/>
+          <a:bodyPr lIns="0" tIns="0" rIns="0" bIns="0"/>
+          <a:lstStyle/>
+          <a:p>
+            <a:endParaRPr lang="en-US" sz="2800" b="0" strike="noStrike" spc="-1">
+              <a:solidFill>
+                <a:srgbClr val="000000"/>
+              </a:solidFill>
+              <a:uFill>
+                <a:solidFill>
+                  <a:srgbClr val="FFFFFF"/>
                 </a:solidFill>
               </a:uFill>
               <a:latin typeface="Arial"/>
@@ -1373,15 +1532,16 @@
           </a:prstGeom>
         </p:spPr>
         <p:txBody>
-          <a:bodyPr lIns="0" rIns="0" tIns="0" bIns="0"/>
-          <a:p>
-            <a:endParaRPr b="0" lang="en-US" sz="2800" spc="-1" strike="noStrike">
-              <a:solidFill>
-                <a:srgbClr val="000000"/>
-              </a:solidFill>
-              <a:uFill>
-                <a:solidFill>
-                  <a:srgbClr val="ffffff"/>
+          <a:bodyPr lIns="0" tIns="0" rIns="0" bIns="0"/>
+          <a:lstStyle/>
+          <a:p>
+            <a:endParaRPr lang="en-US" sz="2800" b="0" strike="noStrike" spc="-1">
+              <a:solidFill>
+                <a:srgbClr val="000000"/>
+              </a:solidFill>
+              <a:uFill>
+                <a:solidFill>
+                  <a:srgbClr val="FFFFFF"/>
                 </a:solidFill>
               </a:uFill>
               <a:latin typeface="Arial"/>
@@ -1409,15 +1569,16 @@
           </a:prstGeom>
         </p:spPr>
         <p:txBody>
-          <a:bodyPr lIns="0" rIns="0" tIns="0" bIns="0"/>
-          <a:p>
-            <a:endParaRPr b="0" lang="en-US" sz="2800" spc="-1" strike="noStrike">
-              <a:solidFill>
-                <a:srgbClr val="000000"/>
-              </a:solidFill>
-              <a:uFill>
-                <a:solidFill>
-                  <a:srgbClr val="ffffff"/>
+          <a:bodyPr lIns="0" tIns="0" rIns="0" bIns="0"/>
+          <a:lstStyle/>
+          <a:p>
+            <a:endParaRPr lang="en-US" sz="2800" b="0" strike="noStrike" spc="-1">
+              <a:solidFill>
+                <a:srgbClr val="000000"/>
+              </a:solidFill>
+              <a:uFill>
+                <a:solidFill>
+                  <a:srgbClr val="FFFFFF"/>
                 </a:solidFill>
               </a:uFill>
               <a:latin typeface="Arial"/>
@@ -1427,11 +1588,14 @@
       </p:sp>
     </p:spTree>
   </p:cSld>
+  <p:clrMapOvr>
+    <a:masterClrMapping/>
+  </p:clrMapOvr>
 </p:sldLayout>
 </file>
 
 <file path=ppt/slideLayouts/slideLayout21.xml><?xml version="1.0" encoding="utf-8"?>
-<p:sldLayout xmlns:a="http://schemas.openxmlformats.org/drawingml/2006/main" xmlns:p="http://schemas.openxmlformats.org/presentationml/2006/main" xmlns:r="http://schemas.openxmlformats.org/officeDocument/2006/relationships" xmlns:p14="http://schemas.microsoft.com/office/powerpoint/2010/main" xmlns:p15="http://schemas.microsoft.com/office/powerpoint/2012/main" xmlns:mc="http://schemas.openxmlformats.org/markup-compatibility/2006" type="twoObjOverTx" preserve="1">
+<p:sldLayout xmlns:a="http://schemas.openxmlformats.org/drawingml/2006/main" xmlns:r="http://schemas.openxmlformats.org/officeDocument/2006/relationships" xmlns:p="http://schemas.openxmlformats.org/presentationml/2006/main" type="twoObjOverTx" preserve="1">
   <p:cSld name="Title, 2 Content over Content">
     <p:spTree>
       <p:nvGrpSpPr>
@@ -1467,15 +1631,16 @@
           </a:prstGeom>
         </p:spPr>
         <p:txBody>
-          <a:bodyPr lIns="0" rIns="0" tIns="0" bIns="0" anchor="ctr"/>
-          <a:p>
-            <a:endParaRPr b="0" lang="en-US" sz="1800" spc="-1" strike="noStrike">
-              <a:solidFill>
-                <a:srgbClr val="000000"/>
-              </a:solidFill>
-              <a:uFill>
-                <a:solidFill>
-                  <a:srgbClr val="ffffff"/>
+          <a:bodyPr lIns="0" tIns="0" rIns="0" bIns="0" anchor="ctr"/>
+          <a:lstStyle/>
+          <a:p>
+            <a:endParaRPr lang="en-US" sz="1800" b="0" strike="noStrike" spc="-1">
+              <a:solidFill>
+                <a:srgbClr val="000000"/>
+              </a:solidFill>
+              <a:uFill>
+                <a:solidFill>
+                  <a:srgbClr val="FFFFFF"/>
                 </a:solidFill>
               </a:uFill>
               <a:latin typeface="Arial"/>
@@ -1503,15 +1668,16 @@
           </a:prstGeom>
         </p:spPr>
         <p:txBody>
-          <a:bodyPr lIns="0" rIns="0" tIns="0" bIns="0"/>
-          <a:p>
-            <a:endParaRPr b="0" lang="en-US" sz="2800" spc="-1" strike="noStrike">
-              <a:solidFill>
-                <a:srgbClr val="000000"/>
-              </a:solidFill>
-              <a:uFill>
-                <a:solidFill>
-                  <a:srgbClr val="ffffff"/>
+          <a:bodyPr lIns="0" tIns="0" rIns="0" bIns="0"/>
+          <a:lstStyle/>
+          <a:p>
+            <a:endParaRPr lang="en-US" sz="2800" b="0" strike="noStrike" spc="-1">
+              <a:solidFill>
+                <a:srgbClr val="000000"/>
+              </a:solidFill>
+              <a:uFill>
+                <a:solidFill>
+                  <a:srgbClr val="FFFFFF"/>
                 </a:solidFill>
               </a:uFill>
               <a:latin typeface="Arial"/>
@@ -1539,15 +1705,16 @@
           </a:prstGeom>
         </p:spPr>
         <p:txBody>
-          <a:bodyPr lIns="0" rIns="0" tIns="0" bIns="0"/>
-          <a:p>
-            <a:endParaRPr b="0" lang="en-US" sz="2800" spc="-1" strike="noStrike">
-              <a:solidFill>
-                <a:srgbClr val="000000"/>
-              </a:solidFill>
-              <a:uFill>
-                <a:solidFill>
-                  <a:srgbClr val="ffffff"/>
+          <a:bodyPr lIns="0" tIns="0" rIns="0" bIns="0"/>
+          <a:lstStyle/>
+          <a:p>
+            <a:endParaRPr lang="en-US" sz="2800" b="0" strike="noStrike" spc="-1">
+              <a:solidFill>
+                <a:srgbClr val="000000"/>
+              </a:solidFill>
+              <a:uFill>
+                <a:solidFill>
+                  <a:srgbClr val="FFFFFF"/>
                 </a:solidFill>
               </a:uFill>
               <a:latin typeface="Arial"/>
@@ -1575,15 +1742,16 @@
           </a:prstGeom>
         </p:spPr>
         <p:txBody>
-          <a:bodyPr lIns="0" rIns="0" tIns="0" bIns="0"/>
-          <a:p>
-            <a:endParaRPr b="0" lang="en-US" sz="2800" spc="-1" strike="noStrike">
-              <a:solidFill>
-                <a:srgbClr val="000000"/>
-              </a:solidFill>
-              <a:uFill>
-                <a:solidFill>
-                  <a:srgbClr val="ffffff"/>
+          <a:bodyPr lIns="0" tIns="0" rIns="0" bIns="0"/>
+          <a:lstStyle/>
+          <a:p>
+            <a:endParaRPr lang="en-US" sz="2800" b="0" strike="noStrike" spc="-1">
+              <a:solidFill>
+                <a:srgbClr val="000000"/>
+              </a:solidFill>
+              <a:uFill>
+                <a:solidFill>
+                  <a:srgbClr val="FFFFFF"/>
                 </a:solidFill>
               </a:uFill>
               <a:latin typeface="Arial"/>
@@ -1593,11 +1761,14 @@
       </p:sp>
     </p:spTree>
   </p:cSld>
+  <p:clrMapOvr>
+    <a:masterClrMapping/>
+  </p:clrMapOvr>
 </p:sldLayout>
 </file>
 
 <file path=ppt/slideLayouts/slideLayout22.xml><?xml version="1.0" encoding="utf-8"?>
-<p:sldLayout xmlns:a="http://schemas.openxmlformats.org/drawingml/2006/main" xmlns:p="http://schemas.openxmlformats.org/presentationml/2006/main" xmlns:r="http://schemas.openxmlformats.org/officeDocument/2006/relationships" xmlns:p14="http://schemas.microsoft.com/office/powerpoint/2010/main" xmlns:p15="http://schemas.microsoft.com/office/powerpoint/2012/main" xmlns:mc="http://schemas.openxmlformats.org/markup-compatibility/2006" type="objOverTx" preserve="1">
+<p:sldLayout xmlns:a="http://schemas.openxmlformats.org/drawingml/2006/main" xmlns:r="http://schemas.openxmlformats.org/officeDocument/2006/relationships" xmlns:p="http://schemas.openxmlformats.org/presentationml/2006/main" type="objOverTx" preserve="1">
   <p:cSld name="Title, Content over Content">
     <p:spTree>
       <p:nvGrpSpPr>
@@ -1633,15 +1804,16 @@
           </a:prstGeom>
         </p:spPr>
         <p:txBody>
-          <a:bodyPr lIns="0" rIns="0" tIns="0" bIns="0" anchor="ctr"/>
-          <a:p>
-            <a:endParaRPr b="0" lang="en-US" sz="1800" spc="-1" strike="noStrike">
-              <a:solidFill>
-                <a:srgbClr val="000000"/>
-              </a:solidFill>
-              <a:uFill>
-                <a:solidFill>
-                  <a:srgbClr val="ffffff"/>
+          <a:bodyPr lIns="0" tIns="0" rIns="0" bIns="0" anchor="ctr"/>
+          <a:lstStyle/>
+          <a:p>
+            <a:endParaRPr lang="en-US" sz="1800" b="0" strike="noStrike" spc="-1">
+              <a:solidFill>
+                <a:srgbClr val="000000"/>
+              </a:solidFill>
+              <a:uFill>
+                <a:solidFill>
+                  <a:srgbClr val="FFFFFF"/>
                 </a:solidFill>
               </a:uFill>
               <a:latin typeface="Arial"/>
@@ -1669,15 +1841,16 @@
           </a:prstGeom>
         </p:spPr>
         <p:txBody>
-          <a:bodyPr lIns="0" rIns="0" tIns="0" bIns="0"/>
-          <a:p>
-            <a:endParaRPr b="0" lang="en-US" sz="2800" spc="-1" strike="noStrike">
-              <a:solidFill>
-                <a:srgbClr val="000000"/>
-              </a:solidFill>
-              <a:uFill>
-                <a:solidFill>
-                  <a:srgbClr val="ffffff"/>
+          <a:bodyPr lIns="0" tIns="0" rIns="0" bIns="0"/>
+          <a:lstStyle/>
+          <a:p>
+            <a:endParaRPr lang="en-US" sz="2800" b="0" strike="noStrike" spc="-1">
+              <a:solidFill>
+                <a:srgbClr val="000000"/>
+              </a:solidFill>
+              <a:uFill>
+                <a:solidFill>
+                  <a:srgbClr val="FFFFFF"/>
                 </a:solidFill>
               </a:uFill>
               <a:latin typeface="Arial"/>
@@ -1705,15 +1878,16 @@
           </a:prstGeom>
         </p:spPr>
         <p:txBody>
-          <a:bodyPr lIns="0" rIns="0" tIns="0" bIns="0"/>
-          <a:p>
-            <a:endParaRPr b="0" lang="en-US" sz="2800" spc="-1" strike="noStrike">
-              <a:solidFill>
-                <a:srgbClr val="000000"/>
-              </a:solidFill>
-              <a:uFill>
-                <a:solidFill>
-                  <a:srgbClr val="ffffff"/>
+          <a:bodyPr lIns="0" tIns="0" rIns="0" bIns="0"/>
+          <a:lstStyle/>
+          <a:p>
+            <a:endParaRPr lang="en-US" sz="2800" b="0" strike="noStrike" spc="-1">
+              <a:solidFill>
+                <a:srgbClr val="000000"/>
+              </a:solidFill>
+              <a:uFill>
+                <a:solidFill>
+                  <a:srgbClr val="FFFFFF"/>
                 </a:solidFill>
               </a:uFill>
               <a:latin typeface="Arial"/>
@@ -1723,11 +1897,14 @@
       </p:sp>
     </p:spTree>
   </p:cSld>
+  <p:clrMapOvr>
+    <a:masterClrMapping/>
+  </p:clrMapOvr>
 </p:sldLayout>
 </file>
 
 <file path=ppt/slideLayouts/slideLayout23.xml><?xml version="1.0" encoding="utf-8"?>
-<p:sldLayout xmlns:a="http://schemas.openxmlformats.org/drawingml/2006/main" xmlns:p="http://schemas.openxmlformats.org/presentationml/2006/main" xmlns:r="http://schemas.openxmlformats.org/officeDocument/2006/relationships" xmlns:p14="http://schemas.microsoft.com/office/powerpoint/2010/main" xmlns:p15="http://schemas.microsoft.com/office/powerpoint/2012/main" xmlns:mc="http://schemas.openxmlformats.org/markup-compatibility/2006" type="fourObj" preserve="1">
+<p:sldLayout xmlns:a="http://schemas.openxmlformats.org/drawingml/2006/main" xmlns:r="http://schemas.openxmlformats.org/officeDocument/2006/relationships" xmlns:p="http://schemas.openxmlformats.org/presentationml/2006/main" type="fourObj" preserve="1">
   <p:cSld name="Title, 4 Content">
     <p:spTree>
       <p:nvGrpSpPr>
@@ -1763,15 +1940,16 @@
           </a:prstGeom>
         </p:spPr>
         <p:txBody>
-          <a:bodyPr lIns="0" rIns="0" tIns="0" bIns="0" anchor="ctr"/>
-          <a:p>
-            <a:endParaRPr b="0" lang="en-US" sz="1800" spc="-1" strike="noStrike">
-              <a:solidFill>
-                <a:srgbClr val="000000"/>
-              </a:solidFill>
-              <a:uFill>
-                <a:solidFill>
-                  <a:srgbClr val="ffffff"/>
+          <a:bodyPr lIns="0" tIns="0" rIns="0" bIns="0" anchor="ctr"/>
+          <a:lstStyle/>
+          <a:p>
+            <a:endParaRPr lang="en-US" sz="1800" b="0" strike="noStrike" spc="-1">
+              <a:solidFill>
+                <a:srgbClr val="000000"/>
+              </a:solidFill>
+              <a:uFill>
+                <a:solidFill>
+                  <a:srgbClr val="FFFFFF"/>
                 </a:solidFill>
               </a:uFill>
               <a:latin typeface="Arial"/>
@@ -1799,15 +1977,16 @@
           </a:prstGeom>
         </p:spPr>
         <p:txBody>
-          <a:bodyPr lIns="0" rIns="0" tIns="0" bIns="0"/>
-          <a:p>
-            <a:endParaRPr b="0" lang="en-US" sz="2800" spc="-1" strike="noStrike">
-              <a:solidFill>
-                <a:srgbClr val="000000"/>
-              </a:solidFill>
-              <a:uFill>
-                <a:solidFill>
-                  <a:srgbClr val="ffffff"/>
+          <a:bodyPr lIns="0" tIns="0" rIns="0" bIns="0"/>
+          <a:lstStyle/>
+          <a:p>
+            <a:endParaRPr lang="en-US" sz="2800" b="0" strike="noStrike" spc="-1">
+              <a:solidFill>
+                <a:srgbClr val="000000"/>
+              </a:solidFill>
+              <a:uFill>
+                <a:solidFill>
+                  <a:srgbClr val="FFFFFF"/>
                 </a:solidFill>
               </a:uFill>
               <a:latin typeface="Arial"/>
@@ -1835,15 +2014,16 @@
           </a:prstGeom>
         </p:spPr>
         <p:txBody>
-          <a:bodyPr lIns="0" rIns="0" tIns="0" bIns="0"/>
-          <a:p>
-            <a:endParaRPr b="0" lang="en-US" sz="2800" spc="-1" strike="noStrike">
-              <a:solidFill>
-                <a:srgbClr val="000000"/>
-              </a:solidFill>
-              <a:uFill>
-                <a:solidFill>
-                  <a:srgbClr val="ffffff"/>
+          <a:bodyPr lIns="0" tIns="0" rIns="0" bIns="0"/>
+          <a:lstStyle/>
+          <a:p>
+            <a:endParaRPr lang="en-US" sz="2800" b="0" strike="noStrike" spc="-1">
+              <a:solidFill>
+                <a:srgbClr val="000000"/>
+              </a:solidFill>
+              <a:uFill>
+                <a:solidFill>
+                  <a:srgbClr val="FFFFFF"/>
                 </a:solidFill>
               </a:uFill>
               <a:latin typeface="Arial"/>
@@ -1871,15 +2051,16 @@
           </a:prstGeom>
         </p:spPr>
         <p:txBody>
-          <a:bodyPr lIns="0" rIns="0" tIns="0" bIns="0"/>
-          <a:p>
-            <a:endParaRPr b="0" lang="en-US" sz="2800" spc="-1" strike="noStrike">
-              <a:solidFill>
-                <a:srgbClr val="000000"/>
-              </a:solidFill>
-              <a:uFill>
-                <a:solidFill>
-                  <a:srgbClr val="ffffff"/>
+          <a:bodyPr lIns="0" tIns="0" rIns="0" bIns="0"/>
+          <a:lstStyle/>
+          <a:p>
+            <a:endParaRPr lang="en-US" sz="2800" b="0" strike="noStrike" spc="-1">
+              <a:solidFill>
+                <a:srgbClr val="000000"/>
+              </a:solidFill>
+              <a:uFill>
+                <a:solidFill>
+                  <a:srgbClr val="FFFFFF"/>
                 </a:solidFill>
               </a:uFill>
               <a:latin typeface="Arial"/>
@@ -1907,15 +2088,16 @@
           </a:prstGeom>
         </p:spPr>
         <p:txBody>
-          <a:bodyPr lIns="0" rIns="0" tIns="0" bIns="0"/>
-          <a:p>
-            <a:endParaRPr b="0" lang="en-US" sz="2800" spc="-1" strike="noStrike">
-              <a:solidFill>
-                <a:srgbClr val="000000"/>
-              </a:solidFill>
-              <a:uFill>
-                <a:solidFill>
-                  <a:srgbClr val="ffffff"/>
+          <a:bodyPr lIns="0" tIns="0" rIns="0" bIns="0"/>
+          <a:lstStyle/>
+          <a:p>
+            <a:endParaRPr lang="en-US" sz="2800" b="0" strike="noStrike" spc="-1">
+              <a:solidFill>
+                <a:srgbClr val="000000"/>
+              </a:solidFill>
+              <a:uFill>
+                <a:solidFill>
+                  <a:srgbClr val="FFFFFF"/>
                 </a:solidFill>
               </a:uFill>
               <a:latin typeface="Arial"/>
@@ -1925,11 +2107,14 @@
       </p:sp>
     </p:spTree>
   </p:cSld>
+  <p:clrMapOvr>
+    <a:masterClrMapping/>
+  </p:clrMapOvr>
 </p:sldLayout>
 </file>
 
 <file path=ppt/slideLayouts/slideLayout24.xml><?xml version="1.0" encoding="utf-8"?>
-<p:sldLayout xmlns:a="http://schemas.openxmlformats.org/drawingml/2006/main" xmlns:p="http://schemas.openxmlformats.org/presentationml/2006/main" xmlns:r="http://schemas.openxmlformats.org/officeDocument/2006/relationships" xmlns:p14="http://schemas.microsoft.com/office/powerpoint/2010/main" xmlns:p15="http://schemas.microsoft.com/office/powerpoint/2012/main" xmlns:mc="http://schemas.openxmlformats.org/markup-compatibility/2006" type="blank" preserve="1">
+<p:sldLayout xmlns:a="http://schemas.openxmlformats.org/drawingml/2006/main" xmlns:r="http://schemas.openxmlformats.org/officeDocument/2006/relationships" xmlns:p="http://schemas.openxmlformats.org/presentationml/2006/main" type="blank" preserve="1">
   <p:cSld name="Title, 6 Content">
     <p:spTree>
       <p:nvGrpSpPr>
@@ -1965,15 +2150,16 @@
           </a:prstGeom>
         </p:spPr>
         <p:txBody>
-          <a:bodyPr lIns="0" rIns="0" tIns="0" bIns="0" anchor="ctr"/>
-          <a:p>
-            <a:endParaRPr b="0" lang="en-US" sz="1800" spc="-1" strike="noStrike">
-              <a:solidFill>
-                <a:srgbClr val="000000"/>
-              </a:solidFill>
-              <a:uFill>
-                <a:solidFill>
-                  <a:srgbClr val="ffffff"/>
+          <a:bodyPr lIns="0" tIns="0" rIns="0" bIns="0" anchor="ctr"/>
+          <a:lstStyle/>
+          <a:p>
+            <a:endParaRPr lang="en-US" sz="1800" b="0" strike="noStrike" spc="-1">
+              <a:solidFill>
+                <a:srgbClr val="000000"/>
+              </a:solidFill>
+              <a:uFill>
+                <a:solidFill>
+                  <a:srgbClr val="FFFFFF"/>
                 </a:solidFill>
               </a:uFill>
               <a:latin typeface="Arial"/>
@@ -2001,15 +2187,16 @@
           </a:prstGeom>
         </p:spPr>
         <p:txBody>
-          <a:bodyPr lIns="0" rIns="0" tIns="0" bIns="0"/>
-          <a:p>
-            <a:endParaRPr b="0" lang="en-US" sz="2800" spc="-1" strike="noStrike">
-              <a:solidFill>
-                <a:srgbClr val="000000"/>
-              </a:solidFill>
-              <a:uFill>
-                <a:solidFill>
-                  <a:srgbClr val="ffffff"/>
+          <a:bodyPr lIns="0" tIns="0" rIns="0" bIns="0"/>
+          <a:lstStyle/>
+          <a:p>
+            <a:endParaRPr lang="en-US" sz="2800" b="0" strike="noStrike" spc="-1">
+              <a:solidFill>
+                <a:srgbClr val="000000"/>
+              </a:solidFill>
+              <a:uFill>
+                <a:solidFill>
+                  <a:srgbClr val="FFFFFF"/>
                 </a:solidFill>
               </a:uFill>
               <a:latin typeface="Arial"/>
@@ -2037,15 +2224,16 @@
           </a:prstGeom>
         </p:spPr>
         <p:txBody>
-          <a:bodyPr lIns="0" rIns="0" tIns="0" bIns="0"/>
-          <a:p>
-            <a:endParaRPr b="0" lang="en-US" sz="2800" spc="-1" strike="noStrike">
-              <a:solidFill>
-                <a:srgbClr val="000000"/>
-              </a:solidFill>
-              <a:uFill>
-                <a:solidFill>
-                  <a:srgbClr val="ffffff"/>
+          <a:bodyPr lIns="0" tIns="0" rIns="0" bIns="0"/>
+          <a:lstStyle/>
+          <a:p>
+            <a:endParaRPr lang="en-US" sz="2800" b="0" strike="noStrike" spc="-1">
+              <a:solidFill>
+                <a:srgbClr val="000000"/>
+              </a:solidFill>
+              <a:uFill>
+                <a:solidFill>
+                  <a:srgbClr val="FFFFFF"/>
                 </a:solidFill>
               </a:uFill>
               <a:latin typeface="Arial"/>
@@ -2055,7 +2243,7 @@
       </p:sp>
       <p:pic>
         <p:nvPicPr>
-          <p:cNvPr id="70" name="" descr=""/>
+          <p:cNvPr id="70" name="Picture 69"/>
           <p:cNvPicPr/>
           <p:nvPr/>
         </p:nvPicPr>
@@ -2078,12 +2266,12 @@
       </p:pic>
       <p:pic>
         <p:nvPicPr>
-          <p:cNvPr id="71" name="" descr=""/>
+          <p:cNvPr id="71" name="Picture 70"/>
           <p:cNvPicPr/>
           <p:nvPr/>
         </p:nvPicPr>
         <p:blipFill>
-          <a:blip r:embed="rId3"/>
+          <a:blip r:embed="rId2"/>
           <a:stretch/>
         </p:blipFill>
         <p:spPr>
@@ -2101,11 +2289,14 @@
       </p:pic>
     </p:spTree>
   </p:cSld>
+  <p:clrMapOvr>
+    <a:masterClrMapping/>
+  </p:clrMapOvr>
 </p:sldLayout>
 </file>
 
 <file path=ppt/slideLayouts/slideLayout3.xml><?xml version="1.0" encoding="utf-8"?>
-<p:sldLayout xmlns:a="http://schemas.openxmlformats.org/drawingml/2006/main" xmlns:p="http://schemas.openxmlformats.org/presentationml/2006/main" xmlns:r="http://schemas.openxmlformats.org/officeDocument/2006/relationships" xmlns:p14="http://schemas.microsoft.com/office/powerpoint/2010/main" xmlns:p15="http://schemas.microsoft.com/office/powerpoint/2012/main" xmlns:mc="http://schemas.openxmlformats.org/markup-compatibility/2006" type="obj" preserve="1">
+<p:sldLayout xmlns:a="http://schemas.openxmlformats.org/drawingml/2006/main" xmlns:r="http://schemas.openxmlformats.org/officeDocument/2006/relationships" xmlns:p="http://schemas.openxmlformats.org/presentationml/2006/main" type="obj" preserve="1">
   <p:cSld name="Title, Content">
     <p:spTree>
       <p:nvGrpSpPr>
@@ -2141,15 +2332,16 @@
           </a:prstGeom>
         </p:spPr>
         <p:txBody>
-          <a:bodyPr lIns="0" rIns="0" tIns="0" bIns="0" anchor="ctr"/>
-          <a:p>
-            <a:endParaRPr b="0" lang="en-US" sz="1800" spc="-1" strike="noStrike">
-              <a:solidFill>
-                <a:srgbClr val="000000"/>
-              </a:solidFill>
-              <a:uFill>
-                <a:solidFill>
-                  <a:srgbClr val="ffffff"/>
+          <a:bodyPr lIns="0" tIns="0" rIns="0" bIns="0" anchor="ctr"/>
+          <a:lstStyle/>
+          <a:p>
+            <a:endParaRPr lang="en-US" sz="1800" b="0" strike="noStrike" spc="-1">
+              <a:solidFill>
+                <a:srgbClr val="000000"/>
+              </a:solidFill>
+              <a:uFill>
+                <a:solidFill>
+                  <a:srgbClr val="FFFFFF"/>
                 </a:solidFill>
               </a:uFill>
               <a:latin typeface="Arial"/>
@@ -2177,15 +2369,16 @@
           </a:prstGeom>
         </p:spPr>
         <p:txBody>
-          <a:bodyPr lIns="0" rIns="0" tIns="0" bIns="0"/>
-          <a:p>
-            <a:endParaRPr b="0" lang="en-US" sz="2800" spc="-1" strike="noStrike">
-              <a:solidFill>
-                <a:srgbClr val="000000"/>
-              </a:solidFill>
-              <a:uFill>
-                <a:solidFill>
-                  <a:srgbClr val="ffffff"/>
+          <a:bodyPr lIns="0" tIns="0" rIns="0" bIns="0"/>
+          <a:lstStyle/>
+          <a:p>
+            <a:endParaRPr lang="en-US" sz="2800" b="0" strike="noStrike" spc="-1">
+              <a:solidFill>
+                <a:srgbClr val="000000"/>
+              </a:solidFill>
+              <a:uFill>
+                <a:solidFill>
+                  <a:srgbClr val="FFFFFF"/>
                 </a:solidFill>
               </a:uFill>
               <a:latin typeface="Arial"/>
@@ -2195,11 +2388,14 @@
       </p:sp>
     </p:spTree>
   </p:cSld>
+  <p:clrMapOvr>
+    <a:masterClrMapping/>
+  </p:clrMapOvr>
 </p:sldLayout>
 </file>
 
 <file path=ppt/slideLayouts/slideLayout4.xml><?xml version="1.0" encoding="utf-8"?>
-<p:sldLayout xmlns:a="http://schemas.openxmlformats.org/drawingml/2006/main" xmlns:p="http://schemas.openxmlformats.org/presentationml/2006/main" xmlns:r="http://schemas.openxmlformats.org/officeDocument/2006/relationships" xmlns:p14="http://schemas.microsoft.com/office/powerpoint/2010/main" xmlns:p15="http://schemas.microsoft.com/office/powerpoint/2012/main" xmlns:mc="http://schemas.openxmlformats.org/markup-compatibility/2006" type="twoObj" preserve="1">
+<p:sldLayout xmlns:a="http://schemas.openxmlformats.org/drawingml/2006/main" xmlns:r="http://schemas.openxmlformats.org/officeDocument/2006/relationships" xmlns:p="http://schemas.openxmlformats.org/presentationml/2006/main" type="twoObj" preserve="1">
   <p:cSld name="Title, 2 Content">
     <p:spTree>
       <p:nvGrpSpPr>
@@ -2235,15 +2431,16 @@
           </a:prstGeom>
         </p:spPr>
         <p:txBody>
-          <a:bodyPr lIns="0" rIns="0" tIns="0" bIns="0" anchor="ctr"/>
-          <a:p>
-            <a:endParaRPr b="0" lang="en-US" sz="1800" spc="-1" strike="noStrike">
-              <a:solidFill>
-                <a:srgbClr val="000000"/>
-              </a:solidFill>
-              <a:uFill>
-                <a:solidFill>
-                  <a:srgbClr val="ffffff"/>
+          <a:bodyPr lIns="0" tIns="0" rIns="0" bIns="0" anchor="ctr"/>
+          <a:lstStyle/>
+          <a:p>
+            <a:endParaRPr lang="en-US" sz="1800" b="0" strike="noStrike" spc="-1">
+              <a:solidFill>
+                <a:srgbClr val="000000"/>
+              </a:solidFill>
+              <a:uFill>
+                <a:solidFill>
+                  <a:srgbClr val="FFFFFF"/>
                 </a:solidFill>
               </a:uFill>
               <a:latin typeface="Arial"/>
@@ -2271,15 +2468,16 @@
           </a:prstGeom>
         </p:spPr>
         <p:txBody>
-          <a:bodyPr lIns="0" rIns="0" tIns="0" bIns="0"/>
-          <a:p>
-            <a:endParaRPr b="0" lang="en-US" sz="2800" spc="-1" strike="noStrike">
-              <a:solidFill>
-                <a:srgbClr val="000000"/>
-              </a:solidFill>
-              <a:uFill>
-                <a:solidFill>
-                  <a:srgbClr val="ffffff"/>
+          <a:bodyPr lIns="0" tIns="0" rIns="0" bIns="0"/>
+          <a:lstStyle/>
+          <a:p>
+            <a:endParaRPr lang="en-US" sz="2800" b="0" strike="noStrike" spc="-1">
+              <a:solidFill>
+                <a:srgbClr val="000000"/>
+              </a:solidFill>
+              <a:uFill>
+                <a:solidFill>
+                  <a:srgbClr val="FFFFFF"/>
                 </a:solidFill>
               </a:uFill>
               <a:latin typeface="Arial"/>
@@ -2307,15 +2505,16 @@
           </a:prstGeom>
         </p:spPr>
         <p:txBody>
-          <a:bodyPr lIns="0" rIns="0" tIns="0" bIns="0"/>
-          <a:p>
-            <a:endParaRPr b="0" lang="en-US" sz="2800" spc="-1" strike="noStrike">
-              <a:solidFill>
-                <a:srgbClr val="000000"/>
-              </a:solidFill>
-              <a:uFill>
-                <a:solidFill>
-                  <a:srgbClr val="ffffff"/>
+          <a:bodyPr lIns="0" tIns="0" rIns="0" bIns="0"/>
+          <a:lstStyle/>
+          <a:p>
+            <a:endParaRPr lang="en-US" sz="2800" b="0" strike="noStrike" spc="-1">
+              <a:solidFill>
+                <a:srgbClr val="000000"/>
+              </a:solidFill>
+              <a:uFill>
+                <a:solidFill>
+                  <a:srgbClr val="FFFFFF"/>
                 </a:solidFill>
               </a:uFill>
               <a:latin typeface="Arial"/>
@@ -2325,11 +2524,14 @@
       </p:sp>
     </p:spTree>
   </p:cSld>
+  <p:clrMapOvr>
+    <a:masterClrMapping/>
+  </p:clrMapOvr>
 </p:sldLayout>
 </file>
 
 <file path=ppt/slideLayouts/slideLayout5.xml><?xml version="1.0" encoding="utf-8"?>
-<p:sldLayout xmlns:a="http://schemas.openxmlformats.org/drawingml/2006/main" xmlns:p="http://schemas.openxmlformats.org/presentationml/2006/main" xmlns:r="http://schemas.openxmlformats.org/officeDocument/2006/relationships" xmlns:p14="http://schemas.microsoft.com/office/powerpoint/2010/main" xmlns:p15="http://schemas.microsoft.com/office/powerpoint/2012/main" xmlns:mc="http://schemas.openxmlformats.org/markup-compatibility/2006" type="titleOnly" preserve="1">
+<p:sldLayout xmlns:a="http://schemas.openxmlformats.org/drawingml/2006/main" xmlns:r="http://schemas.openxmlformats.org/officeDocument/2006/relationships" xmlns:p="http://schemas.openxmlformats.org/presentationml/2006/main" type="titleOnly" preserve="1">
   <p:cSld name="Title Only">
     <p:spTree>
       <p:nvGrpSpPr>
@@ -2365,15 +2567,16 @@
           </a:prstGeom>
         </p:spPr>
         <p:txBody>
-          <a:bodyPr lIns="0" rIns="0" tIns="0" bIns="0" anchor="ctr"/>
-          <a:p>
-            <a:endParaRPr b="0" lang="en-US" sz="1800" spc="-1" strike="noStrike">
-              <a:solidFill>
-                <a:srgbClr val="000000"/>
-              </a:solidFill>
-              <a:uFill>
-                <a:solidFill>
-                  <a:srgbClr val="ffffff"/>
+          <a:bodyPr lIns="0" tIns="0" rIns="0" bIns="0" anchor="ctr"/>
+          <a:lstStyle/>
+          <a:p>
+            <a:endParaRPr lang="en-US" sz="1800" b="0" strike="noStrike" spc="-1">
+              <a:solidFill>
+                <a:srgbClr val="000000"/>
+              </a:solidFill>
+              <a:uFill>
+                <a:solidFill>
+                  <a:srgbClr val="FFFFFF"/>
                 </a:solidFill>
               </a:uFill>
               <a:latin typeface="Arial"/>
@@ -2383,11 +2586,14 @@
       </p:sp>
     </p:spTree>
   </p:cSld>
+  <p:clrMapOvr>
+    <a:masterClrMapping/>
+  </p:clrMapOvr>
 </p:sldLayout>
 </file>
 
 <file path=ppt/slideLayouts/slideLayout6.xml><?xml version="1.0" encoding="utf-8"?>
-<p:sldLayout xmlns:a="http://schemas.openxmlformats.org/drawingml/2006/main" xmlns:p="http://schemas.openxmlformats.org/presentationml/2006/main" xmlns:r="http://schemas.openxmlformats.org/officeDocument/2006/relationships" xmlns:p14="http://schemas.microsoft.com/office/powerpoint/2010/main" xmlns:p15="http://schemas.microsoft.com/office/powerpoint/2012/main" xmlns:mc="http://schemas.openxmlformats.org/markup-compatibility/2006" type="objOnly" preserve="1">
+<p:sldLayout xmlns:a="http://schemas.openxmlformats.org/drawingml/2006/main" xmlns:r="http://schemas.openxmlformats.org/officeDocument/2006/relationships" xmlns:p="http://schemas.openxmlformats.org/presentationml/2006/main" type="objOnly" preserve="1">
   <p:cSld name="Centered Text">
     <p:spTree>
       <p:nvGrpSpPr>
@@ -2423,16 +2629,17 @@
           </a:prstGeom>
         </p:spPr>
         <p:txBody>
-          <a:bodyPr lIns="0" rIns="0" tIns="0" bIns="0" anchor="ctr"/>
+          <a:bodyPr lIns="0" tIns="0" rIns="0" bIns="0" anchor="ctr"/>
+          <a:lstStyle/>
           <a:p>
             <a:pPr algn="ctr"/>
-            <a:endParaRPr b="0" lang="en-US" sz="3200" spc="-1" strike="noStrike">
-              <a:solidFill>
-                <a:srgbClr val="000000"/>
-              </a:solidFill>
-              <a:uFill>
-                <a:solidFill>
-                  <a:srgbClr val="ffffff"/>
+            <a:endParaRPr lang="en-US" sz="3200" b="0" strike="noStrike" spc="-1">
+              <a:solidFill>
+                <a:srgbClr val="000000"/>
+              </a:solidFill>
+              <a:uFill>
+                <a:solidFill>
+                  <a:srgbClr val="FFFFFF"/>
                 </a:solidFill>
               </a:uFill>
               <a:latin typeface="Arial"/>
@@ -2442,11 +2649,14 @@
       </p:sp>
     </p:spTree>
   </p:cSld>
+  <p:clrMapOvr>
+    <a:masterClrMapping/>
+  </p:clrMapOvr>
 </p:sldLayout>
 </file>
 
 <file path=ppt/slideLayouts/slideLayout7.xml><?xml version="1.0" encoding="utf-8"?>
-<p:sldLayout xmlns:a="http://schemas.openxmlformats.org/drawingml/2006/main" xmlns:p="http://schemas.openxmlformats.org/presentationml/2006/main" xmlns:r="http://schemas.openxmlformats.org/officeDocument/2006/relationships" xmlns:p14="http://schemas.microsoft.com/office/powerpoint/2010/main" xmlns:p15="http://schemas.microsoft.com/office/powerpoint/2012/main" xmlns:mc="http://schemas.openxmlformats.org/markup-compatibility/2006" type="twoObjAndObj" preserve="1">
+<p:sldLayout xmlns:a="http://schemas.openxmlformats.org/drawingml/2006/main" xmlns:r="http://schemas.openxmlformats.org/officeDocument/2006/relationships" xmlns:p="http://schemas.openxmlformats.org/presentationml/2006/main" type="twoObjAndObj" preserve="1">
   <p:cSld name="Title, 2 Content and Content">
     <p:spTree>
       <p:nvGrpSpPr>
@@ -2482,15 +2692,16 @@
           </a:prstGeom>
         </p:spPr>
         <p:txBody>
-          <a:bodyPr lIns="0" rIns="0" tIns="0" bIns="0" anchor="ctr"/>
-          <a:p>
-            <a:endParaRPr b="0" lang="en-US" sz="1800" spc="-1" strike="noStrike">
-              <a:solidFill>
-                <a:srgbClr val="000000"/>
-              </a:solidFill>
-              <a:uFill>
-                <a:solidFill>
-                  <a:srgbClr val="ffffff"/>
+          <a:bodyPr lIns="0" tIns="0" rIns="0" bIns="0" anchor="ctr"/>
+          <a:lstStyle/>
+          <a:p>
+            <a:endParaRPr lang="en-US" sz="1800" b="0" strike="noStrike" spc="-1">
+              <a:solidFill>
+                <a:srgbClr val="000000"/>
+              </a:solidFill>
+              <a:uFill>
+                <a:solidFill>
+                  <a:srgbClr val="FFFFFF"/>
                 </a:solidFill>
               </a:uFill>
               <a:latin typeface="Arial"/>
@@ -2518,15 +2729,16 @@
           </a:prstGeom>
         </p:spPr>
         <p:txBody>
-          <a:bodyPr lIns="0" rIns="0" tIns="0" bIns="0"/>
-          <a:p>
-            <a:endParaRPr b="0" lang="en-US" sz="2800" spc="-1" strike="noStrike">
-              <a:solidFill>
-                <a:srgbClr val="000000"/>
-              </a:solidFill>
-              <a:uFill>
-                <a:solidFill>
-                  <a:srgbClr val="ffffff"/>
+          <a:bodyPr lIns="0" tIns="0" rIns="0" bIns="0"/>
+          <a:lstStyle/>
+          <a:p>
+            <a:endParaRPr lang="en-US" sz="2800" b="0" strike="noStrike" spc="-1">
+              <a:solidFill>
+                <a:srgbClr val="000000"/>
+              </a:solidFill>
+              <a:uFill>
+                <a:solidFill>
+                  <a:srgbClr val="FFFFFF"/>
                 </a:solidFill>
               </a:uFill>
               <a:latin typeface="Arial"/>
@@ -2554,15 +2766,16 @@
           </a:prstGeom>
         </p:spPr>
         <p:txBody>
-          <a:bodyPr lIns="0" rIns="0" tIns="0" bIns="0"/>
-          <a:p>
-            <a:endParaRPr b="0" lang="en-US" sz="2800" spc="-1" strike="noStrike">
-              <a:solidFill>
-                <a:srgbClr val="000000"/>
-              </a:solidFill>
-              <a:uFill>
-                <a:solidFill>
-                  <a:srgbClr val="ffffff"/>
+          <a:bodyPr lIns="0" tIns="0" rIns="0" bIns="0"/>
+          <a:lstStyle/>
+          <a:p>
+            <a:endParaRPr lang="en-US" sz="2800" b="0" strike="noStrike" spc="-1">
+              <a:solidFill>
+                <a:srgbClr val="000000"/>
+              </a:solidFill>
+              <a:uFill>
+                <a:solidFill>
+                  <a:srgbClr val="FFFFFF"/>
                 </a:solidFill>
               </a:uFill>
               <a:latin typeface="Arial"/>
@@ -2590,15 +2803,16 @@
           </a:prstGeom>
         </p:spPr>
         <p:txBody>
-          <a:bodyPr lIns="0" rIns="0" tIns="0" bIns="0"/>
-          <a:p>
-            <a:endParaRPr b="0" lang="en-US" sz="2800" spc="-1" strike="noStrike">
-              <a:solidFill>
-                <a:srgbClr val="000000"/>
-              </a:solidFill>
-              <a:uFill>
-                <a:solidFill>
-                  <a:srgbClr val="ffffff"/>
+          <a:bodyPr lIns="0" tIns="0" rIns="0" bIns="0"/>
+          <a:lstStyle/>
+          <a:p>
+            <a:endParaRPr lang="en-US" sz="2800" b="0" strike="noStrike" spc="-1">
+              <a:solidFill>
+                <a:srgbClr val="000000"/>
+              </a:solidFill>
+              <a:uFill>
+                <a:solidFill>
+                  <a:srgbClr val="FFFFFF"/>
                 </a:solidFill>
               </a:uFill>
               <a:latin typeface="Arial"/>
@@ -2608,11 +2822,14 @@
       </p:sp>
     </p:spTree>
   </p:cSld>
+  <p:clrMapOvr>
+    <a:masterClrMapping/>
+  </p:clrMapOvr>
 </p:sldLayout>
 </file>
 
 <file path=ppt/slideLayouts/slideLayout8.xml><?xml version="1.0" encoding="utf-8"?>
-<p:sldLayout xmlns:a="http://schemas.openxmlformats.org/drawingml/2006/main" xmlns:p="http://schemas.openxmlformats.org/presentationml/2006/main" xmlns:r="http://schemas.openxmlformats.org/officeDocument/2006/relationships" xmlns:p14="http://schemas.microsoft.com/office/powerpoint/2010/main" xmlns:p15="http://schemas.microsoft.com/office/powerpoint/2012/main" xmlns:mc="http://schemas.openxmlformats.org/markup-compatibility/2006" type="objAndTwoObj" preserve="1">
+<p:sldLayout xmlns:a="http://schemas.openxmlformats.org/drawingml/2006/main" xmlns:r="http://schemas.openxmlformats.org/officeDocument/2006/relationships" xmlns:p="http://schemas.openxmlformats.org/presentationml/2006/main" type="objAndTwoObj" preserve="1">
   <p:cSld name="Title Content and 2 Content">
     <p:spTree>
       <p:nvGrpSpPr>
@@ -2648,15 +2865,16 @@
           </a:prstGeom>
         </p:spPr>
         <p:txBody>
-          <a:bodyPr lIns="0" rIns="0" tIns="0" bIns="0" anchor="ctr"/>
-          <a:p>
-            <a:endParaRPr b="0" lang="en-US" sz="1800" spc="-1" strike="noStrike">
-              <a:solidFill>
-                <a:srgbClr val="000000"/>
-              </a:solidFill>
-              <a:uFill>
-                <a:solidFill>
-                  <a:srgbClr val="ffffff"/>
+          <a:bodyPr lIns="0" tIns="0" rIns="0" bIns="0" anchor="ctr"/>
+          <a:lstStyle/>
+          <a:p>
+            <a:endParaRPr lang="en-US" sz="1800" b="0" strike="noStrike" spc="-1">
+              <a:solidFill>
+                <a:srgbClr val="000000"/>
+              </a:solidFill>
+              <a:uFill>
+                <a:solidFill>
+                  <a:srgbClr val="FFFFFF"/>
                 </a:solidFill>
               </a:uFill>
               <a:latin typeface="Arial"/>
@@ -2684,15 +2902,16 @@
           </a:prstGeom>
         </p:spPr>
         <p:txBody>
-          <a:bodyPr lIns="0" rIns="0" tIns="0" bIns="0"/>
-          <a:p>
-            <a:endParaRPr b="0" lang="en-US" sz="2800" spc="-1" strike="noStrike">
-              <a:solidFill>
-                <a:srgbClr val="000000"/>
-              </a:solidFill>
-              <a:uFill>
-                <a:solidFill>
-                  <a:srgbClr val="ffffff"/>
+          <a:bodyPr lIns="0" tIns="0" rIns="0" bIns="0"/>
+          <a:lstStyle/>
+          <a:p>
+            <a:endParaRPr lang="en-US" sz="2800" b="0" strike="noStrike" spc="-1">
+              <a:solidFill>
+                <a:srgbClr val="000000"/>
+              </a:solidFill>
+              <a:uFill>
+                <a:solidFill>
+                  <a:srgbClr val="FFFFFF"/>
                 </a:solidFill>
               </a:uFill>
               <a:latin typeface="Arial"/>
@@ -2720,15 +2939,16 @@
           </a:prstGeom>
         </p:spPr>
         <p:txBody>
-          <a:bodyPr lIns="0" rIns="0" tIns="0" bIns="0"/>
-          <a:p>
-            <a:endParaRPr b="0" lang="en-US" sz="2800" spc="-1" strike="noStrike">
-              <a:solidFill>
-                <a:srgbClr val="000000"/>
-              </a:solidFill>
-              <a:uFill>
-                <a:solidFill>
-                  <a:srgbClr val="ffffff"/>
+          <a:bodyPr lIns="0" tIns="0" rIns="0" bIns="0"/>
+          <a:lstStyle/>
+          <a:p>
+            <a:endParaRPr lang="en-US" sz="2800" b="0" strike="noStrike" spc="-1">
+              <a:solidFill>
+                <a:srgbClr val="000000"/>
+              </a:solidFill>
+              <a:uFill>
+                <a:solidFill>
+                  <a:srgbClr val="FFFFFF"/>
                 </a:solidFill>
               </a:uFill>
               <a:latin typeface="Arial"/>
@@ -2756,15 +2976,16 @@
           </a:prstGeom>
         </p:spPr>
         <p:txBody>
-          <a:bodyPr lIns="0" rIns="0" tIns="0" bIns="0"/>
-          <a:p>
-            <a:endParaRPr b="0" lang="en-US" sz="2800" spc="-1" strike="noStrike">
-              <a:solidFill>
-                <a:srgbClr val="000000"/>
-              </a:solidFill>
-              <a:uFill>
-                <a:solidFill>
-                  <a:srgbClr val="ffffff"/>
+          <a:bodyPr lIns="0" tIns="0" rIns="0" bIns="0"/>
+          <a:lstStyle/>
+          <a:p>
+            <a:endParaRPr lang="en-US" sz="2800" b="0" strike="noStrike" spc="-1">
+              <a:solidFill>
+                <a:srgbClr val="000000"/>
+              </a:solidFill>
+              <a:uFill>
+                <a:solidFill>
+                  <a:srgbClr val="FFFFFF"/>
                 </a:solidFill>
               </a:uFill>
               <a:latin typeface="Arial"/>
@@ -2774,11 +2995,14 @@
       </p:sp>
     </p:spTree>
   </p:cSld>
+  <p:clrMapOvr>
+    <a:masterClrMapping/>
+  </p:clrMapOvr>
 </p:sldLayout>
 </file>
 
 <file path=ppt/slideLayouts/slideLayout9.xml><?xml version="1.0" encoding="utf-8"?>
-<p:sldLayout xmlns:a="http://schemas.openxmlformats.org/drawingml/2006/main" xmlns:p="http://schemas.openxmlformats.org/presentationml/2006/main" xmlns:r="http://schemas.openxmlformats.org/officeDocument/2006/relationships" xmlns:p14="http://schemas.microsoft.com/office/powerpoint/2010/main" xmlns:p15="http://schemas.microsoft.com/office/powerpoint/2012/main" xmlns:mc="http://schemas.openxmlformats.org/markup-compatibility/2006" type="twoObjOverTx" preserve="1">
+<p:sldLayout xmlns:a="http://schemas.openxmlformats.org/drawingml/2006/main" xmlns:r="http://schemas.openxmlformats.org/officeDocument/2006/relationships" xmlns:p="http://schemas.openxmlformats.org/presentationml/2006/main" type="twoObjOverTx" preserve="1">
   <p:cSld name="Title, 2 Content over Content">
     <p:spTree>
       <p:nvGrpSpPr>
@@ -2814,15 +3038,16 @@
           </a:prstGeom>
         </p:spPr>
         <p:txBody>
-          <a:bodyPr lIns="0" rIns="0" tIns="0" bIns="0" anchor="ctr"/>
-          <a:p>
-            <a:endParaRPr b="0" lang="en-US" sz="1800" spc="-1" strike="noStrike">
-              <a:solidFill>
-                <a:srgbClr val="000000"/>
-              </a:solidFill>
-              <a:uFill>
-                <a:solidFill>
-                  <a:srgbClr val="ffffff"/>
+          <a:bodyPr lIns="0" tIns="0" rIns="0" bIns="0" anchor="ctr"/>
+          <a:lstStyle/>
+          <a:p>
+            <a:endParaRPr lang="en-US" sz="1800" b="0" strike="noStrike" spc="-1">
+              <a:solidFill>
+                <a:srgbClr val="000000"/>
+              </a:solidFill>
+              <a:uFill>
+                <a:solidFill>
+                  <a:srgbClr val="FFFFFF"/>
                 </a:solidFill>
               </a:uFill>
               <a:latin typeface="Arial"/>
@@ -2850,15 +3075,16 @@
           </a:prstGeom>
         </p:spPr>
         <p:txBody>
-          <a:bodyPr lIns="0" rIns="0" tIns="0" bIns="0"/>
-          <a:p>
-            <a:endParaRPr b="0" lang="en-US" sz="2800" spc="-1" strike="noStrike">
-              <a:solidFill>
-                <a:srgbClr val="000000"/>
-              </a:solidFill>
-              <a:uFill>
-                <a:solidFill>
-                  <a:srgbClr val="ffffff"/>
+          <a:bodyPr lIns="0" tIns="0" rIns="0" bIns="0"/>
+          <a:lstStyle/>
+          <a:p>
+            <a:endParaRPr lang="en-US" sz="2800" b="0" strike="noStrike" spc="-1">
+              <a:solidFill>
+                <a:srgbClr val="000000"/>
+              </a:solidFill>
+              <a:uFill>
+                <a:solidFill>
+                  <a:srgbClr val="FFFFFF"/>
                 </a:solidFill>
               </a:uFill>
               <a:latin typeface="Arial"/>
@@ -2886,15 +3112,16 @@
           </a:prstGeom>
         </p:spPr>
         <p:txBody>
-          <a:bodyPr lIns="0" rIns="0" tIns="0" bIns="0"/>
-          <a:p>
-            <a:endParaRPr b="0" lang="en-US" sz="2800" spc="-1" strike="noStrike">
-              <a:solidFill>
-                <a:srgbClr val="000000"/>
-              </a:solidFill>
-              <a:uFill>
-                <a:solidFill>
-                  <a:srgbClr val="ffffff"/>
+          <a:bodyPr lIns="0" tIns="0" rIns="0" bIns="0"/>
+          <a:lstStyle/>
+          <a:p>
+            <a:endParaRPr lang="en-US" sz="2800" b="0" strike="noStrike" spc="-1">
+              <a:solidFill>
+                <a:srgbClr val="000000"/>
+              </a:solidFill>
+              <a:uFill>
+                <a:solidFill>
+                  <a:srgbClr val="FFFFFF"/>
                 </a:solidFill>
               </a:uFill>
               <a:latin typeface="Arial"/>
@@ -2922,15 +3149,16 @@
           </a:prstGeom>
         </p:spPr>
         <p:txBody>
-          <a:bodyPr lIns="0" rIns="0" tIns="0" bIns="0"/>
-          <a:p>
-            <a:endParaRPr b="0" lang="en-US" sz="2800" spc="-1" strike="noStrike">
-              <a:solidFill>
-                <a:srgbClr val="000000"/>
-              </a:solidFill>
-              <a:uFill>
-                <a:solidFill>
-                  <a:srgbClr val="ffffff"/>
+          <a:bodyPr lIns="0" tIns="0" rIns="0" bIns="0"/>
+          <a:lstStyle/>
+          <a:p>
+            <a:endParaRPr lang="en-US" sz="2800" b="0" strike="noStrike" spc="-1">
+              <a:solidFill>
+                <a:srgbClr val="000000"/>
+              </a:solidFill>
+              <a:uFill>
+                <a:solidFill>
+                  <a:srgbClr val="FFFFFF"/>
                 </a:solidFill>
               </a:uFill>
               <a:latin typeface="Arial"/>
@@ -2940,17 +3168,21 @@
       </p:sp>
     </p:spTree>
   </p:cSld>
+  <p:clrMapOvr>
+    <a:masterClrMapping/>
+  </p:clrMapOvr>
 </p:sldLayout>
 </file>
 
 <file path=ppt/slideMasters/slideMaster1.xml><?xml version="1.0" encoding="utf-8"?>
-<p:sldMaster xmlns:a="http://schemas.openxmlformats.org/drawingml/2006/main" xmlns:p="http://schemas.openxmlformats.org/presentationml/2006/main" xmlns:r="http://schemas.openxmlformats.org/officeDocument/2006/relationships" xmlns:p14="http://schemas.microsoft.com/office/powerpoint/2010/main" xmlns:p15="http://schemas.microsoft.com/office/powerpoint/2012/main" xmlns:mc="http://schemas.openxmlformats.org/markup-compatibility/2006">
+<p:sldMaster xmlns:a="http://schemas.openxmlformats.org/drawingml/2006/main" xmlns:r="http://schemas.openxmlformats.org/officeDocument/2006/relationships" xmlns:p="http://schemas.openxmlformats.org/presentationml/2006/main">
   <p:cSld>
     <p:bg>
       <p:bgPr>
         <a:solidFill>
-          <a:srgbClr val="418ab3"/>
+          <a:srgbClr val="418AB3"/>
         </a:solidFill>
+        <a:effectLst/>
       </p:bgPr>
     </p:bg>
     <p:spTree>
@@ -2969,7 +3201,7 @@
       </p:grpSpPr>
       <p:sp>
         <p:nvSpPr>
-          <p:cNvPr id="0" name="PlaceHolder 1"/>
+          <p:cNvPr id="2" name="PlaceHolder 1"/>
           <p:cNvSpPr>
             <a:spLocks noGrp="1"/>
           </p:cNvSpPr>
@@ -2987,25 +3219,26 @@
           </a:prstGeom>
         </p:spPr>
         <p:txBody>
-          <a:bodyPr lIns="0" rIns="0" tIns="0" bIns="0" anchor="ctr" anchorCtr="1"/>
-          <a:p>
-            <a:endParaRPr b="0" lang="en-US" sz="1800" spc="-1" strike="noStrike">
-              <a:solidFill>
-                <a:srgbClr val="000000"/>
-              </a:solidFill>
-              <a:uFill>
-                <a:solidFill>
-                  <a:srgbClr val="ffffff"/>
-                </a:solidFill>
-              </a:uFill>
-              <a:latin typeface="Arial"/>
-            </a:endParaRPr>
-          </a:p>
-        </p:txBody>
-      </p:sp>
-      <p:sp>
-        <p:nvSpPr>
-          <p:cNvPr id="1" name="PlaceHolder 2"/>
+          <a:bodyPr lIns="0" tIns="0" rIns="0" bIns="0" anchor="ctr" anchorCtr="1"/>
+          <a:lstStyle/>
+          <a:p>
+            <a:endParaRPr lang="en-US" sz="1800" b="0" strike="noStrike" spc="-1">
+              <a:solidFill>
+                <a:srgbClr val="000000"/>
+              </a:solidFill>
+              <a:uFill>
+                <a:solidFill>
+                  <a:srgbClr val="FFFFFF"/>
+                </a:solidFill>
+              </a:uFill>
+              <a:latin typeface="Arial"/>
+            </a:endParaRPr>
+          </a:p>
+        </p:txBody>
+      </p:sp>
+      <p:sp>
+        <p:nvSpPr>
+          <p:cNvPr id="3" name="PlaceHolder 2"/>
           <p:cNvSpPr>
             <a:spLocks noGrp="1"/>
           </p:cNvSpPr>
@@ -3023,7 +3256,8 @@
           </a:prstGeom>
         </p:spPr>
         <p:txBody>
-          <a:bodyPr lIns="0" rIns="0" tIns="0" bIns="0"/>
+          <a:bodyPr lIns="0" tIns="0" rIns="0" bIns="0"/>
+          <a:lstStyle/>
           <a:p>
             <a:pPr marL="432000" indent="-324000">
               <a:buClr>
@@ -3034,33 +3268,22 @@
               <a:buChar char=""/>
             </a:pPr>
             <a:r>
-              <a:rPr b="0" lang="en-US" sz="2800" spc="-1" strike="noStrike">
+              <a:rPr lang="en-US" sz="2800" b="0" strike="noStrike" spc="-1">
                 <a:solidFill>
                   <a:srgbClr val="000000"/>
                 </a:solidFill>
                 <a:uFill>
                   <a:solidFill>
-                    <a:srgbClr val="ffffff"/>
+                    <a:srgbClr val="FFFFFF"/>
                   </a:solidFill>
                 </a:uFill>
                 <a:latin typeface="Arial"/>
               </a:rPr>
               <a:t>Click to edit the outline text format</a:t>
             </a:r>
-            <a:endParaRPr b="0" lang="en-US" sz="2800" spc="-1" strike="noStrike">
-              <a:solidFill>
-                <a:srgbClr val="000000"/>
-              </a:solidFill>
-              <a:uFill>
-                <a:solidFill>
-                  <a:srgbClr val="ffffff"/>
-                </a:solidFill>
-              </a:uFill>
-              <a:latin typeface="Arial"/>
-            </a:endParaRPr>
-          </a:p>
-          <a:p>
-            <a:pPr lvl="1" marL="864000" indent="-324000">
+          </a:p>
+          <a:p>
+            <a:pPr marL="864000" lvl="1" indent="-324000">
               <a:buClr>
                 <a:srgbClr val="000000"/>
               </a:buClr>
@@ -3069,33 +3292,22 @@
               <a:buChar char=""/>
             </a:pPr>
             <a:r>
-              <a:rPr b="0" lang="en-US" sz="2000" spc="-1" strike="noStrike">
+              <a:rPr lang="en-US" sz="2000" b="0" strike="noStrike" spc="-1">
                 <a:solidFill>
                   <a:srgbClr val="000000"/>
                 </a:solidFill>
                 <a:uFill>
                   <a:solidFill>
-                    <a:srgbClr val="ffffff"/>
+                    <a:srgbClr val="FFFFFF"/>
                   </a:solidFill>
                 </a:uFill>
                 <a:latin typeface="Arial"/>
               </a:rPr>
               <a:t>Second Outline Level</a:t>
             </a:r>
-            <a:endParaRPr b="0" lang="en-US" sz="2000" spc="-1" strike="noStrike">
-              <a:solidFill>
-                <a:srgbClr val="000000"/>
-              </a:solidFill>
-              <a:uFill>
-                <a:solidFill>
-                  <a:srgbClr val="ffffff"/>
-                </a:solidFill>
-              </a:uFill>
-              <a:latin typeface="Arial"/>
-            </a:endParaRPr>
-          </a:p>
-          <a:p>
-            <a:pPr lvl="2" marL="1296000" indent="-288000">
+          </a:p>
+          <a:p>
+            <a:pPr marL="1296000" lvl="2" indent="-288000">
               <a:buClr>
                 <a:srgbClr val="000000"/>
               </a:buClr>
@@ -3104,33 +3316,22 @@
               <a:buChar char=""/>
             </a:pPr>
             <a:r>
-              <a:rPr b="0" lang="en-US" sz="1800" spc="-1" strike="noStrike">
+              <a:rPr lang="en-US" sz="1800" b="0" strike="noStrike" spc="-1">
                 <a:solidFill>
                   <a:srgbClr val="000000"/>
                 </a:solidFill>
                 <a:uFill>
                   <a:solidFill>
-                    <a:srgbClr val="ffffff"/>
+                    <a:srgbClr val="FFFFFF"/>
                   </a:solidFill>
                 </a:uFill>
                 <a:latin typeface="Arial"/>
               </a:rPr>
               <a:t>Third Outline Level</a:t>
             </a:r>
-            <a:endParaRPr b="0" lang="en-US" sz="1800" spc="-1" strike="noStrike">
-              <a:solidFill>
-                <a:srgbClr val="000000"/>
-              </a:solidFill>
-              <a:uFill>
-                <a:solidFill>
-                  <a:srgbClr val="ffffff"/>
-                </a:solidFill>
-              </a:uFill>
-              <a:latin typeface="Arial"/>
-            </a:endParaRPr>
-          </a:p>
-          <a:p>
-            <a:pPr lvl="3" marL="1728000" indent="-216000">
+          </a:p>
+          <a:p>
+            <a:pPr marL="1728000" lvl="3" indent="-216000">
               <a:buClr>
                 <a:srgbClr val="000000"/>
               </a:buClr>
@@ -3139,33 +3340,22 @@
               <a:buChar char=""/>
             </a:pPr>
             <a:r>
-              <a:rPr b="0" lang="en-US" sz="1800" spc="-1" strike="noStrike">
+              <a:rPr lang="en-US" sz="1800" b="0" strike="noStrike" spc="-1">
                 <a:solidFill>
                   <a:srgbClr val="000000"/>
                 </a:solidFill>
                 <a:uFill>
                   <a:solidFill>
-                    <a:srgbClr val="ffffff"/>
+                    <a:srgbClr val="FFFFFF"/>
                   </a:solidFill>
                 </a:uFill>
                 <a:latin typeface="Arial"/>
               </a:rPr>
               <a:t>Fourth Outline Level</a:t>
             </a:r>
-            <a:endParaRPr b="0" lang="en-US" sz="1800" spc="-1" strike="noStrike">
-              <a:solidFill>
-                <a:srgbClr val="000000"/>
-              </a:solidFill>
-              <a:uFill>
-                <a:solidFill>
-                  <a:srgbClr val="ffffff"/>
-                </a:solidFill>
-              </a:uFill>
-              <a:latin typeface="Arial"/>
-            </a:endParaRPr>
-          </a:p>
-          <a:p>
-            <a:pPr lvl="4" marL="2160000" indent="-216000">
+          </a:p>
+          <a:p>
+            <a:pPr marL="2160000" lvl="4" indent="-216000">
               <a:buClr>
                 <a:srgbClr val="000000"/>
               </a:buClr>
@@ -3174,33 +3364,22 @@
               <a:buChar char=""/>
             </a:pPr>
             <a:r>
-              <a:rPr b="0" lang="en-US" sz="2000" spc="-1" strike="noStrike">
+              <a:rPr lang="en-US" sz="2000" b="0" strike="noStrike" spc="-1">
                 <a:solidFill>
                   <a:srgbClr val="000000"/>
                 </a:solidFill>
                 <a:uFill>
                   <a:solidFill>
-                    <a:srgbClr val="ffffff"/>
+                    <a:srgbClr val="FFFFFF"/>
                   </a:solidFill>
                 </a:uFill>
                 <a:latin typeface="Arial"/>
               </a:rPr>
               <a:t>Fifth Outline Level</a:t>
             </a:r>
-            <a:endParaRPr b="0" lang="en-US" sz="2000" spc="-1" strike="noStrike">
-              <a:solidFill>
-                <a:srgbClr val="000000"/>
-              </a:solidFill>
-              <a:uFill>
-                <a:solidFill>
-                  <a:srgbClr val="ffffff"/>
-                </a:solidFill>
-              </a:uFill>
-              <a:latin typeface="Arial"/>
-            </a:endParaRPr>
-          </a:p>
-          <a:p>
-            <a:pPr lvl="5" marL="2592000" indent="-216000">
+          </a:p>
+          <a:p>
+            <a:pPr marL="2592000" lvl="5" indent="-216000">
               <a:buClr>
                 <a:srgbClr val="000000"/>
               </a:buClr>
@@ -3209,33 +3388,22 @@
               <a:buChar char=""/>
             </a:pPr>
             <a:r>
-              <a:rPr b="0" lang="en-US" sz="2000" spc="-1" strike="noStrike">
+              <a:rPr lang="en-US" sz="2000" b="0" strike="noStrike" spc="-1">
                 <a:solidFill>
                   <a:srgbClr val="000000"/>
                 </a:solidFill>
                 <a:uFill>
                   <a:solidFill>
-                    <a:srgbClr val="ffffff"/>
+                    <a:srgbClr val="FFFFFF"/>
                   </a:solidFill>
                 </a:uFill>
                 <a:latin typeface="Arial"/>
               </a:rPr>
               <a:t>Sixth Outline Level</a:t>
             </a:r>
-            <a:endParaRPr b="0" lang="en-US" sz="2000" spc="-1" strike="noStrike">
-              <a:solidFill>
-                <a:srgbClr val="000000"/>
-              </a:solidFill>
-              <a:uFill>
-                <a:solidFill>
-                  <a:srgbClr val="ffffff"/>
-                </a:solidFill>
-              </a:uFill>
-              <a:latin typeface="Arial"/>
-            </a:endParaRPr>
-          </a:p>
-          <a:p>
-            <a:pPr lvl="6" marL="3024000" indent="-216000">
+          </a:p>
+          <a:p>
+            <a:pPr marL="3024000" lvl="6" indent="-216000">
               <a:buClr>
                 <a:srgbClr val="000000"/>
               </a:buClr>
@@ -3244,61 +3412,56 @@
               <a:buChar char=""/>
             </a:pPr>
             <a:r>
-              <a:rPr b="0" lang="en-US" sz="2000" spc="-1" strike="noStrike">
+              <a:rPr lang="en-US" sz="2000" b="0" strike="noStrike" spc="-1">
                 <a:solidFill>
                   <a:srgbClr val="000000"/>
                 </a:solidFill>
                 <a:uFill>
                   <a:solidFill>
-                    <a:srgbClr val="ffffff"/>
+                    <a:srgbClr val="FFFFFF"/>
                   </a:solidFill>
                 </a:uFill>
                 <a:latin typeface="Arial"/>
               </a:rPr>
               <a:t>Seventh Outline Level</a:t>
             </a:r>
-            <a:endParaRPr b="0" lang="en-US" sz="2000" spc="-1" strike="noStrike">
-              <a:solidFill>
-                <a:srgbClr val="000000"/>
-              </a:solidFill>
-              <a:uFill>
-                <a:solidFill>
-                  <a:srgbClr val="ffffff"/>
-                </a:solidFill>
-              </a:uFill>
-              <a:latin typeface="Arial"/>
-            </a:endParaRPr>
           </a:p>
         </p:txBody>
       </p:sp>
     </p:spTree>
   </p:cSld>
-  <p:clrMap bg1="lt1" bg2="lt2" tx1="dk1" tx2="dk2" accent1="accent1" accent2="accent2" accent3="accent3" accent4="accent4" accent5="accent5" accent6="accent6" hlink="hlink" folHlink="folHlink"/>
+  <p:clrMap bg1="lt1" tx1="dk1" bg2="lt2" tx2="dk2" accent1="accent1" accent2="accent2" accent3="accent3" accent4="accent4" accent5="accent5" accent6="accent6" hlink="hlink" folHlink="folHlink"/>
   <p:sldLayoutIdLst>
-    <p:sldLayoutId id="2147483649" r:id="rId2"/>
-    <p:sldLayoutId id="2147483650" r:id="rId3"/>
-    <p:sldLayoutId id="2147483651" r:id="rId4"/>
-    <p:sldLayoutId id="2147483652" r:id="rId5"/>
-    <p:sldLayoutId id="2147483653" r:id="rId6"/>
-    <p:sldLayoutId id="2147483654" r:id="rId7"/>
-    <p:sldLayoutId id="2147483655" r:id="rId8"/>
-    <p:sldLayoutId id="2147483656" r:id="rId9"/>
-    <p:sldLayoutId id="2147483657" r:id="rId10"/>
-    <p:sldLayoutId id="2147483658" r:id="rId11"/>
-    <p:sldLayoutId id="2147483659" r:id="rId12"/>
-    <p:sldLayoutId id="2147483660" r:id="rId13"/>
+    <p:sldLayoutId id="2147483649" r:id="rId1"/>
+    <p:sldLayoutId id="2147483650" r:id="rId2"/>
+    <p:sldLayoutId id="2147483651" r:id="rId3"/>
+    <p:sldLayoutId id="2147483652" r:id="rId4"/>
+    <p:sldLayoutId id="2147483653" r:id="rId5"/>
+    <p:sldLayoutId id="2147483654" r:id="rId6"/>
+    <p:sldLayoutId id="2147483655" r:id="rId7"/>
+    <p:sldLayoutId id="2147483656" r:id="rId8"/>
+    <p:sldLayoutId id="2147483657" r:id="rId9"/>
+    <p:sldLayoutId id="2147483658" r:id="rId10"/>
+    <p:sldLayoutId id="2147483659" r:id="rId11"/>
+    <p:sldLayoutId id="2147483660" r:id="rId12"/>
   </p:sldLayoutIdLst>
+  <p:txStyles>
+    <p:titleStyle/>
+    <p:bodyStyle/>
+    <p:otherStyle/>
+  </p:txStyles>
 </p:sldMaster>
 </file>
 
 <file path=ppt/slideMasters/slideMaster2.xml><?xml version="1.0" encoding="utf-8"?>
-<p:sldMaster xmlns:a="http://schemas.openxmlformats.org/drawingml/2006/main" xmlns:p="http://schemas.openxmlformats.org/presentationml/2006/main" xmlns:r="http://schemas.openxmlformats.org/officeDocument/2006/relationships" xmlns:p14="http://schemas.microsoft.com/office/powerpoint/2010/main" xmlns:p15="http://schemas.microsoft.com/office/powerpoint/2012/main" xmlns:mc="http://schemas.openxmlformats.org/markup-compatibility/2006">
+<p:sldMaster xmlns:a="http://schemas.openxmlformats.org/drawingml/2006/main" xmlns:r="http://schemas.openxmlformats.org/officeDocument/2006/relationships" xmlns:p="http://schemas.openxmlformats.org/presentationml/2006/main">
   <p:cSld>
     <p:bg>
       <p:bgPr>
         <a:solidFill>
-          <a:srgbClr val="dddddd"/>
+          <a:srgbClr val="DDDDDD"/>
         </a:solidFill>
+        <a:effectLst/>
       </p:bgPr>
     </p:bg>
     <p:spTree>
@@ -3335,33 +3498,23 @@
           </a:prstGeom>
         </p:spPr>
         <p:txBody>
-          <a:bodyPr lIns="0" rIns="0" tIns="0" bIns="0" anchor="ctr"/>
+          <a:bodyPr lIns="0" tIns="0" rIns="0" bIns="0" anchor="ctr"/>
+          <a:lstStyle/>
           <a:p>
             <a:r>
-              <a:rPr b="0" lang="en-US" sz="1800" spc="-1" strike="noStrike">
+              <a:rPr lang="en-US" sz="1800" b="0" strike="noStrike" spc="-1">
                 <a:solidFill>
                   <a:srgbClr val="000000"/>
                 </a:solidFill>
                 <a:uFill>
                   <a:solidFill>
-                    <a:srgbClr val="ffffff"/>
+                    <a:srgbClr val="FFFFFF"/>
                   </a:solidFill>
                 </a:uFill>
                 <a:latin typeface="Arial"/>
               </a:rPr>
               <a:t>Click to edit the title text format</a:t>
             </a:r>
-            <a:endParaRPr b="0" lang="en-US" sz="1800" spc="-1" strike="noStrike">
-              <a:solidFill>
-                <a:srgbClr val="000000"/>
-              </a:solidFill>
-              <a:uFill>
-                <a:solidFill>
-                  <a:srgbClr val="ffffff"/>
-                </a:solidFill>
-              </a:uFill>
-              <a:latin typeface="Arial"/>
-            </a:endParaRPr>
           </a:p>
         </p:txBody>
       </p:sp>
@@ -3385,7 +3538,8 @@
           </a:prstGeom>
         </p:spPr>
         <p:txBody>
-          <a:bodyPr lIns="0" rIns="0" tIns="0" bIns="0"/>
+          <a:bodyPr lIns="0" tIns="0" rIns="0" bIns="0"/>
+          <a:lstStyle/>
           <a:p>
             <a:pPr marL="432000" indent="-324000">
               <a:buClr>
@@ -3396,33 +3550,22 @@
               <a:buChar char=""/>
             </a:pPr>
             <a:r>
-              <a:rPr b="0" lang="en-US" sz="2800" spc="-1" strike="noStrike">
+              <a:rPr lang="en-US" sz="2800" b="0" strike="noStrike" spc="-1">
                 <a:solidFill>
                   <a:srgbClr val="000000"/>
                 </a:solidFill>
                 <a:uFill>
                   <a:solidFill>
-                    <a:srgbClr val="ffffff"/>
+                    <a:srgbClr val="FFFFFF"/>
                   </a:solidFill>
                 </a:uFill>
                 <a:latin typeface="Arial"/>
               </a:rPr>
               <a:t>Click to edit the outline text format</a:t>
             </a:r>
-            <a:endParaRPr b="0" lang="en-US" sz="2800" spc="-1" strike="noStrike">
-              <a:solidFill>
-                <a:srgbClr val="000000"/>
-              </a:solidFill>
-              <a:uFill>
-                <a:solidFill>
-                  <a:srgbClr val="ffffff"/>
-                </a:solidFill>
-              </a:uFill>
-              <a:latin typeface="Arial"/>
-            </a:endParaRPr>
-          </a:p>
-          <a:p>
-            <a:pPr lvl="1" marL="864000" indent="-324000">
+          </a:p>
+          <a:p>
+            <a:pPr marL="864000" lvl="1" indent="-324000">
               <a:buClr>
                 <a:srgbClr val="000000"/>
               </a:buClr>
@@ -3431,33 +3574,22 @@
               <a:buChar char=""/>
             </a:pPr>
             <a:r>
-              <a:rPr b="0" lang="en-US" sz="2000" spc="-1" strike="noStrike">
+              <a:rPr lang="en-US" sz="2000" b="0" strike="noStrike" spc="-1">
                 <a:solidFill>
                   <a:srgbClr val="000000"/>
                 </a:solidFill>
                 <a:uFill>
                   <a:solidFill>
-                    <a:srgbClr val="ffffff"/>
+                    <a:srgbClr val="FFFFFF"/>
                   </a:solidFill>
                 </a:uFill>
                 <a:latin typeface="Arial"/>
               </a:rPr>
               <a:t>Second Outline Level</a:t>
             </a:r>
-            <a:endParaRPr b="0" lang="en-US" sz="2000" spc="-1" strike="noStrike">
-              <a:solidFill>
-                <a:srgbClr val="000000"/>
-              </a:solidFill>
-              <a:uFill>
-                <a:solidFill>
-                  <a:srgbClr val="ffffff"/>
-                </a:solidFill>
-              </a:uFill>
-              <a:latin typeface="Arial"/>
-            </a:endParaRPr>
-          </a:p>
-          <a:p>
-            <a:pPr lvl="2" marL="1296000" indent="-288000">
+          </a:p>
+          <a:p>
+            <a:pPr marL="1296000" lvl="2" indent="-288000">
               <a:buClr>
                 <a:srgbClr val="000000"/>
               </a:buClr>
@@ -3466,33 +3598,22 @@
               <a:buChar char=""/>
             </a:pPr>
             <a:r>
-              <a:rPr b="0" lang="en-US" sz="1800" spc="-1" strike="noStrike">
+              <a:rPr lang="en-US" sz="1800" b="0" strike="noStrike" spc="-1">
                 <a:solidFill>
                   <a:srgbClr val="000000"/>
                 </a:solidFill>
                 <a:uFill>
                   <a:solidFill>
-                    <a:srgbClr val="ffffff"/>
+                    <a:srgbClr val="FFFFFF"/>
                   </a:solidFill>
                 </a:uFill>
                 <a:latin typeface="Arial"/>
               </a:rPr>
               <a:t>Third Outline Level</a:t>
             </a:r>
-            <a:endParaRPr b="0" lang="en-US" sz="1800" spc="-1" strike="noStrike">
-              <a:solidFill>
-                <a:srgbClr val="000000"/>
-              </a:solidFill>
-              <a:uFill>
-                <a:solidFill>
-                  <a:srgbClr val="ffffff"/>
-                </a:solidFill>
-              </a:uFill>
-              <a:latin typeface="Arial"/>
-            </a:endParaRPr>
-          </a:p>
-          <a:p>
-            <a:pPr lvl="3" marL="1728000" indent="-216000">
+          </a:p>
+          <a:p>
+            <a:pPr marL="1728000" lvl="3" indent="-216000">
               <a:buClr>
                 <a:srgbClr val="000000"/>
               </a:buClr>
@@ -3501,33 +3622,22 @@
               <a:buChar char=""/>
             </a:pPr>
             <a:r>
-              <a:rPr b="0" lang="en-US" sz="1800" spc="-1" strike="noStrike">
+              <a:rPr lang="en-US" sz="1800" b="0" strike="noStrike" spc="-1">
                 <a:solidFill>
                   <a:srgbClr val="000000"/>
                 </a:solidFill>
                 <a:uFill>
                   <a:solidFill>
-                    <a:srgbClr val="ffffff"/>
+                    <a:srgbClr val="FFFFFF"/>
                   </a:solidFill>
                 </a:uFill>
                 <a:latin typeface="Arial"/>
               </a:rPr>
               <a:t>Fourth Outline Level</a:t>
             </a:r>
-            <a:endParaRPr b="0" lang="en-US" sz="1800" spc="-1" strike="noStrike">
-              <a:solidFill>
-                <a:srgbClr val="000000"/>
-              </a:solidFill>
-              <a:uFill>
-                <a:solidFill>
-                  <a:srgbClr val="ffffff"/>
-                </a:solidFill>
-              </a:uFill>
-              <a:latin typeface="Arial"/>
-            </a:endParaRPr>
-          </a:p>
-          <a:p>
-            <a:pPr lvl="4" marL="2160000" indent="-216000">
+          </a:p>
+          <a:p>
+            <a:pPr marL="2160000" lvl="4" indent="-216000">
               <a:buClr>
                 <a:srgbClr val="000000"/>
               </a:buClr>
@@ -3536,33 +3646,22 @@
               <a:buChar char=""/>
             </a:pPr>
             <a:r>
-              <a:rPr b="0" lang="en-US" sz="2000" spc="-1" strike="noStrike">
+              <a:rPr lang="en-US" sz="2000" b="0" strike="noStrike" spc="-1">
                 <a:solidFill>
                   <a:srgbClr val="000000"/>
                 </a:solidFill>
                 <a:uFill>
                   <a:solidFill>
-                    <a:srgbClr val="ffffff"/>
+                    <a:srgbClr val="FFFFFF"/>
                   </a:solidFill>
                 </a:uFill>
                 <a:latin typeface="Arial"/>
               </a:rPr>
               <a:t>Fifth Outline Level</a:t>
             </a:r>
-            <a:endParaRPr b="0" lang="en-US" sz="2000" spc="-1" strike="noStrike">
-              <a:solidFill>
-                <a:srgbClr val="000000"/>
-              </a:solidFill>
-              <a:uFill>
-                <a:solidFill>
-                  <a:srgbClr val="ffffff"/>
-                </a:solidFill>
-              </a:uFill>
-              <a:latin typeface="Arial"/>
-            </a:endParaRPr>
-          </a:p>
-          <a:p>
-            <a:pPr lvl="5" marL="2592000" indent="-216000">
+          </a:p>
+          <a:p>
+            <a:pPr marL="2592000" lvl="5" indent="-216000">
               <a:buClr>
                 <a:srgbClr val="000000"/>
               </a:buClr>
@@ -3571,33 +3670,22 @@
               <a:buChar char=""/>
             </a:pPr>
             <a:r>
-              <a:rPr b="0" lang="en-US" sz="2000" spc="-1" strike="noStrike">
+              <a:rPr lang="en-US" sz="2000" b="0" strike="noStrike" spc="-1">
                 <a:solidFill>
                   <a:srgbClr val="000000"/>
                 </a:solidFill>
                 <a:uFill>
                   <a:solidFill>
-                    <a:srgbClr val="ffffff"/>
+                    <a:srgbClr val="FFFFFF"/>
                   </a:solidFill>
                 </a:uFill>
                 <a:latin typeface="Arial"/>
               </a:rPr>
               <a:t>Sixth Outline Level</a:t>
             </a:r>
-            <a:endParaRPr b="0" lang="en-US" sz="2000" spc="-1" strike="noStrike">
-              <a:solidFill>
-                <a:srgbClr val="000000"/>
-              </a:solidFill>
-              <a:uFill>
-                <a:solidFill>
-                  <a:srgbClr val="ffffff"/>
-                </a:solidFill>
-              </a:uFill>
-              <a:latin typeface="Arial"/>
-            </a:endParaRPr>
-          </a:p>
-          <a:p>
-            <a:pPr lvl="6" marL="3024000" indent="-216000">
+          </a:p>
+          <a:p>
+            <a:pPr marL="3024000" lvl="6" indent="-216000">
               <a:buClr>
                 <a:srgbClr val="000000"/>
               </a:buClr>
@@ -3606,55 +3694,49 @@
               <a:buChar char=""/>
             </a:pPr>
             <a:r>
-              <a:rPr b="0" lang="en-US" sz="2000" spc="-1" strike="noStrike">
+              <a:rPr lang="en-US" sz="2000" b="0" strike="noStrike" spc="-1">
                 <a:solidFill>
                   <a:srgbClr val="000000"/>
                 </a:solidFill>
                 <a:uFill>
                   <a:solidFill>
-                    <a:srgbClr val="ffffff"/>
+                    <a:srgbClr val="FFFFFF"/>
                   </a:solidFill>
                 </a:uFill>
                 <a:latin typeface="Arial"/>
               </a:rPr>
               <a:t>Seventh Outline Level</a:t>
             </a:r>
-            <a:endParaRPr b="0" lang="en-US" sz="2000" spc="-1" strike="noStrike">
-              <a:solidFill>
-                <a:srgbClr val="000000"/>
-              </a:solidFill>
-              <a:uFill>
-                <a:solidFill>
-                  <a:srgbClr val="ffffff"/>
-                </a:solidFill>
-              </a:uFill>
-              <a:latin typeface="Arial"/>
-            </a:endParaRPr>
           </a:p>
         </p:txBody>
       </p:sp>
     </p:spTree>
   </p:cSld>
-  <p:clrMap bg1="lt1" bg2="lt2" tx1="dk1" tx2="dk2" accent1="accent1" accent2="accent2" accent3="accent3" accent4="accent4" accent5="accent5" accent6="accent6" hlink="hlink" folHlink="folHlink"/>
+  <p:clrMap bg1="lt1" tx1="dk1" bg2="lt2" tx2="dk2" accent1="accent1" accent2="accent2" accent3="accent3" accent4="accent4" accent5="accent5" accent6="accent6" hlink="hlink" folHlink="folHlink"/>
   <p:sldLayoutIdLst>
-    <p:sldLayoutId id="2147483662" r:id="rId2"/>
-    <p:sldLayoutId id="2147483663" r:id="rId3"/>
-    <p:sldLayoutId id="2147483664" r:id="rId4"/>
-    <p:sldLayoutId id="2147483665" r:id="rId5"/>
-    <p:sldLayoutId id="2147483666" r:id="rId6"/>
-    <p:sldLayoutId id="2147483667" r:id="rId7"/>
-    <p:sldLayoutId id="2147483668" r:id="rId8"/>
-    <p:sldLayoutId id="2147483669" r:id="rId9"/>
-    <p:sldLayoutId id="2147483670" r:id="rId10"/>
-    <p:sldLayoutId id="2147483671" r:id="rId11"/>
-    <p:sldLayoutId id="2147483672" r:id="rId12"/>
-    <p:sldLayoutId id="2147483673" r:id="rId13"/>
+    <p:sldLayoutId id="2147483662" r:id="rId1"/>
+    <p:sldLayoutId id="2147483663" r:id="rId2"/>
+    <p:sldLayoutId id="2147483664" r:id="rId3"/>
+    <p:sldLayoutId id="2147483665" r:id="rId4"/>
+    <p:sldLayoutId id="2147483666" r:id="rId5"/>
+    <p:sldLayoutId id="2147483667" r:id="rId6"/>
+    <p:sldLayoutId id="2147483668" r:id="rId7"/>
+    <p:sldLayoutId id="2147483669" r:id="rId8"/>
+    <p:sldLayoutId id="2147483670" r:id="rId9"/>
+    <p:sldLayoutId id="2147483671" r:id="rId10"/>
+    <p:sldLayoutId id="2147483672" r:id="rId11"/>
+    <p:sldLayoutId id="2147483673" r:id="rId12"/>
   </p:sldLayoutIdLst>
+  <p:txStyles>
+    <p:titleStyle/>
+    <p:bodyStyle/>
+    <p:otherStyle/>
+  </p:txStyles>
 </p:sldMaster>
 </file>
 
 <file path=ppt/slides/slide1.xml><?xml version="1.0" encoding="utf-8"?>
-<p:sld xmlns:a="http://schemas.openxmlformats.org/drawingml/2006/main" xmlns:p="http://schemas.openxmlformats.org/presentationml/2006/main" xmlns:r="http://schemas.openxmlformats.org/officeDocument/2006/relationships" xmlns:p14="http://schemas.microsoft.com/office/powerpoint/2010/main" xmlns:p15="http://schemas.microsoft.com/office/powerpoint/2012/main" xmlns:mc="http://schemas.openxmlformats.org/markup-compatibility/2006">
+<p:sld xmlns:a="http://schemas.openxmlformats.org/drawingml/2006/main" xmlns:r="http://schemas.openxmlformats.org/officeDocument/2006/relationships" xmlns:p="http://schemas.openxmlformats.org/presentationml/2006/main">
   <p:cSld>
     <p:spTree>
       <p:nvGrpSpPr>
@@ -3685,7 +3767,7 @@
             <a:avLst/>
           </a:prstGeom>
           <a:solidFill>
-            <a:srgbClr val="ffffff"/>
+            <a:srgbClr val="FFFFFF"/>
           </a:solidFill>
           <a:ln w="38160">
             <a:solidFill>
@@ -3695,13 +3777,20 @@
           </a:ln>
         </p:spPr>
         <p:style>
-          <a:lnRef idx="0"/>
-          <a:fillRef idx="0"/>
-          <a:effectRef idx="0"/>
+          <a:lnRef idx="0">
+            <a:scrgbClr r="0" g="0" b="0"/>
+          </a:lnRef>
+          <a:fillRef idx="0">
+            <a:scrgbClr r="0" g="0" b="0"/>
+          </a:fillRef>
+          <a:effectRef idx="0">
+            <a:scrgbClr r="0" g="0" b="0"/>
+          </a:effectRef>
           <a:fontRef idx="minor"/>
         </p:style>
         <p:txBody>
-          <a:bodyPr lIns="274320" rIns="274320" tIns="182880" bIns="182880" anchor="ctr" anchorCtr="1"/>
+          <a:bodyPr lIns="274320" tIns="182880" rIns="274320" bIns="182880" anchor="ctr" anchorCtr="1"/>
+          <a:lstStyle/>
           <a:p>
             <a:pPr algn="ctr">
               <a:lnSpc>
@@ -3709,13 +3798,13 @@
               </a:lnSpc>
             </a:pPr>
             <a:r>
-              <a:rPr b="0" lang="en-US" sz="3800" spc="197" strike="noStrike" cap="all">
+              <a:rPr lang="en-US" sz="3800" b="0" strike="noStrike" cap="all" spc="197">
                 <a:solidFill>
                   <a:srgbClr val="262626"/>
                 </a:solidFill>
                 <a:uFill>
                   <a:solidFill>
-                    <a:srgbClr val="ffffff"/>
+                    <a:srgbClr val="FFFFFF"/>
                   </a:solidFill>
                 </a:uFill>
                 <a:latin typeface="Gill Sans MT"/>
@@ -3723,13 +3812,13 @@
               </a:rPr>
               <a:t>Sprint 111 Review</a:t>
             </a:r>
-            <a:endParaRPr b="0" lang="en-US" sz="1800" spc="-1" strike="noStrike">
-              <a:solidFill>
-                <a:srgbClr val="000000"/>
-              </a:solidFill>
-              <a:uFill>
-                <a:solidFill>
-                  <a:srgbClr val="ffffff"/>
+            <a:endParaRPr lang="en-US" sz="1800" b="0" strike="noStrike" spc="-1">
+              <a:solidFill>
+                <a:srgbClr val="000000"/>
+              </a:solidFill>
+              <a:uFill>
+                <a:solidFill>
+                  <a:srgbClr val="FFFFFF"/>
                 </a:solidFill>
               </a:uFill>
               <a:latin typeface="Arial"/>
@@ -3757,13 +3846,20 @@
           </a:ln>
         </p:spPr>
         <p:style>
-          <a:lnRef idx="0"/>
-          <a:fillRef idx="0"/>
-          <a:effectRef idx="0"/>
+          <a:lnRef idx="0">
+            <a:scrgbClr r="0" g="0" b="0"/>
+          </a:lnRef>
+          <a:fillRef idx="0">
+            <a:scrgbClr r="0" g="0" b="0"/>
+          </a:fillRef>
+          <a:effectRef idx="0">
+            <a:scrgbClr r="0" g="0" b="0"/>
+          </a:effectRef>
           <a:fontRef idx="minor"/>
         </p:style>
         <p:txBody>
-          <a:bodyPr lIns="90000" rIns="90000" tIns="45000" bIns="45000"/>
+          <a:bodyPr lIns="90000" tIns="45000" rIns="90000" bIns="45000"/>
+          <a:lstStyle/>
           <a:p>
             <a:pPr algn="ctr">
               <a:lnSpc>
@@ -3771,13 +3867,13 @@
               </a:lnSpc>
             </a:pPr>
             <a:r>
-              <a:rPr b="0" lang="en-US" sz="2000" spc="-1" strike="noStrike">
-                <a:solidFill>
-                  <a:srgbClr val="ffffff"/>
+              <a:rPr lang="en-US" sz="2000" b="0" strike="noStrike" spc="-1">
+                <a:solidFill>
+                  <a:srgbClr val="FFFFFF"/>
                 </a:solidFill>
                 <a:uFill>
                   <a:solidFill>
-                    <a:srgbClr val="ffffff"/>
+                    <a:srgbClr val="FFFFFF"/>
                   </a:solidFill>
                 </a:uFill>
                 <a:latin typeface="Gill Sans MT"/>
@@ -3785,13 +3881,13 @@
               </a:rPr>
               <a:t>Team Cider</a:t>
             </a:r>
-            <a:endParaRPr b="0" lang="en-US" sz="1800" spc="-1" strike="noStrike">
-              <a:solidFill>
-                <a:srgbClr val="000000"/>
-              </a:solidFill>
-              <a:uFill>
-                <a:solidFill>
-                  <a:srgbClr val="ffffff"/>
+            <a:endParaRPr lang="en-US" sz="1800" b="0" strike="noStrike" spc="-1">
+              <a:solidFill>
+                <a:srgbClr val="000000"/>
+              </a:solidFill>
+              <a:uFill>
+                <a:solidFill>
+                  <a:srgbClr val="FFFFFF"/>
                 </a:solidFill>
               </a:uFill>
               <a:latin typeface="Arial"/>
@@ -3801,22 +3897,25 @@
       </p:sp>
     </p:spTree>
   </p:cSld>
+  <p:clrMapOvr>
+    <a:masterClrMapping/>
+  </p:clrMapOvr>
   <p:timing>
     <p:tnLst>
       <p:par>
-        <p:cTn id="1" dur="indefinite" restart="never" nodeType="tmRoot">
+        <p:cTn xmlns:p14="http://schemas.microsoft.com/office/powerpoint/2010/main" id="1" dur="indefinite" restart="never" nodeType="tmRoot">
           <p:childTnLst>
             <p:seq>
               <p:cTn id="2" nodeType="mainSeq"/>
               <p:prevCondLst>
-                <p:cond delay="0" evt="onPrev">
+                <p:cond evt="onPrev" delay="0">
                   <p:tgtEl>
                     <p:sldTgt/>
                   </p:tgtEl>
                 </p:cond>
               </p:prevCondLst>
               <p:nextCondLst>
-                <p:cond delay="0" evt="onNext">
+                <p:cond evt="onNext" delay="0">
                   <p:tgtEl>
                     <p:sldTgt/>
                   </p:tgtEl>
@@ -3832,7 +3931,7 @@
 </file>
 
 <file path=ppt/slides/slide2.xml><?xml version="1.0" encoding="utf-8"?>
-<p:sld xmlns:a="http://schemas.openxmlformats.org/drawingml/2006/main" xmlns:p="http://schemas.openxmlformats.org/presentationml/2006/main" xmlns:r="http://schemas.openxmlformats.org/officeDocument/2006/relationships" xmlns:p14="http://schemas.microsoft.com/office/powerpoint/2010/main" xmlns:p15="http://schemas.microsoft.com/office/powerpoint/2012/main" xmlns:mc="http://schemas.openxmlformats.org/markup-compatibility/2006">
+<p:sld xmlns:a="http://schemas.openxmlformats.org/drawingml/2006/main" xmlns:r="http://schemas.openxmlformats.org/officeDocument/2006/relationships" xmlns:p="http://schemas.openxmlformats.org/presentationml/2006/main">
   <p:cSld>
     <p:spTree>
       <p:nvGrpSpPr>
@@ -3868,13 +3967,20 @@
           </a:ln>
         </p:spPr>
         <p:style>
-          <a:lnRef idx="0"/>
-          <a:fillRef idx="0"/>
-          <a:effectRef idx="0"/>
+          <a:lnRef idx="0">
+            <a:scrgbClr r="0" g="0" b="0"/>
+          </a:lnRef>
+          <a:fillRef idx="0">
+            <a:scrgbClr r="0" g="0" b="0"/>
+          </a:fillRef>
+          <a:effectRef idx="0">
+            <a:scrgbClr r="0" g="0" b="0"/>
+          </a:effectRef>
           <a:fontRef idx="minor"/>
         </p:style>
         <p:txBody>
-          <a:bodyPr lIns="182880" rIns="182880" tIns="182880" bIns="182880" anchor="ctr"/>
+          <a:bodyPr lIns="182880" tIns="182880" rIns="182880" bIns="182880" anchor="ctr"/>
+          <a:lstStyle/>
           <a:p>
             <a:pPr algn="ctr">
               <a:lnSpc>
@@ -3882,13 +3988,13 @@
               </a:lnSpc>
             </a:pPr>
             <a:r>
-              <a:rPr b="0" lang="en-US" sz="2800" spc="197" strike="noStrike" cap="all">
+              <a:rPr lang="en-US" sz="2800" b="0" strike="noStrike" cap="all" spc="197">
                 <a:solidFill>
                   <a:srgbClr val="262626"/>
                 </a:solidFill>
                 <a:uFill>
                   <a:solidFill>
-                    <a:srgbClr val="ffffff"/>
+                    <a:srgbClr val="FFFFFF"/>
                   </a:solidFill>
                 </a:uFill>
                 <a:latin typeface="Gill Sans MT"/>
@@ -3896,13 +4002,13 @@
               </a:rPr>
               <a:t>Sprint III review</a:t>
             </a:r>
-            <a:endParaRPr b="0" lang="en-US" sz="1800" spc="-1" strike="noStrike">
-              <a:solidFill>
-                <a:srgbClr val="000000"/>
-              </a:solidFill>
-              <a:uFill>
-                <a:solidFill>
-                  <a:srgbClr val="ffffff"/>
+            <a:endParaRPr lang="en-US" sz="1800" b="0" strike="noStrike" spc="-1">
+              <a:solidFill>
+                <a:srgbClr val="000000"/>
+              </a:solidFill>
+              <a:uFill>
+                <a:solidFill>
+                  <a:srgbClr val="FFFFFF"/>
                 </a:solidFill>
               </a:uFill>
               <a:latin typeface="Arial"/>
@@ -3930,13 +4036,20 @@
           </a:ln>
         </p:spPr>
         <p:style>
-          <a:lnRef idx="0"/>
-          <a:fillRef idx="0"/>
-          <a:effectRef idx="0"/>
+          <a:lnRef idx="0">
+            <a:scrgbClr r="0" g="0" b="0"/>
+          </a:lnRef>
+          <a:fillRef idx="0">
+            <a:scrgbClr r="0" g="0" b="0"/>
+          </a:fillRef>
+          <a:effectRef idx="0">
+            <a:scrgbClr r="0" g="0" b="0"/>
+          </a:effectRef>
           <a:fontRef idx="minor"/>
         </p:style>
         <p:txBody>
-          <a:bodyPr lIns="90000" rIns="90000" tIns="45000" bIns="45000"/>
+          <a:bodyPr lIns="90000" tIns="45000" rIns="90000" bIns="45000"/>
+          <a:lstStyle/>
           <a:p>
             <a:pPr>
               <a:lnSpc>
@@ -3944,13 +4057,13 @@
               </a:lnSpc>
             </a:pPr>
             <a:r>
-              <a:rPr b="1" lang="en-US" sz="1800" spc="-1" strike="noStrike">
+              <a:rPr lang="en-US" sz="1800" b="1" strike="noStrike" spc="-1">
                 <a:solidFill>
                   <a:srgbClr val="262626"/>
                 </a:solidFill>
                 <a:uFill>
                   <a:solidFill>
-                    <a:srgbClr val="ffffff"/>
+                    <a:srgbClr val="FFFFFF"/>
                   </a:solidFill>
                 </a:uFill>
                 <a:latin typeface="Gill Sans MT"/>
@@ -3958,13 +4071,13 @@
               </a:rPr>
               <a:t>Project Status:</a:t>
             </a:r>
-            <a:endParaRPr b="0" lang="en-US" sz="1800" spc="-1" strike="noStrike">
-              <a:solidFill>
-                <a:srgbClr val="000000"/>
-              </a:solidFill>
-              <a:uFill>
-                <a:solidFill>
-                  <a:srgbClr val="ffffff"/>
+            <a:endParaRPr lang="en-US" sz="1800" b="0" strike="noStrike" spc="-1">
+              <a:solidFill>
+                <a:srgbClr val="000000"/>
+              </a:solidFill>
+              <a:uFill>
+                <a:solidFill>
+                  <a:srgbClr val="FFFFFF"/>
                 </a:solidFill>
               </a:uFill>
               <a:latin typeface="Arial"/>
@@ -3976,13 +4089,13 @@
                 <a:spcPct val="100000"/>
               </a:lnSpc>
             </a:pPr>
-            <a:endParaRPr b="0" lang="en-US" sz="1800" spc="-1" strike="noStrike">
-              <a:solidFill>
-                <a:srgbClr val="000000"/>
-              </a:solidFill>
-              <a:uFill>
-                <a:solidFill>
-                  <a:srgbClr val="ffffff"/>
+            <a:endParaRPr lang="en-US" sz="1800" b="0" strike="noStrike" spc="-1">
+              <a:solidFill>
+                <a:srgbClr val="000000"/>
+              </a:solidFill>
+              <a:uFill>
+                <a:solidFill>
+                  <a:srgbClr val="FFFFFF"/>
                 </a:solidFill>
               </a:uFill>
               <a:latin typeface="Arial"/>
@@ -3994,19 +4107,19 @@
                 <a:spcPct val="100000"/>
               </a:lnSpc>
               <a:buClr>
-                <a:srgbClr val="418ab3"/>
+                <a:srgbClr val="418AB3"/>
               </a:buClr>
               <a:buFont typeface="Arial"/>
               <a:buChar char="•"/>
             </a:pPr>
             <a:r>
-              <a:rPr b="1" lang="en-US" sz="1800" spc="-1" strike="noStrike">
+              <a:rPr lang="en-US" sz="1800" b="1" strike="noStrike" spc="-1">
                 <a:solidFill>
                   <a:srgbClr val="262626"/>
                 </a:solidFill>
                 <a:uFill>
                   <a:solidFill>
-                    <a:srgbClr val="ffffff"/>
+                    <a:srgbClr val="FFFFFF"/>
                   </a:solidFill>
                 </a:uFill>
                 <a:latin typeface="Gill Sans MT"/>
@@ -4015,13 +4128,13 @@
               <a:t>End-of-Semester Project Goal:</a:t>
             </a:r>
             <a:r>
-              <a:rPr b="0" lang="en-US" sz="1800" spc="-1" strike="noStrike">
+              <a:rPr lang="en-US" sz="1800" b="0" strike="noStrike" spc="-1">
                 <a:solidFill>
                   <a:srgbClr val="262626"/>
                 </a:solidFill>
                 <a:uFill>
                   <a:solidFill>
-                    <a:srgbClr val="ffffff"/>
+                    <a:srgbClr val="FFFFFF"/>
                   </a:solidFill>
                 </a:uFill>
                 <a:latin typeface="Gill Sans MT"/>
@@ -4029,13 +4142,13 @@
               </a:rPr>
               <a:t> Create an android application that helps organize people’s pantry and suggest recipes based on their supplies.</a:t>
             </a:r>
-            <a:endParaRPr b="0" lang="en-US" sz="1800" spc="-1" strike="noStrike">
-              <a:solidFill>
-                <a:srgbClr val="000000"/>
-              </a:solidFill>
-              <a:uFill>
-                <a:solidFill>
-                  <a:srgbClr val="ffffff"/>
+            <a:endParaRPr lang="en-US" sz="1800" b="0" strike="noStrike" spc="-1">
+              <a:solidFill>
+                <a:srgbClr val="000000"/>
+              </a:solidFill>
+              <a:uFill>
+                <a:solidFill>
+                  <a:srgbClr val="FFFFFF"/>
                 </a:solidFill>
               </a:uFill>
               <a:latin typeface="Arial"/>
@@ -4047,13 +4160,13 @@
                 <a:spcPct val="100000"/>
               </a:lnSpc>
             </a:pPr>
-            <a:endParaRPr b="0" lang="en-US" sz="1800" spc="-1" strike="noStrike">
-              <a:solidFill>
-                <a:srgbClr val="000000"/>
-              </a:solidFill>
-              <a:uFill>
-                <a:solidFill>
-                  <a:srgbClr val="ffffff"/>
+            <a:endParaRPr lang="en-US" sz="1800" b="0" strike="noStrike" spc="-1">
+              <a:solidFill>
+                <a:srgbClr val="000000"/>
+              </a:solidFill>
+              <a:uFill>
+                <a:solidFill>
+                  <a:srgbClr val="FFFFFF"/>
                 </a:solidFill>
               </a:uFill>
               <a:latin typeface="Arial"/>
@@ -4065,19 +4178,19 @@
                 <a:spcPct val="100000"/>
               </a:lnSpc>
               <a:buClr>
-                <a:srgbClr val="418ab3"/>
+                <a:srgbClr val="418AB3"/>
               </a:buClr>
               <a:buFont typeface="Arial"/>
               <a:buChar char="•"/>
             </a:pPr>
             <a:r>
-              <a:rPr b="1" lang="en-US" sz="1800" spc="-1" strike="noStrike">
+              <a:rPr lang="en-US" sz="1800" b="1" strike="noStrike" spc="-1">
                 <a:solidFill>
                   <a:srgbClr val="262626"/>
                 </a:solidFill>
                 <a:uFill>
                   <a:solidFill>
-                    <a:srgbClr val="ffffff"/>
+                    <a:srgbClr val="FFFFFF"/>
                   </a:solidFill>
                 </a:uFill>
                 <a:latin typeface="Gill Sans MT"/>
@@ -4086,13 +4199,13 @@
               <a:t>Sprint III Goals:</a:t>
             </a:r>
             <a:r>
-              <a:rPr b="0" lang="en-US" sz="1800" spc="-1" strike="noStrike">
+              <a:rPr lang="en-US" sz="1800" b="0" strike="noStrike" spc="-1">
                 <a:solidFill>
                   <a:srgbClr val="262626"/>
                 </a:solidFill>
                 <a:uFill>
                   <a:solidFill>
-                    <a:srgbClr val="ffffff"/>
+                    <a:srgbClr val="FFFFFF"/>
                   </a:solidFill>
                 </a:uFill>
                 <a:latin typeface="Gill Sans MT"/>
@@ -4100,13 +4213,13 @@
               </a:rPr>
               <a:t> Integrate Travis CI, implement login feature, refactor RecipeAssistant, tweak UI, add new feature classes to the app.</a:t>
             </a:r>
-            <a:endParaRPr b="0" lang="en-US" sz="1800" spc="-1" strike="noStrike">
-              <a:solidFill>
-                <a:srgbClr val="000000"/>
-              </a:solidFill>
-              <a:uFill>
-                <a:solidFill>
-                  <a:srgbClr val="ffffff"/>
+            <a:endParaRPr lang="en-US" sz="1800" b="0" strike="noStrike" spc="-1">
+              <a:solidFill>
+                <a:srgbClr val="000000"/>
+              </a:solidFill>
+              <a:uFill>
+                <a:solidFill>
+                  <a:srgbClr val="FFFFFF"/>
                 </a:solidFill>
               </a:uFill>
               <a:latin typeface="Arial"/>
@@ -4118,13 +4231,13 @@
                 <a:spcPct val="100000"/>
               </a:lnSpc>
             </a:pPr>
-            <a:endParaRPr b="0" lang="en-US" sz="1800" spc="-1" strike="noStrike">
-              <a:solidFill>
-                <a:srgbClr val="000000"/>
-              </a:solidFill>
-              <a:uFill>
-                <a:solidFill>
-                  <a:srgbClr val="ffffff"/>
+            <a:endParaRPr lang="en-US" sz="1800" b="0" strike="noStrike" spc="-1">
+              <a:solidFill>
+                <a:srgbClr val="000000"/>
+              </a:solidFill>
+              <a:uFill>
+                <a:solidFill>
+                  <a:srgbClr val="FFFFFF"/>
                 </a:solidFill>
               </a:uFill>
               <a:latin typeface="Arial"/>
@@ -4136,19 +4249,19 @@
                 <a:spcPct val="100000"/>
               </a:lnSpc>
               <a:buClr>
-                <a:srgbClr val="418ab3"/>
+                <a:srgbClr val="418AB3"/>
               </a:buClr>
               <a:buFont typeface="Arial"/>
               <a:buChar char="•"/>
             </a:pPr>
             <a:r>
-              <a:rPr b="1" lang="en-US" sz="1800" spc="-1" strike="noStrike">
+              <a:rPr lang="en-US" sz="1800" b="1" strike="noStrike" spc="-1">
                 <a:solidFill>
                   <a:srgbClr val="262626"/>
                 </a:solidFill>
                 <a:uFill>
                   <a:solidFill>
-                    <a:srgbClr val="ffffff"/>
+                    <a:srgbClr val="FFFFFF"/>
                   </a:solidFill>
                 </a:uFill>
                 <a:latin typeface="Gill Sans MT"/>
@@ -4157,13 +4270,13 @@
               <a:t>Stories Finished: </a:t>
             </a:r>
             <a:r>
-              <a:rPr b="0" lang="en-US" sz="1800" spc="-1" strike="noStrike">
+              <a:rPr lang="en-US" sz="1800" b="0" strike="noStrike" spc="-1">
                 <a:solidFill>
                   <a:srgbClr val="262626"/>
                 </a:solidFill>
                 <a:uFill>
                   <a:solidFill>
-                    <a:srgbClr val="ffffff"/>
+                    <a:srgbClr val="FFFFFF"/>
                   </a:solidFill>
                 </a:uFill>
                 <a:latin typeface="Gill Sans MT"/>
@@ -4171,13 +4284,13 @@
               </a:rPr>
               <a:t>Integrate login with database, integrate RecipeAssistant with Travis CI, added new feature classes</a:t>
             </a:r>
-            <a:endParaRPr b="0" lang="en-US" sz="1800" spc="-1" strike="noStrike">
-              <a:solidFill>
-                <a:srgbClr val="000000"/>
-              </a:solidFill>
-              <a:uFill>
-                <a:solidFill>
-                  <a:srgbClr val="ffffff"/>
+            <a:endParaRPr lang="en-US" sz="1800" b="0" strike="noStrike" spc="-1">
+              <a:solidFill>
+                <a:srgbClr val="000000"/>
+              </a:solidFill>
+              <a:uFill>
+                <a:solidFill>
+                  <a:srgbClr val="FFFFFF"/>
                 </a:solidFill>
               </a:uFill>
               <a:latin typeface="Arial"/>
@@ -4189,13 +4302,13 @@
                 <a:spcPct val="100000"/>
               </a:lnSpc>
             </a:pPr>
-            <a:endParaRPr b="0" lang="en-US" sz="1800" spc="-1" strike="noStrike">
-              <a:solidFill>
-                <a:srgbClr val="000000"/>
-              </a:solidFill>
-              <a:uFill>
-                <a:solidFill>
-                  <a:srgbClr val="ffffff"/>
+            <a:endParaRPr lang="en-US" sz="1800" b="0" strike="noStrike" spc="-1">
+              <a:solidFill>
+                <a:srgbClr val="000000"/>
+              </a:solidFill>
+              <a:uFill>
+                <a:solidFill>
+                  <a:srgbClr val="FFFFFF"/>
                 </a:solidFill>
               </a:uFill>
               <a:latin typeface="Arial"/>
@@ -4207,19 +4320,19 @@
                 <a:spcPct val="100000"/>
               </a:lnSpc>
               <a:buClr>
-                <a:srgbClr val="418ab3"/>
+                <a:srgbClr val="418AB3"/>
               </a:buClr>
               <a:buFont typeface="Arial"/>
               <a:buChar char="•"/>
             </a:pPr>
             <a:r>
-              <a:rPr b="1" lang="en-US" sz="1800" spc="-1" strike="noStrike">
+              <a:rPr lang="en-US" sz="1800" b="1" strike="noStrike" spc="-1">
                 <a:solidFill>
                   <a:srgbClr val="262626"/>
                 </a:solidFill>
                 <a:uFill>
                   <a:solidFill>
-                    <a:srgbClr val="ffffff"/>
+                    <a:srgbClr val="FFFFFF"/>
                   </a:solidFill>
                 </a:uFill>
                 <a:latin typeface="Gill Sans MT"/>
@@ -4228,13 +4341,13 @@
               <a:t>Artifacts Created: </a:t>
             </a:r>
             <a:r>
-              <a:rPr b="0" lang="en-US" sz="1800" spc="-1" strike="noStrike">
+              <a:rPr lang="en-US" sz="1800" b="0" strike="noStrike" spc="-1">
                 <a:solidFill>
                   <a:srgbClr val="262626"/>
                 </a:solidFill>
                 <a:uFill>
                   <a:solidFill>
-                    <a:srgbClr val="ffffff"/>
+                    <a:srgbClr val="FFFFFF"/>
                   </a:solidFill>
                 </a:uFill>
                 <a:latin typeface="Gill Sans MT"/>
@@ -4242,13 +4355,13 @@
               </a:rPr>
               <a:t>See Code section</a:t>
             </a:r>
-            <a:endParaRPr b="0" lang="en-US" sz="1800" spc="-1" strike="noStrike">
-              <a:solidFill>
-                <a:srgbClr val="000000"/>
-              </a:solidFill>
-              <a:uFill>
-                <a:solidFill>
-                  <a:srgbClr val="ffffff"/>
+            <a:endParaRPr lang="en-US" sz="1800" b="0" strike="noStrike" spc="-1">
+              <a:solidFill>
+                <a:srgbClr val="000000"/>
+              </a:solidFill>
+              <a:uFill>
+                <a:solidFill>
+                  <a:srgbClr val="FFFFFF"/>
                 </a:solidFill>
               </a:uFill>
               <a:latin typeface="Arial"/>
@@ -4260,13 +4373,13 @@
                 <a:spcPct val="100000"/>
               </a:lnSpc>
             </a:pPr>
-            <a:endParaRPr b="0" lang="en-US" sz="1800" spc="-1" strike="noStrike">
-              <a:solidFill>
-                <a:srgbClr val="000000"/>
-              </a:solidFill>
-              <a:uFill>
-                <a:solidFill>
-                  <a:srgbClr val="ffffff"/>
+            <a:endParaRPr lang="en-US" sz="1800" b="0" strike="noStrike" spc="-1">
+              <a:solidFill>
+                <a:srgbClr val="000000"/>
+              </a:solidFill>
+              <a:uFill>
+                <a:solidFill>
+                  <a:srgbClr val="FFFFFF"/>
                 </a:solidFill>
               </a:uFill>
               <a:latin typeface="Arial"/>
@@ -4278,13 +4391,13 @@
                 <a:spcPct val="100000"/>
               </a:lnSpc>
             </a:pPr>
-            <a:endParaRPr b="0" lang="en-US" sz="1800" spc="-1" strike="noStrike">
-              <a:solidFill>
-                <a:srgbClr val="000000"/>
-              </a:solidFill>
-              <a:uFill>
-                <a:solidFill>
-                  <a:srgbClr val="ffffff"/>
+            <a:endParaRPr lang="en-US" sz="1800" b="0" strike="noStrike" spc="-1">
+              <a:solidFill>
+                <a:srgbClr val="000000"/>
+              </a:solidFill>
+              <a:uFill>
+                <a:solidFill>
+                  <a:srgbClr val="FFFFFF"/>
                 </a:solidFill>
               </a:uFill>
               <a:latin typeface="Arial"/>
@@ -4294,22 +4407,25 @@
       </p:sp>
     </p:spTree>
   </p:cSld>
+  <p:clrMapOvr>
+    <a:masterClrMapping/>
+  </p:clrMapOvr>
   <p:timing>
     <p:tnLst>
       <p:par>
-        <p:cTn id="3" dur="indefinite" restart="never" nodeType="tmRoot">
+        <p:cTn xmlns:p14="http://schemas.microsoft.com/office/powerpoint/2010/main" id="1" dur="indefinite" restart="never" nodeType="tmRoot">
           <p:childTnLst>
             <p:seq>
-              <p:cTn id="4" nodeType="mainSeq"/>
+              <p:cTn id="2" nodeType="mainSeq"/>
               <p:prevCondLst>
-                <p:cond delay="0" evt="onPrev">
+                <p:cond evt="onPrev" delay="0">
                   <p:tgtEl>
                     <p:sldTgt/>
                   </p:tgtEl>
                 </p:cond>
               </p:prevCondLst>
               <p:nextCondLst>
-                <p:cond delay="0" evt="onNext">
+                <p:cond evt="onNext" delay="0">
                   <p:tgtEl>
                     <p:sldTgt/>
                   </p:tgtEl>
@@ -4325,7 +4441,7 @@
 </file>
 
 <file path=ppt/slides/slide3.xml><?xml version="1.0" encoding="utf-8"?>
-<p:sld xmlns:a="http://schemas.openxmlformats.org/drawingml/2006/main" xmlns:p="http://schemas.openxmlformats.org/presentationml/2006/main" xmlns:r="http://schemas.openxmlformats.org/officeDocument/2006/relationships" xmlns:p14="http://schemas.microsoft.com/office/powerpoint/2010/main" xmlns:p15="http://schemas.microsoft.com/office/powerpoint/2012/main" xmlns:mc="http://schemas.openxmlformats.org/markup-compatibility/2006">
+<p:sld xmlns:a="http://schemas.openxmlformats.org/drawingml/2006/main" xmlns:r="http://schemas.openxmlformats.org/officeDocument/2006/relationships" xmlns:p="http://schemas.openxmlformats.org/presentationml/2006/main">
   <p:cSld>
     <p:spTree>
       <p:nvGrpSpPr>
@@ -4361,13 +4477,20 @@
           </a:ln>
         </p:spPr>
         <p:style>
-          <a:lnRef idx="0"/>
-          <a:fillRef idx="0"/>
-          <a:effectRef idx="0"/>
+          <a:lnRef idx="0">
+            <a:scrgbClr r="0" g="0" b="0"/>
+          </a:lnRef>
+          <a:fillRef idx="0">
+            <a:scrgbClr r="0" g="0" b="0"/>
+          </a:fillRef>
+          <a:effectRef idx="0">
+            <a:scrgbClr r="0" g="0" b="0"/>
+          </a:effectRef>
           <a:fontRef idx="minor"/>
         </p:style>
         <p:txBody>
-          <a:bodyPr lIns="182880" rIns="182880" tIns="182880" bIns="182880" anchor="ctr"/>
+          <a:bodyPr lIns="182880" tIns="182880" rIns="182880" bIns="182880" anchor="ctr"/>
+          <a:lstStyle/>
           <a:p>
             <a:pPr algn="ctr">
               <a:lnSpc>
@@ -4375,13 +4498,13 @@
               </a:lnSpc>
             </a:pPr>
             <a:r>
-              <a:rPr b="0" lang="en-US" sz="2800" spc="197" strike="noStrike" cap="all">
+              <a:rPr lang="en-US" sz="2800" b="0" strike="noStrike" cap="all" spc="197">
                 <a:solidFill>
                   <a:srgbClr val="262626"/>
                 </a:solidFill>
                 <a:uFill>
                   <a:solidFill>
-                    <a:srgbClr val="ffffff"/>
+                    <a:srgbClr val="FFFFFF"/>
                   </a:solidFill>
                 </a:uFill>
                 <a:latin typeface="Gill Sans MT"/>
@@ -4389,13 +4512,13 @@
               </a:rPr>
               <a:t>Sprint III review: Individual</a:t>
             </a:r>
-            <a:endParaRPr b="0" lang="en-US" sz="1800" spc="-1" strike="noStrike">
-              <a:solidFill>
-                <a:srgbClr val="000000"/>
-              </a:solidFill>
-              <a:uFill>
-                <a:solidFill>
-                  <a:srgbClr val="ffffff"/>
+            <a:endParaRPr lang="en-US" sz="1800" b="0" strike="noStrike" spc="-1">
+              <a:solidFill>
+                <a:srgbClr val="000000"/>
+              </a:solidFill>
+              <a:uFill>
+                <a:solidFill>
+                  <a:srgbClr val="FFFFFF"/>
                 </a:solidFill>
               </a:uFill>
               <a:latin typeface="Arial"/>
@@ -4423,13 +4546,20 @@
           </a:ln>
         </p:spPr>
         <p:style>
-          <a:lnRef idx="0"/>
-          <a:fillRef idx="0"/>
-          <a:effectRef idx="0"/>
+          <a:lnRef idx="0">
+            <a:scrgbClr r="0" g="0" b="0"/>
+          </a:lnRef>
+          <a:fillRef idx="0">
+            <a:scrgbClr r="0" g="0" b="0"/>
+          </a:fillRef>
+          <a:effectRef idx="0">
+            <a:scrgbClr r="0" g="0" b="0"/>
+          </a:effectRef>
           <a:fontRef idx="minor"/>
         </p:style>
         <p:txBody>
-          <a:bodyPr lIns="90000" rIns="90000" tIns="45000" bIns="45000"/>
+          <a:bodyPr lIns="90000" tIns="45000" rIns="90000" bIns="45000"/>
+          <a:lstStyle/>
           <a:p>
             <a:pPr>
               <a:lnSpc>
@@ -4437,13 +4567,13 @@
               </a:lnSpc>
             </a:pPr>
             <a:r>
-              <a:rPr b="1" lang="en-US" sz="1800" spc="-1" strike="noStrike">
+              <a:rPr lang="en-US" sz="1800" b="1" strike="noStrike" spc="-1" dirty="0">
                 <a:solidFill>
                   <a:srgbClr val="262626"/>
                 </a:solidFill>
                 <a:uFill>
                   <a:solidFill>
-                    <a:srgbClr val="ffffff"/>
+                    <a:srgbClr val="FFFFFF"/>
                   </a:solidFill>
                 </a:uFill>
                 <a:latin typeface="Gill Sans MT"/>
@@ -4451,13 +4581,13 @@
               </a:rPr>
               <a:t>Ed:</a:t>
             </a:r>
-            <a:endParaRPr b="0" lang="en-US" sz="1800" spc="-1" strike="noStrike">
-              <a:solidFill>
-                <a:srgbClr val="000000"/>
-              </a:solidFill>
-              <a:uFill>
-                <a:solidFill>
-                  <a:srgbClr val="ffffff"/>
+            <a:endParaRPr lang="en-US" sz="1800" b="0" strike="noStrike" spc="-1" dirty="0">
+              <a:solidFill>
+                <a:srgbClr val="000000"/>
+              </a:solidFill>
+              <a:uFill>
+                <a:solidFill>
+                  <a:srgbClr val="FFFFFF"/>
                 </a:solidFill>
               </a:uFill>
               <a:latin typeface="Arial"/>
@@ -4469,13 +4599,13 @@
                 <a:spcPct val="100000"/>
               </a:lnSpc>
             </a:pPr>
-            <a:endParaRPr b="0" lang="en-US" sz="1800" spc="-1" strike="noStrike">
-              <a:solidFill>
-                <a:srgbClr val="000000"/>
-              </a:solidFill>
-              <a:uFill>
-                <a:solidFill>
-                  <a:srgbClr val="ffffff"/>
+            <a:endParaRPr lang="en-US" sz="1800" b="0" strike="noStrike" spc="-1" dirty="0">
+              <a:solidFill>
+                <a:srgbClr val="000000"/>
+              </a:solidFill>
+              <a:uFill>
+                <a:solidFill>
+                  <a:srgbClr val="FFFFFF"/>
                 </a:solidFill>
               </a:uFill>
               <a:latin typeface="Arial"/>
@@ -4488,13 +4618,13 @@
               </a:lnSpc>
             </a:pPr>
             <a:r>
-              <a:rPr b="1" lang="en-US" sz="1800" spc="-1" strike="noStrike">
+              <a:rPr lang="en-US" sz="1800" b="1" strike="noStrike" spc="-1" dirty="0">
                 <a:solidFill>
                   <a:srgbClr val="262626"/>
                 </a:solidFill>
                 <a:uFill>
                   <a:solidFill>
-                    <a:srgbClr val="ffffff"/>
+                    <a:srgbClr val="FFFFFF"/>
                   </a:solidFill>
                 </a:uFill>
                 <a:latin typeface="Gill Sans MT"/>
@@ -4502,13 +4632,73 @@
               </a:rPr>
               <a:t>Forrest: </a:t>
             </a:r>
-            <a:endParaRPr b="0" lang="en-US" sz="1800" spc="-1" strike="noStrike">
-              <a:solidFill>
-                <a:srgbClr val="000000"/>
-              </a:solidFill>
-              <a:uFill>
-                <a:solidFill>
-                  <a:srgbClr val="ffffff"/>
+            <a:r>
+              <a:rPr lang="en-US" b="1" spc="-1" dirty="0">
+                <a:solidFill>
+                  <a:srgbClr val="262626"/>
+                </a:solidFill>
+                <a:uFill>
+                  <a:solidFill>
+                    <a:srgbClr val="FFFFFF"/>
+                  </a:solidFill>
+                </a:uFill>
+                <a:latin typeface="Gill Sans MT"/>
+                <a:ea typeface="DejaVu Sans"/>
+              </a:rPr>
+              <a:t> </a:t>
+            </a:r>
+            <a:r>
+              <a:rPr lang="en-US" spc="-1" dirty="0" smtClean="0">
+                <a:solidFill>
+                  <a:srgbClr val="262626"/>
+                </a:solidFill>
+                <a:uFill>
+                  <a:solidFill>
+                    <a:srgbClr val="FFFFFF"/>
+                  </a:solidFill>
+                </a:uFill>
+                <a:latin typeface="Gill Sans MT"/>
+                <a:ea typeface="DejaVu Sans"/>
+              </a:rPr>
+              <a:t>Worked with Zach on refactoring </a:t>
+            </a:r>
+            <a:r>
+              <a:rPr lang="en-US" spc="-1" dirty="0" err="1" smtClean="0">
+                <a:solidFill>
+                  <a:srgbClr val="262626"/>
+                </a:solidFill>
+                <a:uFill>
+                  <a:solidFill>
+                    <a:srgbClr val="FFFFFF"/>
+                  </a:solidFill>
+                </a:uFill>
+                <a:latin typeface="Gill Sans MT"/>
+                <a:ea typeface="DejaVu Sans"/>
+              </a:rPr>
+              <a:t>MainActivity</a:t>
+            </a:r>
+            <a:r>
+              <a:rPr lang="en-US" spc="-1" dirty="0" smtClean="0">
+                <a:solidFill>
+                  <a:srgbClr val="262626"/>
+                </a:solidFill>
+                <a:uFill>
+                  <a:solidFill>
+                    <a:srgbClr val="FFFFFF"/>
+                  </a:solidFill>
+                </a:uFill>
+                <a:latin typeface="Gill Sans MT"/>
+                <a:ea typeface="DejaVu Sans"/>
+              </a:rPr>
+              <a:t> class. Attempted to write an activity that lists recipes and its corresponding xml file that would launch the new activity subsequent to login.</a:t>
+            </a:r>
+            <a:endParaRPr lang="en-US" sz="1800" strike="noStrike" spc="-1" dirty="0">
+              <a:solidFill>
+                <a:srgbClr val="000000"/>
+              </a:solidFill>
+              <a:uFill>
+                <a:solidFill>
+                  <a:srgbClr val="FFFFFF"/>
                 </a:solidFill>
               </a:uFill>
               <a:latin typeface="Arial"/>
@@ -4520,13 +4710,13 @@
                 <a:spcPct val="100000"/>
               </a:lnSpc>
             </a:pPr>
-            <a:endParaRPr b="0" lang="en-US" sz="1800" spc="-1" strike="noStrike">
-              <a:solidFill>
-                <a:srgbClr val="000000"/>
-              </a:solidFill>
-              <a:uFill>
-                <a:solidFill>
-                  <a:srgbClr val="ffffff"/>
+            <a:endParaRPr lang="en-US" sz="1800" b="0" strike="noStrike" spc="-1" dirty="0">
+              <a:solidFill>
+                <a:srgbClr val="000000"/>
+              </a:solidFill>
+              <a:uFill>
+                <a:solidFill>
+                  <a:srgbClr val="FFFFFF"/>
                 </a:solidFill>
               </a:uFill>
               <a:latin typeface="Arial"/>
@@ -4539,13 +4729,13 @@
               </a:lnSpc>
             </a:pPr>
             <a:r>
-              <a:rPr b="1" lang="en-US" sz="1800" spc="-1" strike="noStrike">
+              <a:rPr lang="en-US" sz="1800" b="1" strike="noStrike" spc="-1" dirty="0">
                 <a:solidFill>
                   <a:srgbClr val="262626"/>
                 </a:solidFill>
                 <a:uFill>
                   <a:solidFill>
-                    <a:srgbClr val="ffffff"/>
+                    <a:srgbClr val="FFFFFF"/>
                   </a:solidFill>
                 </a:uFill>
                 <a:latin typeface="Gill Sans MT"/>
@@ -4553,13 +4743,13 @@
               </a:rPr>
               <a:t>Nick: </a:t>
             </a:r>
-            <a:endParaRPr b="0" lang="en-US" sz="1800" spc="-1" strike="noStrike">
-              <a:solidFill>
-                <a:srgbClr val="000000"/>
-              </a:solidFill>
-              <a:uFill>
-                <a:solidFill>
-                  <a:srgbClr val="ffffff"/>
+            <a:endParaRPr lang="en-US" sz="1800" b="0" strike="noStrike" spc="-1" dirty="0">
+              <a:solidFill>
+                <a:srgbClr val="000000"/>
+              </a:solidFill>
+              <a:uFill>
+                <a:solidFill>
+                  <a:srgbClr val="FFFFFF"/>
                 </a:solidFill>
               </a:uFill>
               <a:latin typeface="Arial"/>
@@ -4571,13 +4761,13 @@
                 <a:spcPct val="100000"/>
               </a:lnSpc>
             </a:pPr>
-            <a:endParaRPr b="0" lang="en-US" sz="1800" spc="-1" strike="noStrike">
-              <a:solidFill>
-                <a:srgbClr val="000000"/>
-              </a:solidFill>
-              <a:uFill>
-                <a:solidFill>
-                  <a:srgbClr val="ffffff"/>
+            <a:endParaRPr lang="en-US" sz="1800" b="0" strike="noStrike" spc="-1" dirty="0">
+              <a:solidFill>
+                <a:srgbClr val="000000"/>
+              </a:solidFill>
+              <a:uFill>
+                <a:solidFill>
+                  <a:srgbClr val="FFFFFF"/>
                 </a:solidFill>
               </a:uFill>
               <a:latin typeface="Arial"/>
@@ -4590,13 +4780,13 @@
               </a:lnSpc>
             </a:pPr>
             <a:r>
-              <a:rPr b="1" lang="en-US" sz="1800" spc="-1" strike="noStrike">
+              <a:rPr lang="en-US" sz="1800" b="1" strike="noStrike" spc="-1" dirty="0">
                 <a:solidFill>
                   <a:srgbClr val="262626"/>
                 </a:solidFill>
                 <a:uFill>
                   <a:solidFill>
-                    <a:srgbClr val="ffffff"/>
+                    <a:srgbClr val="FFFFFF"/>
                   </a:solidFill>
                 </a:uFill>
                 <a:latin typeface="Gill Sans MT"/>
@@ -4605,13 +4795,13 @@
               <a:t>Sherman: </a:t>
             </a:r>
             <a:r>
-              <a:rPr b="0" lang="en-US" sz="1800" spc="-1" strike="noStrike">
+              <a:rPr lang="en-US" sz="1800" b="0" strike="noStrike" spc="-1" dirty="0">
                 <a:solidFill>
                   <a:srgbClr val="262626"/>
                 </a:solidFill>
                 <a:uFill>
                   <a:solidFill>
-                    <a:srgbClr val="ffffff"/>
+                    <a:srgbClr val="FFFFFF"/>
                   </a:solidFill>
                 </a:uFill>
                 <a:latin typeface="Gill Sans MT"/>
@@ -4619,13 +4809,13 @@
               </a:rPr>
               <a:t>Found database we can connect to. Created API scripts. Integrated login API with app.</a:t>
             </a:r>
-            <a:endParaRPr b="0" lang="en-US" sz="1800" spc="-1" strike="noStrike">
-              <a:solidFill>
-                <a:srgbClr val="000000"/>
-              </a:solidFill>
-              <a:uFill>
-                <a:solidFill>
-                  <a:srgbClr val="ffffff"/>
+            <a:endParaRPr lang="en-US" sz="1800" b="0" strike="noStrike" spc="-1" dirty="0">
+              <a:solidFill>
+                <a:srgbClr val="000000"/>
+              </a:solidFill>
+              <a:uFill>
+                <a:solidFill>
+                  <a:srgbClr val="FFFFFF"/>
                 </a:solidFill>
               </a:uFill>
               <a:latin typeface="Arial"/>
@@ -4637,13 +4827,13 @@
                 <a:spcPct val="100000"/>
               </a:lnSpc>
             </a:pPr>
-            <a:endParaRPr b="0" lang="en-US" sz="1800" spc="-1" strike="noStrike">
-              <a:solidFill>
-                <a:srgbClr val="000000"/>
-              </a:solidFill>
-              <a:uFill>
-                <a:solidFill>
-                  <a:srgbClr val="ffffff"/>
+            <a:endParaRPr lang="en-US" sz="1800" b="0" strike="noStrike" spc="-1" dirty="0">
+              <a:solidFill>
+                <a:srgbClr val="000000"/>
+              </a:solidFill>
+              <a:uFill>
+                <a:solidFill>
+                  <a:srgbClr val="FFFFFF"/>
                 </a:solidFill>
               </a:uFill>
               <a:latin typeface="Arial"/>
@@ -4656,13 +4846,13 @@
               </a:lnSpc>
             </a:pPr>
             <a:r>
-              <a:rPr b="1" lang="en-US" sz="1800" spc="-1" strike="noStrike">
+              <a:rPr lang="en-US" sz="1800" b="1" strike="noStrike" spc="-1" dirty="0">
                 <a:solidFill>
                   <a:srgbClr val="262626"/>
                 </a:solidFill>
                 <a:uFill>
                   <a:solidFill>
-                    <a:srgbClr val="ffffff"/>
+                    <a:srgbClr val="FFFFFF"/>
                   </a:solidFill>
                 </a:uFill>
                 <a:latin typeface="Gill Sans MT"/>
@@ -4671,13 +4861,13 @@
               <a:t>Christian: </a:t>
             </a:r>
             <a:r>
-              <a:rPr b="0" lang="en-US" sz="1800" spc="-1" strike="noStrike">
+              <a:rPr lang="en-US" sz="1800" b="0" strike="noStrike" spc="-1" dirty="0">
                 <a:solidFill>
                   <a:srgbClr val="262626"/>
                 </a:solidFill>
                 <a:uFill>
                   <a:solidFill>
-                    <a:srgbClr val="ffffff"/>
+                    <a:srgbClr val="FFFFFF"/>
                   </a:solidFill>
                 </a:uFill>
                 <a:latin typeface="Gill Sans MT"/>
@@ -4685,13 +4875,13 @@
               </a:rPr>
               <a:t>Helped integrate the project with Travis CI, tweaked the UI for the final demo app.</a:t>
             </a:r>
-            <a:endParaRPr b="0" lang="en-US" sz="1800" spc="-1" strike="noStrike">
-              <a:solidFill>
-                <a:srgbClr val="000000"/>
-              </a:solidFill>
-              <a:uFill>
-                <a:solidFill>
-                  <a:srgbClr val="ffffff"/>
+            <a:endParaRPr lang="en-US" sz="1800" b="0" strike="noStrike" spc="-1" dirty="0">
+              <a:solidFill>
+                <a:srgbClr val="000000"/>
+              </a:solidFill>
+              <a:uFill>
+                <a:solidFill>
+                  <a:srgbClr val="FFFFFF"/>
                 </a:solidFill>
               </a:uFill>
               <a:latin typeface="Arial"/>
@@ -4703,13 +4893,13 @@
                 <a:spcPct val="100000"/>
               </a:lnSpc>
             </a:pPr>
-            <a:endParaRPr b="0" lang="en-US" sz="1800" spc="-1" strike="noStrike">
-              <a:solidFill>
-                <a:srgbClr val="000000"/>
-              </a:solidFill>
-              <a:uFill>
-                <a:solidFill>
-                  <a:srgbClr val="ffffff"/>
+            <a:endParaRPr lang="en-US" sz="1800" b="0" strike="noStrike" spc="-1" dirty="0">
+              <a:solidFill>
+                <a:srgbClr val="000000"/>
+              </a:solidFill>
+              <a:uFill>
+                <a:solidFill>
+                  <a:srgbClr val="FFFFFF"/>
                 </a:solidFill>
               </a:uFill>
               <a:latin typeface="Arial"/>
@@ -4722,13 +4912,13 @@
               </a:lnSpc>
             </a:pPr>
             <a:r>
-              <a:rPr b="1" lang="en-US" sz="1800" spc="-1" strike="noStrike">
+              <a:rPr lang="en-US" sz="1800" b="1" strike="noStrike" spc="-1" dirty="0">
                 <a:solidFill>
                   <a:srgbClr val="262626"/>
                 </a:solidFill>
                 <a:uFill>
                   <a:solidFill>
-                    <a:srgbClr val="ffffff"/>
+                    <a:srgbClr val="FFFFFF"/>
                   </a:solidFill>
                 </a:uFill>
                 <a:latin typeface="Gill Sans MT"/>
@@ -4736,13 +4926,13 @@
               </a:rPr>
               <a:t>Zach:</a:t>
             </a:r>
-            <a:endParaRPr b="0" lang="en-US" sz="1800" spc="-1" strike="noStrike">
-              <a:solidFill>
-                <a:srgbClr val="000000"/>
-              </a:solidFill>
-              <a:uFill>
-                <a:solidFill>
-                  <a:srgbClr val="ffffff"/>
+            <a:endParaRPr lang="en-US" sz="1800" b="0" strike="noStrike" spc="-1" dirty="0">
+              <a:solidFill>
+                <a:srgbClr val="000000"/>
+              </a:solidFill>
+              <a:uFill>
+                <a:solidFill>
+                  <a:srgbClr val="FFFFFF"/>
                 </a:solidFill>
               </a:uFill>
               <a:latin typeface="Arial"/>
@@ -4754,13 +4944,13 @@
                 <a:spcPct val="100000"/>
               </a:lnSpc>
             </a:pPr>
-            <a:endParaRPr b="0" lang="en-US" sz="1800" spc="-1" strike="noStrike">
-              <a:solidFill>
-                <a:srgbClr val="000000"/>
-              </a:solidFill>
-              <a:uFill>
-                <a:solidFill>
-                  <a:srgbClr val="ffffff"/>
+            <a:endParaRPr lang="en-US" sz="1800" b="0" strike="noStrike" spc="-1" dirty="0">
+              <a:solidFill>
+                <a:srgbClr val="000000"/>
+              </a:solidFill>
+              <a:uFill>
+                <a:solidFill>
+                  <a:srgbClr val="FFFFFF"/>
                 </a:solidFill>
               </a:uFill>
               <a:latin typeface="Arial"/>
@@ -4770,22 +4960,25 @@
       </p:sp>
     </p:spTree>
   </p:cSld>
+  <p:clrMapOvr>
+    <a:masterClrMapping/>
+  </p:clrMapOvr>
   <p:timing>
     <p:tnLst>
       <p:par>
-        <p:cTn id="5" dur="indefinite" restart="never" nodeType="tmRoot">
+        <p:cTn xmlns:p14="http://schemas.microsoft.com/office/powerpoint/2010/main" id="1" dur="indefinite" restart="never" nodeType="tmRoot">
           <p:childTnLst>
             <p:seq>
-              <p:cTn id="6" nodeType="mainSeq"/>
+              <p:cTn id="2" nodeType="mainSeq"/>
               <p:prevCondLst>
-                <p:cond delay="0" evt="onPrev">
+                <p:cond evt="onPrev" delay="0">
                   <p:tgtEl>
                     <p:sldTgt/>
                   </p:tgtEl>
                 </p:cond>
               </p:prevCondLst>
               <p:nextCondLst>
-                <p:cond delay="0" evt="onNext">
+                <p:cond evt="onNext" delay="0">
                   <p:tgtEl>
                     <p:sldTgt/>
                   </p:tgtEl>
@@ -5020,6 +5213,8 @@
       </a:bgFillStyleLst>
     </a:fmtScheme>
   </a:themeElements>
+  <a:objectDefaults/>
+  <a:extraClrSchemeLst/>
 </a:theme>
 </file>
 
@@ -5243,5 +5438,7 @@
       </a:bgFillStyleLst>
     </a:fmtScheme>
   </a:themeElements>
+  <a:objectDefaults/>
+  <a:extraClrSchemeLst/>
 </a:theme>
 </file>
--- a/Presentations/Sprint 3 Review.pptx
+++ b/Presentations/Sprint 3 Review.pptx
@@ -107,6 +107,22 @@
       </a:defRPr>
     </a:lvl9pPr>
   </p:defaultTextStyle>
+  <p:extLst>
+    <p:ext uri="{EFAFB233-063F-42B5-8137-9DF3F51BA10A}">
+      <p15:sldGuideLst xmlns:p15="http://schemas.microsoft.com/office/powerpoint/2012/main">
+        <p15:guide id="1" orient="horz" pos="2160">
+          <p15:clr>
+            <a:srgbClr val="A4A3A4"/>
+          </p15:clr>
+        </p15:guide>
+        <p15:guide id="2" pos="3840">
+          <p15:clr>
+            <a:srgbClr val="A4A3A4"/>
+          </p15:clr>
+        </p15:guide>
+      </p15:sldGuideLst>
+    </p:ext>
+  </p:extLst>
 </p:presentation>
 </file>
 
@@ -3903,7 +3919,7 @@
   <p:timing>
     <p:tnLst>
       <p:par>
-        <p:cTn xmlns:p14="http://schemas.microsoft.com/office/powerpoint/2010/main" id="1" dur="indefinite" restart="never" nodeType="tmRoot">
+        <p:cTn id="1" dur="indefinite" restart="never" nodeType="tmRoot">
           <p:childTnLst>
             <p:seq>
               <p:cTn id="2" nodeType="mainSeq"/>
@@ -4413,7 +4429,7 @@
   <p:timing>
     <p:tnLst>
       <p:par>
-        <p:cTn xmlns:p14="http://schemas.microsoft.com/office/powerpoint/2010/main" id="1" dur="indefinite" restart="never" nodeType="tmRoot">
+        <p:cTn id="1" dur="indefinite" restart="never" nodeType="tmRoot">
           <p:childTnLst>
             <p:seq>
               <p:cTn id="2" nodeType="mainSeq"/>
@@ -4579,9 +4595,99 @@
                 <a:latin typeface="Gill Sans MT"/>
                 <a:ea typeface="DejaVu Sans"/>
               </a:rPr>
-              <a:t>Ed:</a:t>
+              <a:t>Ed</a:t>
             </a:r>
-            <a:endParaRPr lang="en-US" sz="1800" b="0" strike="noStrike" spc="-1" dirty="0">
+            <a:r>
+              <a:rPr lang="en-US" sz="1800" b="1" strike="noStrike" spc="-1" dirty="0" smtClean="0">
+                <a:solidFill>
+                  <a:srgbClr val="262626"/>
+                </a:solidFill>
+                <a:uFill>
+                  <a:solidFill>
+                    <a:srgbClr val="FFFFFF"/>
+                  </a:solidFill>
+                </a:uFill>
+                <a:latin typeface="Gill Sans MT"/>
+                <a:ea typeface="DejaVu Sans"/>
+              </a:rPr>
+              <a:t>: </a:t>
+            </a:r>
+            <a:r>
+              <a:rPr lang="en-US" sz="1800" strike="noStrike" spc="-1" dirty="0" smtClean="0">
+                <a:solidFill>
+                  <a:srgbClr val="262626"/>
+                </a:solidFill>
+                <a:uFill>
+                  <a:solidFill>
+                    <a:srgbClr val="FFFFFF"/>
+                  </a:solidFill>
+                </a:uFill>
+                <a:latin typeface="Gill Sans MT"/>
+                <a:ea typeface="DejaVu Sans"/>
+              </a:rPr>
+              <a:t>Worked on getting access to database. </a:t>
+            </a:r>
+            <a:r>
+              <a:rPr lang="en-US" spc="-1" dirty="0" smtClean="0">
+                <a:solidFill>
+                  <a:srgbClr val="262626"/>
+                </a:solidFill>
+                <a:uFill>
+                  <a:solidFill>
+                    <a:srgbClr val="FFFFFF"/>
+                  </a:solidFill>
+                </a:uFill>
+                <a:latin typeface="Gill Sans MT"/>
+                <a:ea typeface="DejaVu Sans"/>
+              </a:rPr>
+              <a:t>Tried to get help from Dr. Lehr. We were unable to gain access to </a:t>
+            </a:r>
+            <a:r>
+              <a:rPr lang="en-US" spc="-1" dirty="0" err="1" smtClean="0">
+                <a:solidFill>
+                  <a:srgbClr val="262626"/>
+                </a:solidFill>
+                <a:uFill>
+                  <a:solidFill>
+                    <a:srgbClr val="FFFFFF"/>
+                  </a:solidFill>
+                </a:uFill>
+                <a:latin typeface="Gill Sans MT"/>
+                <a:ea typeface="DejaVu Sans"/>
+              </a:rPr>
+              <a:t>aws</a:t>
+            </a:r>
+            <a:r>
+              <a:rPr lang="en-US" spc="-1" dirty="0" smtClean="0">
+                <a:solidFill>
+                  <a:srgbClr val="262626"/>
+                </a:solidFill>
+                <a:uFill>
+                  <a:solidFill>
+                    <a:srgbClr val="FFFFFF"/>
+                  </a:solidFill>
+                </a:uFill>
+                <a:latin typeface="Gill Sans MT"/>
+                <a:ea typeface="DejaVu Sans"/>
+              </a:rPr>
+              <a:t> </a:t>
+            </a:r>
+            <a:r>
+              <a:rPr lang="en-US" spc="-1" smtClean="0">
+                <a:solidFill>
+                  <a:srgbClr val="262626"/>
+                </a:solidFill>
+                <a:uFill>
+                  <a:solidFill>
+                    <a:srgbClr val="FFFFFF"/>
+                  </a:solidFill>
+                </a:uFill>
+                <a:latin typeface="Gill Sans MT"/>
+                <a:ea typeface="DejaVu Sans"/>
+              </a:rPr>
+              <a:t>database.</a:t>
+            </a:r>
+            <a:endParaRPr lang="en-US" sz="1800" strike="noStrike" spc="-1" dirty="0">
               <a:solidFill>
                 <a:srgbClr val="000000"/>
               </a:solidFill>
@@ -4966,7 +5072,7 @@
   <p:timing>
     <p:tnLst>
       <p:par>
-        <p:cTn xmlns:p14="http://schemas.microsoft.com/office/powerpoint/2010/main" id="1" dur="indefinite" restart="never" nodeType="tmRoot">
+        <p:cTn id="1" dur="indefinite" restart="never" nodeType="tmRoot">
           <p:childTnLst>
             <p:seq>
               <p:cTn id="2" nodeType="mainSeq"/>

--- a/Presentations/Sprint 3 Review.pptx
+++ b/Presentations/Sprint 3 Review.pptx
@@ -1,6 +1,6 @@
 
 <file path=ppt/presentation.xml><?xml version="1.0" encoding="utf-8"?>
-<p:presentation xmlns:a="http://schemas.openxmlformats.org/drawingml/2006/main" xmlns:r="http://schemas.openxmlformats.org/officeDocument/2006/relationships" xmlns:p="http://schemas.openxmlformats.org/presentationml/2006/main">
+<p:presentation xmlns:a="http://schemas.openxmlformats.org/drawingml/2006/main" xmlns:r="http://schemas.openxmlformats.org/officeDocument/2006/relationships" xmlns:p="http://schemas.openxmlformats.org/presentationml/2006/main" saveSubsetFonts="1">
   <p:sldMasterIdLst>
     <p:sldMasterId id="2147483648" r:id="rId1"/>
     <p:sldMasterId id="2147483661" r:id="rId2"/>
@@ -4670,22 +4670,7 @@
                 <a:latin typeface="Gill Sans MT"/>
                 <a:ea typeface="DejaVu Sans"/>
               </a:rPr>
-              <a:t> </a:t>
-            </a:r>
-            <a:r>
-              <a:rPr lang="en-US" spc="-1" smtClean="0">
-                <a:solidFill>
-                  <a:srgbClr val="262626"/>
-                </a:solidFill>
-                <a:uFill>
-                  <a:solidFill>
-                    <a:srgbClr val="FFFFFF"/>
-                  </a:solidFill>
-                </a:uFill>
-                <a:latin typeface="Gill Sans MT"/>
-                <a:ea typeface="DejaVu Sans"/>
-              </a:rPr>
-              <a:t>database.</a:t>
+              <a:t> database.</a:t>
             </a:r>
             <a:endParaRPr lang="en-US" sz="1800" strike="noStrike" spc="-1" dirty="0">
               <a:solidFill>
@@ -4848,6 +4833,96 @@
                 <a:ea typeface="DejaVu Sans"/>
               </a:rPr>
               <a:t>Nick: </a:t>
+            </a:r>
+            <a:r>
+              <a:rPr lang="en-US" spc="-1" dirty="0" smtClean="0">
+                <a:solidFill>
+                  <a:srgbClr val="262626"/>
+                </a:solidFill>
+                <a:uFill>
+                  <a:solidFill>
+                    <a:srgbClr val="FFFFFF"/>
+                  </a:solidFill>
+                </a:uFill>
+                <a:latin typeface="Gill Sans MT"/>
+                <a:ea typeface="DejaVu Sans"/>
+              </a:rPr>
+              <a:t>I worked on refactoring the </a:t>
+            </a:r>
+            <a:r>
+              <a:rPr lang="en-US" spc="-1" dirty="0" err="1" smtClean="0">
+                <a:solidFill>
+                  <a:srgbClr val="262626"/>
+                </a:solidFill>
+                <a:uFill>
+                  <a:solidFill>
+                    <a:srgbClr val="FFFFFF"/>
+                  </a:solidFill>
+                </a:uFill>
+                <a:latin typeface="Gill Sans MT"/>
+                <a:ea typeface="DejaVu Sans"/>
+              </a:rPr>
+              <a:t>Recipe.java</a:t>
+            </a:r>
+            <a:r>
+              <a:rPr lang="en-US" spc="-1" dirty="0" smtClean="0">
+                <a:solidFill>
+                  <a:srgbClr val="262626"/>
+                </a:solidFill>
+                <a:uFill>
+                  <a:solidFill>
+                    <a:srgbClr val="FFFFFF"/>
+                  </a:solidFill>
+                </a:uFill>
+                <a:latin typeface="Gill Sans MT"/>
+                <a:ea typeface="DejaVu Sans"/>
+              </a:rPr>
+              <a:t> and </a:t>
+            </a:r>
+            <a:r>
+              <a:rPr lang="en-US" spc="-1" dirty="0" err="1" smtClean="0">
+                <a:solidFill>
+                  <a:srgbClr val="262626"/>
+                </a:solidFill>
+                <a:uFill>
+                  <a:solidFill>
+                    <a:srgbClr val="FFFFFF"/>
+                  </a:solidFill>
+                </a:uFill>
+                <a:latin typeface="Gill Sans MT"/>
+                <a:ea typeface="DejaVu Sans"/>
+              </a:rPr>
+              <a:t>Constants.java</a:t>
+            </a:r>
+            <a:r>
+              <a:rPr lang="en-US" spc="-1" dirty="0" smtClean="0">
+                <a:solidFill>
+                  <a:srgbClr val="262626"/>
+                </a:solidFill>
+                <a:uFill>
+                  <a:solidFill>
+                    <a:srgbClr val="FFFFFF"/>
+                  </a:solidFill>
+                </a:uFill>
+                <a:latin typeface="Gill Sans MT"/>
+                <a:ea typeface="DejaVu Sans"/>
+              </a:rPr>
+              <a:t> class. I also worked on improving the organization and documentation of </a:t>
+            </a:r>
+            <a:r>
+              <a:rPr lang="en-US" spc="-1" smtClean="0">
+                <a:solidFill>
+                  <a:srgbClr val="262626"/>
+                </a:solidFill>
+                <a:uFill>
+                  <a:solidFill>
+                    <a:srgbClr val="FFFFFF"/>
+                  </a:solidFill>
+                </a:uFill>
+                <a:latin typeface="Gill Sans MT"/>
+                <a:ea typeface="DejaVu Sans"/>
+              </a:rPr>
+              <a:t>our repository by flushing out the README.</a:t>
             </a:r>
             <a:endParaRPr lang="en-US" sz="1800" b="0" strike="noStrike" spc="-1" dirty="0">
               <a:solidFill>

--- a/Presentations/Sprint 3 Review.pptx
+++ b/Presentations/Sprint 3 Review.pptx
@@ -4595,25 +4595,10 @@
                 <a:latin typeface="Gill Sans MT"/>
                 <a:ea typeface="DejaVu Sans"/>
               </a:rPr>
-              <a:t>Ed</a:t>
+              <a:t>Ed: </a:t>
             </a:r>
             <a:r>
-              <a:rPr lang="en-US" sz="1800" b="1" strike="noStrike" spc="-1" dirty="0" smtClean="0">
-                <a:solidFill>
-                  <a:srgbClr val="262626"/>
-                </a:solidFill>
-                <a:uFill>
-                  <a:solidFill>
-                    <a:srgbClr val="FFFFFF"/>
-                  </a:solidFill>
-                </a:uFill>
-                <a:latin typeface="Gill Sans MT"/>
-                <a:ea typeface="DejaVu Sans"/>
-              </a:rPr>
-              <a:t>: </a:t>
-            </a:r>
-            <a:r>
-              <a:rPr lang="en-US" sz="1800" strike="noStrike" spc="-1" dirty="0" smtClean="0">
+              <a:rPr lang="en-US" sz="1800" strike="noStrike" spc="-1" dirty="0">
                 <a:solidFill>
                   <a:srgbClr val="262626"/>
                 </a:solidFill>
@@ -4628,7 +4613,7 @@
               <a:t>Worked on getting access to database. </a:t>
             </a:r>
             <a:r>
-              <a:rPr lang="en-US" spc="-1" dirty="0" smtClean="0">
+              <a:rPr lang="en-US" spc="-1" dirty="0">
                 <a:solidFill>
                   <a:srgbClr val="262626"/>
                 </a:solidFill>
@@ -4643,7 +4628,7 @@
               <a:t>Tried to get help from Dr. Lehr. We were unable to gain access to </a:t>
             </a:r>
             <a:r>
-              <a:rPr lang="en-US" spc="-1" dirty="0" err="1" smtClean="0">
+              <a:rPr lang="en-US" spc="-1" dirty="0" err="1">
                 <a:solidFill>
                   <a:srgbClr val="262626"/>
                 </a:solidFill>
@@ -4658,7 +4643,7 @@
               <a:t>aws</a:t>
             </a:r>
             <a:r>
-              <a:rPr lang="en-US" spc="-1" dirty="0" smtClean="0">
+              <a:rPr lang="en-US" spc="-1" dirty="0">
                 <a:solidFill>
                   <a:srgbClr val="262626"/>
                 </a:solidFill>
@@ -4670,22 +4655,7 @@
                 <a:latin typeface="Gill Sans MT"/>
                 <a:ea typeface="DejaVu Sans"/>
               </a:rPr>
-              <a:t> </a:t>
-            </a:r>
-            <a:r>
-              <a:rPr lang="en-US" spc="-1" smtClean="0">
-                <a:solidFill>
-                  <a:srgbClr val="262626"/>
-                </a:solidFill>
-                <a:uFill>
-                  <a:solidFill>
-                    <a:srgbClr val="FFFFFF"/>
-                  </a:solidFill>
-                </a:uFill>
-                <a:latin typeface="Gill Sans MT"/>
-                <a:ea typeface="DejaVu Sans"/>
-              </a:rPr>
-              <a:t>database.</a:t>
+              <a:t> database.</a:t>
             </a:r>
             <a:endParaRPr lang="en-US" sz="1800" strike="noStrike" spc="-1" dirty="0">
               <a:solidFill>
@@ -4754,7 +4724,7 @@
               <a:t> </a:t>
             </a:r>
             <a:r>
-              <a:rPr lang="en-US" spc="-1" dirty="0" smtClean="0">
+              <a:rPr lang="en-US" spc="-1" dirty="0">
                 <a:solidFill>
                   <a:srgbClr val="262626"/>
                 </a:solidFill>
@@ -4769,7 +4739,7 @@
               <a:t>Worked with Zach on refactoring </a:t>
             </a:r>
             <a:r>
-              <a:rPr lang="en-US" spc="-1" dirty="0" err="1" smtClean="0">
+              <a:rPr lang="en-US" spc="-1" dirty="0" err="1">
                 <a:solidFill>
                   <a:srgbClr val="262626"/>
                 </a:solidFill>
@@ -4784,7 +4754,7 @@
               <a:t>MainActivity</a:t>
             </a:r>
             <a:r>
-              <a:rPr lang="en-US" spc="-1" dirty="0" smtClean="0">
+              <a:rPr lang="en-US" spc="-1" dirty="0">
                 <a:solidFill>
                   <a:srgbClr val="262626"/>
                 </a:solidFill>
@@ -5030,9 +5000,99 @@
                 <a:latin typeface="Gill Sans MT"/>
                 <a:ea typeface="DejaVu Sans"/>
               </a:rPr>
-              <a:t>Zach:</a:t>
+              <a:t>Zach: </a:t>
             </a:r>
-            <a:endParaRPr lang="en-US" sz="1800" b="0" strike="noStrike" spc="-1" dirty="0">
+            <a:r>
+              <a:rPr lang="en-US" sz="1800" strike="noStrike" spc="-1" dirty="0">
+                <a:solidFill>
+                  <a:srgbClr val="262626"/>
+                </a:solidFill>
+                <a:uFill>
+                  <a:solidFill>
+                    <a:srgbClr val="FFFFFF"/>
+                  </a:solidFill>
+                </a:uFill>
+                <a:latin typeface="Gill Sans MT"/>
+                <a:ea typeface="DejaVu Sans"/>
+              </a:rPr>
+              <a:t>Worked </a:t>
+            </a:r>
+            <a:r>
+              <a:rPr lang="en-US" spc="-1" dirty="0">
+                <a:solidFill>
+                  <a:srgbClr val="262626"/>
+                </a:solidFill>
+                <a:uFill>
+                  <a:solidFill>
+                    <a:srgbClr val="FFFFFF"/>
+                  </a:solidFill>
+                </a:uFill>
+                <a:latin typeface="Gill Sans MT"/>
+                <a:ea typeface="DejaVu Sans"/>
+              </a:rPr>
+              <a:t>with Forrest to refactor </a:t>
+            </a:r>
+            <a:r>
+              <a:rPr lang="en-US" spc="-1" dirty="0" err="1">
+                <a:solidFill>
+                  <a:srgbClr val="262626"/>
+                </a:solidFill>
+                <a:uFill>
+                  <a:solidFill>
+                    <a:srgbClr val="FFFFFF"/>
+                  </a:solidFill>
+                </a:uFill>
+                <a:latin typeface="Gill Sans MT"/>
+                <a:ea typeface="DejaVu Sans"/>
+              </a:rPr>
+              <a:t>MainActivity</a:t>
+            </a:r>
+            <a:r>
+              <a:rPr lang="en-US" spc="-1" dirty="0">
+                <a:solidFill>
+                  <a:srgbClr val="262626"/>
+                </a:solidFill>
+                <a:uFill>
+                  <a:solidFill>
+                    <a:srgbClr val="FFFFFF"/>
+                  </a:solidFill>
+                </a:uFill>
+                <a:latin typeface="Gill Sans MT"/>
+                <a:ea typeface="DejaVu Sans"/>
+              </a:rPr>
+              <a:t> class. Set up Login Activity so that Sherman could integrate login API.  Worked with Christian to </a:t>
+            </a:r>
+            <a:r>
+              <a:rPr lang="en-US" spc="-1">
+                <a:solidFill>
+                  <a:srgbClr val="262626"/>
+                </a:solidFill>
+                <a:uFill>
+                  <a:solidFill>
+                    <a:srgbClr val="FFFFFF"/>
+                  </a:solidFill>
+                </a:uFill>
+                <a:latin typeface="Gill Sans MT"/>
+                <a:ea typeface="DejaVu Sans"/>
+              </a:rPr>
+              <a:t>integrate project with </a:t>
+            </a:r>
+            <a:r>
+              <a:rPr lang="en-US" spc="-1" dirty="0">
+                <a:solidFill>
+                  <a:srgbClr val="262626"/>
+                </a:solidFill>
+                <a:uFill>
+                  <a:solidFill>
+                    <a:srgbClr val="FFFFFF"/>
+                  </a:solidFill>
+                </a:uFill>
+                <a:latin typeface="Gill Sans MT"/>
+                <a:ea typeface="DejaVu Sans"/>
+              </a:rPr>
+              <a:t>Travis CI.</a:t>
+            </a:r>
+            <a:endParaRPr lang="en-US" sz="1800" strike="noStrike" spc="-1" dirty="0">
               <a:solidFill>
                 <a:srgbClr val="000000"/>
               </a:solidFill>

--- a/Presentations/Sprint 3 Review.pptx
+++ b/Presentations/Sprint 3 Review.pptx
@@ -1,6 +1,6 @@
 
 <file path=ppt/presentation.xml><?xml version="1.0" encoding="utf-8"?>
-<p:presentation xmlns:a="http://schemas.openxmlformats.org/drawingml/2006/main" xmlns:r="http://schemas.openxmlformats.org/officeDocument/2006/relationships" xmlns:p="http://schemas.openxmlformats.org/presentationml/2006/main">
+<p:presentation xmlns:a="http://schemas.openxmlformats.org/drawingml/2006/main" xmlns:r="http://schemas.openxmlformats.org/officeDocument/2006/relationships" xmlns:p="http://schemas.openxmlformats.org/presentationml/2006/main" saveSubsetFonts="1">
   <p:sldMasterIdLst>
     <p:sldMasterId id="2147483648" r:id="rId1"/>
     <p:sldMasterId id="2147483661" r:id="rId2"/>
@@ -4819,6 +4819,96 @@
               </a:rPr>
               <a:t>Nick: </a:t>
             </a:r>
+            <a:r>
+              <a:rPr lang="en-US" spc="-1" dirty="0" smtClean="0">
+                <a:solidFill>
+                  <a:srgbClr val="262626"/>
+                </a:solidFill>
+                <a:uFill>
+                  <a:solidFill>
+                    <a:srgbClr val="FFFFFF"/>
+                  </a:solidFill>
+                </a:uFill>
+                <a:latin typeface="Gill Sans MT"/>
+                <a:ea typeface="DejaVu Sans"/>
+              </a:rPr>
+              <a:t>I worked on </a:t>
+            </a:r>
+            <a:r>
+              <a:rPr lang="en-US" spc="-1" dirty="0" err="1" smtClean="0">
+                <a:solidFill>
+                  <a:srgbClr val="262626"/>
+                </a:solidFill>
+                <a:uFill>
+                  <a:solidFill>
+                    <a:srgbClr val="FFFFFF"/>
+                  </a:solidFill>
+                </a:uFill>
+                <a:latin typeface="Gill Sans MT"/>
+                <a:ea typeface="DejaVu Sans"/>
+              </a:rPr>
+              <a:t>Recipe.java</a:t>
+            </a:r>
+            <a:r>
+              <a:rPr lang="en-US" spc="-1" dirty="0" smtClean="0">
+                <a:solidFill>
+                  <a:srgbClr val="262626"/>
+                </a:solidFill>
+                <a:uFill>
+                  <a:solidFill>
+                    <a:srgbClr val="FFFFFF"/>
+                  </a:solidFill>
+                </a:uFill>
+                <a:latin typeface="Gill Sans MT"/>
+                <a:ea typeface="DejaVu Sans"/>
+              </a:rPr>
+              <a:t> and </a:t>
+            </a:r>
+            <a:r>
+              <a:rPr lang="en-US" spc="-1" dirty="0" err="1" smtClean="0">
+                <a:solidFill>
+                  <a:srgbClr val="262626"/>
+                </a:solidFill>
+                <a:uFill>
+                  <a:solidFill>
+                    <a:srgbClr val="FFFFFF"/>
+                  </a:solidFill>
+                </a:uFill>
+                <a:latin typeface="Gill Sans MT"/>
+                <a:ea typeface="DejaVu Sans"/>
+              </a:rPr>
+              <a:t>Constants.java</a:t>
+            </a:r>
+            <a:r>
+              <a:rPr lang="en-US" spc="-1" dirty="0" smtClean="0">
+                <a:solidFill>
+                  <a:srgbClr val="262626"/>
+                </a:solidFill>
+                <a:uFill>
+                  <a:solidFill>
+                    <a:srgbClr val="FFFFFF"/>
+                  </a:solidFill>
+                </a:uFill>
+                <a:latin typeface="Gill Sans MT"/>
+                <a:ea typeface="DejaVu Sans"/>
+              </a:rPr>
+              <a:t> class. I also worked on improving the organization of out repository </a:t>
+            </a:r>
+            <a:r>
+              <a:rPr lang="en-US" spc="-1" smtClean="0">
+                <a:solidFill>
+                  <a:srgbClr val="262626"/>
+                </a:solidFill>
+                <a:uFill>
+                  <a:solidFill>
+                    <a:srgbClr val="FFFFFF"/>
+                  </a:solidFill>
+                </a:uFill>
+                <a:latin typeface="Gill Sans MT"/>
+                <a:ea typeface="DejaVu Sans"/>
+              </a:rPr>
+              <a:t>by flushing out our README.</a:t>
+            </a:r>
             <a:endParaRPr lang="en-US" sz="1800" b="0" strike="noStrike" spc="-1" dirty="0">
               <a:solidFill>
                 <a:srgbClr val="000000"/>
@@ -5060,37 +5150,7 @@
                 <a:latin typeface="Gill Sans MT"/>
                 <a:ea typeface="DejaVu Sans"/>
               </a:rPr>
-              <a:t> class. Set up Login Activity so that Sherman could integrate login API.  Worked with Christian to </a:t>
-            </a:r>
-            <a:r>
-              <a:rPr lang="en-US" spc="-1">
-                <a:solidFill>
-                  <a:srgbClr val="262626"/>
-                </a:solidFill>
-                <a:uFill>
-                  <a:solidFill>
-                    <a:srgbClr val="FFFFFF"/>
-                  </a:solidFill>
-                </a:uFill>
-                <a:latin typeface="Gill Sans MT"/>
-                <a:ea typeface="DejaVu Sans"/>
-              </a:rPr>
-              <a:t>integrate project with </a:t>
-            </a:r>
-            <a:r>
-              <a:rPr lang="en-US" spc="-1" dirty="0">
-                <a:solidFill>
-                  <a:srgbClr val="262626"/>
-                </a:solidFill>
-                <a:uFill>
-                  <a:solidFill>
-                    <a:srgbClr val="FFFFFF"/>
-                  </a:solidFill>
-                </a:uFill>
-                <a:latin typeface="Gill Sans MT"/>
-                <a:ea typeface="DejaVu Sans"/>
-              </a:rPr>
-              <a:t>Travis CI.</a:t>
+              <a:t> class. Set up Login Activity so that Sherman could integrate login API.  Worked with Christian to integrate project with Travis CI.</a:t>
             </a:r>
             <a:endParaRPr lang="en-US" sz="1800" strike="noStrike" spc="-1" dirty="0">
               <a:solidFill>
